--- a/PC/Triton_intro.pptx
+++ b/PC/Triton_intro.pptx
@@ -5,7 +5,7 @@
     <p:sldMasterId id="2147483660" r:id="rId1"/>
   </p:sldMasterIdLst>
   <p:notesMasterIdLst>
-    <p:notesMasterId r:id="rId39"/>
+    <p:notesMasterId r:id="rId40"/>
   </p:notesMasterIdLst>
   <p:sldIdLst>
     <p:sldId id="256" r:id="rId2"/>
@@ -29,22 +29,23 @@
     <p:sldId id="267" r:id="rId20"/>
     <p:sldId id="268" r:id="rId21"/>
     <p:sldId id="270" r:id="rId22"/>
-    <p:sldId id="271" r:id="rId23"/>
-    <p:sldId id="272" r:id="rId24"/>
-    <p:sldId id="273" r:id="rId25"/>
-    <p:sldId id="274" r:id="rId26"/>
-    <p:sldId id="275" r:id="rId27"/>
-    <p:sldId id="276" r:id="rId28"/>
-    <p:sldId id="277" r:id="rId29"/>
-    <p:sldId id="278" r:id="rId30"/>
-    <p:sldId id="279" r:id="rId31"/>
-    <p:sldId id="280" r:id="rId32"/>
-    <p:sldId id="294" r:id="rId33"/>
-    <p:sldId id="281" r:id="rId34"/>
-    <p:sldId id="282" r:id="rId35"/>
-    <p:sldId id="283" r:id="rId36"/>
-    <p:sldId id="284" r:id="rId37"/>
-    <p:sldId id="285" r:id="rId38"/>
+    <p:sldId id="295" r:id="rId23"/>
+    <p:sldId id="271" r:id="rId24"/>
+    <p:sldId id="272" r:id="rId25"/>
+    <p:sldId id="273" r:id="rId26"/>
+    <p:sldId id="274" r:id="rId27"/>
+    <p:sldId id="275" r:id="rId28"/>
+    <p:sldId id="276" r:id="rId29"/>
+    <p:sldId id="277" r:id="rId30"/>
+    <p:sldId id="278" r:id="rId31"/>
+    <p:sldId id="279" r:id="rId32"/>
+    <p:sldId id="280" r:id="rId33"/>
+    <p:sldId id="294" r:id="rId34"/>
+    <p:sldId id="281" r:id="rId35"/>
+    <p:sldId id="282" r:id="rId36"/>
+    <p:sldId id="283" r:id="rId37"/>
+    <p:sldId id="284" r:id="rId38"/>
+    <p:sldId id="285" r:id="rId39"/>
   </p:sldIdLst>
   <p:sldSz cx="9144000" cy="6858000" type="screen4x3"/>
   <p:notesSz cx="6858000" cy="9144000"/>
@@ -258,7 +259,7 @@
           <a:p>
             <a:fld id="{0B872A48-DDC1-B54A-AC30-3AC36BB5FD0A}" type="datetimeFigureOut">
               <a:rPr lang="en-US" smtClean="0"/>
-              <a:t>11/1/20</a:t>
+              <a:t>11/2/20</a:t>
             </a:fld>
             <a:endParaRPr lang="en-US"/>
           </a:p>
@@ -591,7 +592,7 @@
           <a:p>
             <a:fld id="{2DCF2152-876B-2F4B-959B-D128E644AAC9}" type="slidenum">
               <a:rPr lang="en-US" smtClean="0"/>
-              <a:t>26</a:t>
+              <a:t>27</a:t>
             </a:fld>
             <a:endParaRPr lang="en-US"/>
           </a:p>
@@ -675,7 +676,7 @@
           <a:p>
             <a:fld id="{2DCF2152-876B-2F4B-959B-D128E644AAC9}" type="slidenum">
               <a:rPr lang="en-US" smtClean="0"/>
-              <a:t>27</a:t>
+              <a:t>28</a:t>
             </a:fld>
             <a:endParaRPr lang="en-US"/>
           </a:p>
@@ -759,7 +760,7 @@
           <a:p>
             <a:fld id="{2DCF2152-876B-2F4B-959B-D128E644AAC9}" type="slidenum">
               <a:rPr lang="en-US" smtClean="0"/>
-              <a:t>28</a:t>
+              <a:t>29</a:t>
             </a:fld>
             <a:endParaRPr lang="en-US"/>
           </a:p>
@@ -843,7 +844,7 @@
           <a:p>
             <a:fld id="{2DCF2152-876B-2F4B-959B-D128E644AAC9}" type="slidenum">
               <a:rPr lang="en-US" smtClean="0"/>
-              <a:t>29</a:t>
+              <a:t>30</a:t>
             </a:fld>
             <a:endParaRPr lang="en-US"/>
           </a:p>
@@ -927,7 +928,7 @@
           <a:p>
             <a:fld id="{2DCF2152-876B-2F4B-959B-D128E644AAC9}" type="slidenum">
               <a:rPr lang="en-US" smtClean="0"/>
-              <a:t>30</a:t>
+              <a:t>31</a:t>
             </a:fld>
             <a:endParaRPr lang="en-US"/>
           </a:p>
@@ -1011,7 +1012,7 @@
           <a:p>
             <a:fld id="{2DCF2152-876B-2F4B-959B-D128E644AAC9}" type="slidenum">
               <a:rPr lang="en-US" smtClean="0"/>
-              <a:t>31</a:t>
+              <a:t>32</a:t>
             </a:fld>
             <a:endParaRPr lang="en-US"/>
           </a:p>
@@ -1095,7 +1096,7 @@
           <a:p>
             <a:fld id="{2DCF2152-876B-2F4B-959B-D128E644AAC9}" type="slidenum">
               <a:rPr lang="en-US" smtClean="0"/>
-              <a:t>32</a:t>
+              <a:t>33</a:t>
             </a:fld>
             <a:endParaRPr lang="en-US"/>
           </a:p>
@@ -1179,7 +1180,7 @@
           <a:p>
             <a:fld id="{2DCF2152-876B-2F4B-959B-D128E644AAC9}" type="slidenum">
               <a:rPr lang="en-US" smtClean="0"/>
-              <a:t>33</a:t>
+              <a:t>34</a:t>
             </a:fld>
             <a:endParaRPr lang="en-US"/>
           </a:p>
@@ -1263,7 +1264,7 @@
           <a:p>
             <a:fld id="{2DCF2152-876B-2F4B-959B-D128E644AAC9}" type="slidenum">
               <a:rPr lang="en-US" smtClean="0"/>
-              <a:t>34</a:t>
+              <a:t>35</a:t>
             </a:fld>
             <a:endParaRPr lang="en-US"/>
           </a:p>
@@ -5452,27 +5453,7 @@
                 <a:latin typeface="Andale Mono"/>
                 <a:cs typeface="Andale Mono"/>
               </a:rPr>
-              <a:t>alias </a:t>
-            </a:r>
-            <a:r>
-              <a:rPr lang="pt-BR" sz="2000" dirty="0" err="1">
-                <a:solidFill>
-                  <a:srgbClr val="FFE193"/>
-                </a:solidFill>
-                <a:latin typeface="Andale Mono"/>
-                <a:cs typeface="Andale Mono"/>
-              </a:rPr>
-              <a:t>peg</a:t>
-            </a:r>
-            <a:r>
-              <a:rPr lang="pt-BR" sz="2000" dirty="0">
-                <a:solidFill>
-                  <a:srgbClr val="FFE193"/>
-                </a:solidFill>
-                <a:latin typeface="Andale Mono"/>
-                <a:cs typeface="Andale Mono"/>
-              </a:rPr>
-              <a:t>="</a:t>
+              <a:t>alias tri="</a:t>
             </a:r>
             <a:r>
               <a:rPr lang="pt-BR" sz="2000" dirty="0" err="1">
@@ -6737,13 +6718,25 @@
             </a:pPr>
             <a:r>
               <a:rPr lang="en-US" sz="1500" dirty="0">
-                <a:latin typeface="Andale Mono"/>
-                <a:cs typeface="Andale Mono"/>
-                <a:hlinkClick r:id="rId2"/>
+                <a:solidFill>
+                  <a:schemeClr val="accent1"/>
+                </a:solidFill>
+                <a:latin typeface="Andale Mono"/>
+                <a:cs typeface="Andale Mono"/>
+                <a:hlinkClick r:id="rId2">
+                  <a:extLst>
+                    <a:ext uri="{A12FA001-AC4F-418D-AE19-62706E023703}">
+                      <ahyp:hlinkClr xmlns:ahyp="http://schemas.microsoft.com/office/drawing/2018/hyperlinkcolor" val="tx"/>
+                    </a:ext>
+                  </a:extLst>
+                </a:hlinkClick>
               </a:rPr>
               <a:t>http://chipster.csc.fi/material/RNAseq_data_analysis/</a:t>
             </a:r>
             <a:endParaRPr lang="en-US" sz="1500" dirty="0">
+              <a:solidFill>
+                <a:schemeClr val="accent1"/>
+              </a:solidFill>
               <a:latin typeface="Andale Mono"/>
               <a:cs typeface="Andale Mono"/>
             </a:endParaRPr>
@@ -7815,13 +7808,25 @@
             </a:pPr>
             <a:r>
               <a:rPr lang="en-US" sz="1600" dirty="0">
-                <a:latin typeface="Andale Mono"/>
-                <a:cs typeface="Andale Mono"/>
-                <a:hlinkClick r:id="rId2"/>
+                <a:solidFill>
+                  <a:schemeClr val="accent1"/>
+                </a:solidFill>
+                <a:latin typeface="Andale Mono"/>
+                <a:cs typeface="Andale Mono"/>
+                <a:hlinkClick r:id="rId2">
+                  <a:extLst>
+                    <a:ext uri="{A12FA001-AC4F-418D-AE19-62706E023703}">
+                      <ahyp:hlinkClr xmlns:ahyp="http://schemas.microsoft.com/office/drawing/2018/hyperlinkcolor" val="tx"/>
+                    </a:ext>
+                  </a:extLst>
+                </a:hlinkClick>
               </a:rPr>
               <a:t>https://www.gnu.org/software/parallel/</a:t>
             </a:r>
             <a:endParaRPr lang="en-US" sz="1600" dirty="0">
+              <a:solidFill>
+                <a:schemeClr val="accent1"/>
+              </a:solidFill>
               <a:latin typeface="Andale Mono"/>
               <a:cs typeface="Andale Mono"/>
             </a:endParaRPr>
@@ -10557,7 +10562,7 @@
         </p:spPr>
         <p:txBody>
           <a:bodyPr>
-            <a:normAutofit fontScale="92500" lnSpcReduction="20000"/>
+            <a:normAutofit fontScale="92500"/>
           </a:bodyPr>
           <a:lstStyle/>
           <a:p>
@@ -10616,19 +10621,6 @@
               <a:rPr lang="en-US" dirty="0"/>
               <a:t>Number of cores / processors</a:t>
             </a:r>
-          </a:p>
-          <a:p>
-            <a:pPr lvl="1"/>
-            <a:endParaRPr lang="en-US" dirty="0"/>
-          </a:p>
-          <a:p>
-            <a:r>
-              <a:rPr lang="en-US" dirty="0"/>
-              <a:t>The job queue and resources are specified in a special job script alongside the actual code to be submitted</a:t>
-            </a:r>
-          </a:p>
-          <a:p>
-            <a:endParaRPr lang="en-US" dirty="0"/>
           </a:p>
         </p:txBody>
       </p:sp>
@@ -10997,67 +10989,6 @@
                       </p:childTnLst>
                     </p:cTn>
                   </p:par>
-                  <p:par>
-                    <p:cTn id="27" fill="hold">
-                      <p:stCondLst>
-                        <p:cond delay="indefinite"/>
-                      </p:stCondLst>
-                      <p:childTnLst>
-                        <p:par>
-                          <p:cTn id="28" fill="hold">
-                            <p:stCondLst>
-                              <p:cond delay="0"/>
-                            </p:stCondLst>
-                            <p:childTnLst>
-                              <p:par>
-                                <p:cTn id="29" presetID="10" presetClass="entr" presetSubtype="0" fill="hold" nodeType="clickEffect">
-                                  <p:stCondLst>
-                                    <p:cond delay="0"/>
-                                  </p:stCondLst>
-                                  <p:childTnLst>
-                                    <p:set>
-                                      <p:cBhvr>
-                                        <p:cTn id="30" dur="1" fill="hold">
-                                          <p:stCondLst>
-                                            <p:cond delay="0"/>
-                                          </p:stCondLst>
-                                        </p:cTn>
-                                        <p:tgtEl>
-                                          <p:spTgt spid="3">
-                                            <p:txEl>
-                                              <p:pRg st="11" end="11"/>
-                                            </p:txEl>
-                                          </p:spTgt>
-                                        </p:tgtEl>
-                                        <p:attrNameLst>
-                                          <p:attrName>style.visibility</p:attrName>
-                                        </p:attrNameLst>
-                                      </p:cBhvr>
-                                      <p:to>
-                                        <p:strVal val="visible"/>
-                                      </p:to>
-                                    </p:set>
-                                    <p:animEffect transition="in" filter="fade">
-                                      <p:cBhvr>
-                                        <p:cTn id="31" dur="500"/>
-                                        <p:tgtEl>
-                                          <p:spTgt spid="3">
-                                            <p:txEl>
-                                              <p:pRg st="11" end="11"/>
-                                            </p:txEl>
-                                          </p:spTgt>
-                                        </p:tgtEl>
-                                      </p:cBhvr>
-                                    </p:animEffect>
-                                  </p:childTnLst>
-                                </p:cTn>
-                              </p:par>
-                            </p:childTnLst>
-                          </p:cTn>
-                        </p:par>
-                      </p:childTnLst>
-                    </p:cTn>
-                  </p:par>
                 </p:childTnLst>
               </p:cTn>
               <p:prevCondLst>
@@ -11116,6 +11047,780 @@
           <a:lstStyle/>
           <a:p>
             <a:r>
+              <a:rPr lang="en-US" dirty="0"/>
+              <a:t>Computing Cluster Architecture</a:t>
+            </a:r>
+          </a:p>
+        </p:txBody>
+      </p:sp>
+      <p:sp>
+        <p:nvSpPr>
+          <p:cNvPr id="3" name="Slide Number Placeholder 2"/>
+          <p:cNvSpPr>
+            <a:spLocks noGrp="1"/>
+          </p:cNvSpPr>
+          <p:nvPr>
+            <p:ph type="sldNum" sz="quarter" idx="12"/>
+          </p:nvPr>
+        </p:nvSpPr>
+        <p:spPr/>
+        <p:txBody>
+          <a:bodyPr/>
+          <a:lstStyle/>
+          <a:p>
+            <a:fld id="{9648F39E-9C37-485F-AC97-16BB4BDF9F49}" type="slidenum">
+              <a:rPr kumimoji="0" lang="en-US" smtClean="0"/>
+              <a:t>22</a:t>
+            </a:fld>
+            <a:endParaRPr kumimoji="0" lang="en-US" dirty="0"/>
+          </a:p>
+        </p:txBody>
+      </p:sp>
+      <p:grpSp>
+        <p:nvGrpSpPr>
+          <p:cNvPr id="17" name="Group 16">
+            <a:extLst>
+              <a:ext uri="{FF2B5EF4-FFF2-40B4-BE49-F238E27FC236}">
+                <a16:creationId xmlns:a16="http://schemas.microsoft.com/office/drawing/2014/main" id="{83F1281E-25BC-784D-80BC-E43B60ED699E}"/>
+              </a:ext>
+            </a:extLst>
+          </p:cNvPr>
+          <p:cNvGrpSpPr/>
+          <p:nvPr/>
+        </p:nvGrpSpPr>
+        <p:grpSpPr>
+          <a:xfrm>
+            <a:off x="935938" y="1546504"/>
+            <a:ext cx="7268458" cy="5204815"/>
+            <a:chOff x="935938" y="1546504"/>
+            <a:chExt cx="7268458" cy="5204815"/>
+          </a:xfrm>
+        </p:grpSpPr>
+        <p:pic>
+          <p:nvPicPr>
+            <p:cNvPr id="4" name="Picture 3" descr="general_cluster_architecture.png"/>
+            <p:cNvPicPr>
+              <a:picLocks noChangeAspect="1"/>
+            </p:cNvPicPr>
+            <p:nvPr/>
+          </p:nvPicPr>
+          <p:blipFill>
+            <a:blip r:embed="rId2" cstate="print">
+              <a:extLst>
+                <a:ext uri="{28A0092B-C50C-407E-A947-70E740481C1C}">
+                  <a14:useLocalDpi xmlns:a14="http://schemas.microsoft.com/office/drawing/2010/main" val="0"/>
+                </a:ext>
+              </a:extLst>
+            </a:blip>
+            <a:stretch>
+              <a:fillRect/>
+            </a:stretch>
+          </p:blipFill>
+          <p:spPr>
+            <a:xfrm>
+              <a:off x="935938" y="1546504"/>
+              <a:ext cx="7268458" cy="5204815"/>
+            </a:xfrm>
+            <a:prstGeom prst="rect">
+              <a:avLst/>
+            </a:prstGeom>
+          </p:spPr>
+        </p:pic>
+        <p:sp>
+          <p:nvSpPr>
+            <p:cNvPr id="5" name="Rectangle 4">
+              <a:extLst>
+                <a:ext uri="{FF2B5EF4-FFF2-40B4-BE49-F238E27FC236}">
+                  <a16:creationId xmlns:a16="http://schemas.microsoft.com/office/drawing/2014/main" id="{4C817A9A-3EEA-7D48-8CFC-EB70EFEBEA24}"/>
+                </a:ext>
+              </a:extLst>
+            </p:cNvPr>
+            <p:cNvSpPr/>
+            <p:nvPr/>
+          </p:nvSpPr>
+          <p:spPr>
+            <a:xfrm>
+              <a:off x="1325880" y="3642360"/>
+              <a:ext cx="2720340" cy="137160"/>
+            </a:xfrm>
+            <a:prstGeom prst="rect">
+              <a:avLst/>
+            </a:prstGeom>
+            <a:solidFill>
+              <a:schemeClr val="tx1"/>
+            </a:solidFill>
+            <a:ln>
+              <a:noFill/>
+            </a:ln>
+            <a:effectLst/>
+          </p:spPr>
+          <p:style>
+            <a:lnRef idx="1">
+              <a:schemeClr val="accent1"/>
+            </a:lnRef>
+            <a:fillRef idx="3">
+              <a:schemeClr val="accent1"/>
+            </a:fillRef>
+            <a:effectRef idx="2">
+              <a:schemeClr val="accent1"/>
+            </a:effectRef>
+            <a:fontRef idx="minor">
+              <a:schemeClr val="lt1"/>
+            </a:fontRef>
+          </p:style>
+          <p:txBody>
+            <a:bodyPr rtlCol="0" anchor="ctr"/>
+            <a:lstStyle/>
+            <a:p>
+              <a:pPr algn="ctr"/>
+              <a:endParaRPr lang="en-US"/>
+            </a:p>
+          </p:txBody>
+        </p:sp>
+        <p:sp>
+          <p:nvSpPr>
+            <p:cNvPr id="6" name="Rectangle 5">
+              <a:extLst>
+                <a:ext uri="{FF2B5EF4-FFF2-40B4-BE49-F238E27FC236}">
+                  <a16:creationId xmlns:a16="http://schemas.microsoft.com/office/drawing/2014/main" id="{FFCC0EBA-88E7-F942-AFAE-0E8897341DA0}"/>
+                </a:ext>
+              </a:extLst>
+            </p:cNvPr>
+            <p:cNvSpPr/>
+            <p:nvPr/>
+          </p:nvSpPr>
+          <p:spPr>
+            <a:xfrm>
+              <a:off x="4876800" y="2430780"/>
+              <a:ext cx="967740" cy="952500"/>
+            </a:xfrm>
+            <a:prstGeom prst="rect">
+              <a:avLst/>
+            </a:prstGeom>
+            <a:solidFill>
+              <a:schemeClr val="tx1"/>
+            </a:solidFill>
+            <a:ln>
+              <a:noFill/>
+            </a:ln>
+            <a:effectLst/>
+          </p:spPr>
+          <p:style>
+            <a:lnRef idx="1">
+              <a:schemeClr val="accent1"/>
+            </a:lnRef>
+            <a:fillRef idx="3">
+              <a:schemeClr val="accent1"/>
+            </a:fillRef>
+            <a:effectRef idx="2">
+              <a:schemeClr val="accent1"/>
+            </a:effectRef>
+            <a:fontRef idx="minor">
+              <a:schemeClr val="lt1"/>
+            </a:fontRef>
+          </p:style>
+          <p:txBody>
+            <a:bodyPr rtlCol="0" anchor="ctr"/>
+            <a:lstStyle/>
+            <a:p>
+              <a:pPr algn="ctr"/>
+              <a:endParaRPr lang="en-US"/>
+            </a:p>
+          </p:txBody>
+        </p:sp>
+        <p:sp>
+          <p:nvSpPr>
+            <p:cNvPr id="8" name="TextBox 7">
+              <a:extLst>
+                <a:ext uri="{FF2B5EF4-FFF2-40B4-BE49-F238E27FC236}">
+                  <a16:creationId xmlns:a16="http://schemas.microsoft.com/office/drawing/2014/main" id="{D6A67A37-9D2D-D546-A6AD-853C9688CE00}"/>
+                </a:ext>
+              </a:extLst>
+            </p:cNvPr>
+            <p:cNvSpPr txBox="1"/>
+            <p:nvPr/>
+          </p:nvSpPr>
+          <p:spPr>
+            <a:xfrm>
+              <a:off x="5028688" y="2174593"/>
+              <a:ext cx="815852" cy="369332"/>
+            </a:xfrm>
+            <a:prstGeom prst="rect">
+              <a:avLst/>
+            </a:prstGeom>
+            <a:solidFill>
+              <a:schemeClr val="tx1"/>
+            </a:solidFill>
+            <a:ln>
+              <a:solidFill>
+                <a:schemeClr val="bg1"/>
+              </a:solidFill>
+            </a:ln>
+          </p:spPr>
+          <p:txBody>
+            <a:bodyPr wrap="square" rtlCol="0">
+              <a:spAutoFit/>
+            </a:bodyPr>
+            <a:lstStyle/>
+            <a:p>
+              <a:pPr algn="ctr"/>
+              <a:r>
+                <a:rPr lang="en-US" dirty="0">
+                  <a:solidFill>
+                    <a:schemeClr val="bg1"/>
+                  </a:solidFill>
+                  <a:latin typeface="Futura Medium" panose="020B0602020204020303" pitchFamily="34" charset="-79"/>
+                  <a:cs typeface="Futura Medium" panose="020B0602020204020303" pitchFamily="34" charset="-79"/>
+                </a:rPr>
+                <a:t>User</a:t>
+              </a:r>
+            </a:p>
+          </p:txBody>
+        </p:sp>
+        <p:sp>
+          <p:nvSpPr>
+            <p:cNvPr id="9" name="TextBox 8">
+              <a:extLst>
+                <a:ext uri="{FF2B5EF4-FFF2-40B4-BE49-F238E27FC236}">
+                  <a16:creationId xmlns:a16="http://schemas.microsoft.com/office/drawing/2014/main" id="{B9823C41-5F0C-C84A-99C4-AD2B68BEBF79}"/>
+                </a:ext>
+              </a:extLst>
+            </p:cNvPr>
+            <p:cNvSpPr txBox="1"/>
+            <p:nvPr/>
+          </p:nvSpPr>
+          <p:spPr>
+            <a:xfrm>
+              <a:off x="3823407" y="3418526"/>
+              <a:ext cx="1493520" cy="200055"/>
+            </a:xfrm>
+            <a:prstGeom prst="rect">
+              <a:avLst/>
+            </a:prstGeom>
+            <a:solidFill>
+              <a:srgbClr val="6EAADC"/>
+            </a:solidFill>
+            <a:ln>
+              <a:noFill/>
+            </a:ln>
+          </p:spPr>
+          <p:txBody>
+            <a:bodyPr wrap="square" rtlCol="0">
+              <a:spAutoFit/>
+            </a:bodyPr>
+            <a:lstStyle/>
+            <a:p>
+              <a:pPr algn="ctr"/>
+              <a:r>
+                <a:rPr lang="en-US" sz="700" dirty="0">
+                  <a:solidFill>
+                    <a:schemeClr val="bg1"/>
+                  </a:solidFill>
+                  <a:latin typeface="Futura Medium" panose="020B0602020204020303" pitchFamily="34" charset="-79"/>
+                  <a:cs typeface="Futura Medium" panose="020B0602020204020303" pitchFamily="34" charset="-79"/>
+                </a:rPr>
+                <a:t>Computing Cluster</a:t>
+              </a:r>
+            </a:p>
+          </p:txBody>
+        </p:sp>
+        <p:sp>
+          <p:nvSpPr>
+            <p:cNvPr id="11" name="TextBox 10">
+              <a:extLst>
+                <a:ext uri="{FF2B5EF4-FFF2-40B4-BE49-F238E27FC236}">
+                  <a16:creationId xmlns:a16="http://schemas.microsoft.com/office/drawing/2014/main" id="{1628105C-9AD9-CF45-83C0-A4B30D29FFDE}"/>
+                </a:ext>
+              </a:extLst>
+            </p:cNvPr>
+            <p:cNvSpPr txBox="1"/>
+            <p:nvPr/>
+          </p:nvSpPr>
+          <p:spPr>
+            <a:xfrm>
+              <a:off x="2084070" y="4006382"/>
+              <a:ext cx="1893570" cy="230832"/>
+            </a:xfrm>
+            <a:prstGeom prst="rect">
+              <a:avLst/>
+            </a:prstGeom>
+            <a:solidFill>
+              <a:schemeClr val="tx1"/>
+            </a:solidFill>
+            <a:ln>
+              <a:noFill/>
+            </a:ln>
+          </p:spPr>
+          <p:txBody>
+            <a:bodyPr wrap="square" rtlCol="0">
+              <a:spAutoFit/>
+            </a:bodyPr>
+            <a:lstStyle/>
+            <a:p>
+              <a:pPr algn="ctr"/>
+              <a:r>
+                <a:rPr lang="en-US" sz="900" dirty="0">
+                  <a:solidFill>
+                    <a:schemeClr val="bg1"/>
+                  </a:solidFill>
+                  <a:latin typeface="Futura Medium" panose="020B0602020204020303" pitchFamily="34" charset="-79"/>
+                  <a:cs typeface="Futura Medium" panose="020B0602020204020303" pitchFamily="34" charset="-79"/>
+                </a:rPr>
+                <a:t>100 Gb/sec Connection</a:t>
+              </a:r>
+            </a:p>
+          </p:txBody>
+        </p:sp>
+        <p:sp>
+          <p:nvSpPr>
+            <p:cNvPr id="12" name="Rectangle 11">
+              <a:extLst>
+                <a:ext uri="{FF2B5EF4-FFF2-40B4-BE49-F238E27FC236}">
+                  <a16:creationId xmlns:a16="http://schemas.microsoft.com/office/drawing/2014/main" id="{5B735A69-8A27-C148-B902-F97217181210}"/>
+                </a:ext>
+              </a:extLst>
+            </p:cNvPr>
+            <p:cNvSpPr/>
+            <p:nvPr/>
+          </p:nvSpPr>
+          <p:spPr>
+            <a:xfrm>
+              <a:off x="3360676" y="3288030"/>
+              <a:ext cx="782260" cy="110490"/>
+            </a:xfrm>
+            <a:prstGeom prst="rect">
+              <a:avLst/>
+            </a:prstGeom>
+            <a:solidFill>
+              <a:schemeClr val="tx1"/>
+            </a:solidFill>
+            <a:ln>
+              <a:noFill/>
+            </a:ln>
+            <a:effectLst/>
+          </p:spPr>
+          <p:style>
+            <a:lnRef idx="1">
+              <a:schemeClr val="accent1"/>
+            </a:lnRef>
+            <a:fillRef idx="3">
+              <a:schemeClr val="accent1"/>
+            </a:fillRef>
+            <a:effectRef idx="2">
+              <a:schemeClr val="accent1"/>
+            </a:effectRef>
+            <a:fontRef idx="minor">
+              <a:schemeClr val="lt1"/>
+            </a:fontRef>
+          </p:style>
+          <p:txBody>
+            <a:bodyPr rtlCol="0" anchor="ctr"/>
+            <a:lstStyle/>
+            <a:p>
+              <a:pPr algn="ctr"/>
+              <a:endParaRPr lang="en-US"/>
+            </a:p>
+          </p:txBody>
+        </p:sp>
+        <p:sp>
+          <p:nvSpPr>
+            <p:cNvPr id="13" name="TextBox 12">
+              <a:extLst>
+                <a:ext uri="{FF2B5EF4-FFF2-40B4-BE49-F238E27FC236}">
+                  <a16:creationId xmlns:a16="http://schemas.microsoft.com/office/drawing/2014/main" id="{825067DA-C18B-4244-B657-071C3873DED1}"/>
+                </a:ext>
+              </a:extLst>
+            </p:cNvPr>
+            <p:cNvSpPr txBox="1"/>
+            <p:nvPr/>
+          </p:nvSpPr>
+          <p:spPr>
+            <a:xfrm>
+              <a:off x="6698018" y="2543925"/>
+              <a:ext cx="1506378" cy="565146"/>
+            </a:xfrm>
+            <a:prstGeom prst="rect">
+              <a:avLst/>
+            </a:prstGeom>
+            <a:solidFill>
+              <a:schemeClr val="tx1"/>
+            </a:solidFill>
+            <a:ln>
+              <a:noFill/>
+            </a:ln>
+          </p:spPr>
+          <p:txBody>
+            <a:bodyPr wrap="square" lIns="36000" tIns="36000" rIns="36000" bIns="36000" rtlCol="0">
+              <a:spAutoFit/>
+            </a:bodyPr>
+            <a:lstStyle/>
+            <a:p>
+              <a:r>
+                <a:rPr lang="en-US" sz="800" b="1" dirty="0">
+                  <a:solidFill>
+                    <a:schemeClr val="bg1"/>
+                  </a:solidFill>
+                  <a:latin typeface="Futura Medium" panose="020B0602020204020303" pitchFamily="34" charset="-79"/>
+                  <a:cs typeface="Futura Medium" panose="020B0602020204020303" pitchFamily="34" charset="-79"/>
+                </a:rPr>
+                <a:t>Normal nodes</a:t>
+              </a:r>
+            </a:p>
+            <a:p>
+              <a:r>
+                <a:rPr lang="en-US" sz="800" dirty="0">
+                  <a:solidFill>
+                    <a:schemeClr val="bg1"/>
+                  </a:solidFill>
+                  <a:latin typeface="Futura Medium" panose="020B0602020204020303" pitchFamily="34" charset="-79"/>
+                  <a:cs typeface="Futura Medium" panose="020B0602020204020303" pitchFamily="34" charset="-79"/>
+                </a:rPr>
+                <a:t>16 cores per node</a:t>
+              </a:r>
+            </a:p>
+            <a:p>
+              <a:r>
+                <a:rPr lang="en-US" sz="800" dirty="0">
+                  <a:solidFill>
+                    <a:schemeClr val="bg1"/>
+                  </a:solidFill>
+                  <a:latin typeface="Futura Medium" panose="020B0602020204020303" pitchFamily="34" charset="-79"/>
+                  <a:cs typeface="Futura Medium" panose="020B0602020204020303" pitchFamily="34" charset="-79"/>
+                </a:rPr>
+                <a:t>256 GB RAM</a:t>
+              </a:r>
+            </a:p>
+            <a:p>
+              <a:endParaRPr lang="en-US" sz="800" dirty="0">
+                <a:solidFill>
+                  <a:schemeClr val="bg1"/>
+                </a:solidFill>
+                <a:latin typeface="Futura Medium" panose="020B0602020204020303" pitchFamily="34" charset="-79"/>
+                <a:cs typeface="Futura Medium" panose="020B0602020204020303" pitchFamily="34" charset="-79"/>
+              </a:endParaRPr>
+            </a:p>
+          </p:txBody>
+        </p:sp>
+        <p:sp>
+          <p:nvSpPr>
+            <p:cNvPr id="14" name="TextBox 13">
+              <a:extLst>
+                <a:ext uri="{FF2B5EF4-FFF2-40B4-BE49-F238E27FC236}">
+                  <a16:creationId xmlns:a16="http://schemas.microsoft.com/office/drawing/2014/main" id="{626CA4E3-E0EF-8D41-9B29-D4CA14BD0D76}"/>
+                </a:ext>
+              </a:extLst>
+            </p:cNvPr>
+            <p:cNvSpPr txBox="1"/>
+            <p:nvPr/>
+          </p:nvSpPr>
+          <p:spPr>
+            <a:xfrm>
+              <a:off x="6698018" y="5875446"/>
+              <a:ext cx="1506378" cy="584775"/>
+            </a:xfrm>
+            <a:prstGeom prst="rect">
+              <a:avLst/>
+            </a:prstGeom>
+            <a:solidFill>
+              <a:schemeClr val="tx1"/>
+            </a:solidFill>
+            <a:ln>
+              <a:noFill/>
+            </a:ln>
+          </p:spPr>
+          <p:txBody>
+            <a:bodyPr wrap="square" lIns="36000" tIns="36000" rIns="36000" bIns="36000" rtlCol="0">
+              <a:spAutoFit/>
+            </a:bodyPr>
+            <a:lstStyle/>
+            <a:p>
+              <a:r>
+                <a:rPr lang="en-US" sz="800" b="1" dirty="0" err="1">
+                  <a:solidFill>
+                    <a:schemeClr val="bg1"/>
+                  </a:solidFill>
+                  <a:latin typeface="Futura Medium" panose="020B0602020204020303" pitchFamily="34" charset="-79"/>
+                  <a:cs typeface="Futura Medium" panose="020B0602020204020303" pitchFamily="34" charset="-79"/>
+                </a:rPr>
+                <a:t>Bigmem</a:t>
+              </a:r>
+              <a:r>
+                <a:rPr lang="en-US" sz="800" b="1" dirty="0">
+                  <a:solidFill>
+                    <a:schemeClr val="bg1"/>
+                  </a:solidFill>
+                  <a:latin typeface="Futura Medium" panose="020B0602020204020303" pitchFamily="34" charset="-79"/>
+                  <a:cs typeface="Futura Medium" panose="020B0602020204020303" pitchFamily="34" charset="-79"/>
+                </a:rPr>
+                <a:t> nodes</a:t>
+              </a:r>
+            </a:p>
+            <a:p>
+              <a:r>
+                <a:rPr lang="en-US" sz="800" dirty="0">
+                  <a:solidFill>
+                    <a:schemeClr val="bg1"/>
+                  </a:solidFill>
+                  <a:latin typeface="Futura Medium" panose="020B0602020204020303" pitchFamily="34" charset="-79"/>
+                  <a:cs typeface="Futura Medium" panose="020B0602020204020303" pitchFamily="34" charset="-79"/>
+                </a:rPr>
+                <a:t>16 cores per node</a:t>
+              </a:r>
+            </a:p>
+            <a:p>
+              <a:r>
+                <a:rPr lang="en-US" sz="800" dirty="0">
+                  <a:solidFill>
+                    <a:schemeClr val="bg1"/>
+                  </a:solidFill>
+                  <a:latin typeface="Futura Medium" panose="020B0602020204020303" pitchFamily="34" charset="-79"/>
+                  <a:cs typeface="Futura Medium" panose="020B0602020204020303" pitchFamily="34" charset="-79"/>
+                </a:rPr>
+                <a:t>1 TB RAM</a:t>
+              </a:r>
+            </a:p>
+            <a:p>
+              <a:endParaRPr lang="en-US" sz="800" dirty="0">
+                <a:solidFill>
+                  <a:schemeClr val="bg1"/>
+                </a:solidFill>
+                <a:latin typeface="Futura Medium" panose="020B0602020204020303" pitchFamily="34" charset="-79"/>
+                <a:cs typeface="Futura Medium" panose="020B0602020204020303" pitchFamily="34" charset="-79"/>
+              </a:endParaRPr>
+            </a:p>
+          </p:txBody>
+        </p:sp>
+        <p:sp>
+          <p:nvSpPr>
+            <p:cNvPr id="15" name="TextBox 14">
+              <a:extLst>
+                <a:ext uri="{FF2B5EF4-FFF2-40B4-BE49-F238E27FC236}">
+                  <a16:creationId xmlns:a16="http://schemas.microsoft.com/office/drawing/2014/main" id="{BB3B7F6C-C3DB-2548-B55A-9AA969C8D806}"/>
+                </a:ext>
+              </a:extLst>
+            </p:cNvPr>
+            <p:cNvSpPr txBox="1"/>
+            <p:nvPr/>
+          </p:nvSpPr>
+          <p:spPr>
+            <a:xfrm>
+              <a:off x="6698018" y="3755049"/>
+              <a:ext cx="1506378" cy="492443"/>
+            </a:xfrm>
+            <a:prstGeom prst="rect">
+              <a:avLst/>
+            </a:prstGeom>
+            <a:solidFill>
+              <a:schemeClr val="tx1"/>
+            </a:solidFill>
+            <a:ln>
+              <a:noFill/>
+            </a:ln>
+          </p:spPr>
+          <p:txBody>
+            <a:bodyPr wrap="square" lIns="36000" tIns="0" rIns="36000" bIns="0" rtlCol="0">
+              <a:spAutoFit/>
+            </a:bodyPr>
+            <a:lstStyle/>
+            <a:p>
+              <a:r>
+                <a:rPr lang="en-US" sz="800" b="1" dirty="0">
+                  <a:solidFill>
+                    <a:schemeClr val="bg1"/>
+                  </a:solidFill>
+                  <a:latin typeface="Futura Medium" panose="020B0602020204020303" pitchFamily="34" charset="-79"/>
+                  <a:cs typeface="Futura Medium" panose="020B0602020204020303" pitchFamily="34" charset="-79"/>
+                </a:rPr>
+                <a:t>Debug nodes</a:t>
+              </a:r>
+            </a:p>
+            <a:p>
+              <a:r>
+                <a:rPr lang="en-US" sz="800" dirty="0">
+                  <a:solidFill>
+                    <a:schemeClr val="bg1"/>
+                  </a:solidFill>
+                  <a:latin typeface="Futura Medium" panose="020B0602020204020303" pitchFamily="34" charset="-79"/>
+                  <a:cs typeface="Futura Medium" panose="020B0602020204020303" pitchFamily="34" charset="-79"/>
+                </a:rPr>
+                <a:t>16 cores per node</a:t>
+              </a:r>
+            </a:p>
+            <a:p>
+              <a:r>
+                <a:rPr lang="en-US" sz="800" dirty="0">
+                  <a:solidFill>
+                    <a:schemeClr val="bg1"/>
+                  </a:solidFill>
+                  <a:latin typeface="Futura Medium" panose="020B0602020204020303" pitchFamily="34" charset="-79"/>
+                  <a:cs typeface="Futura Medium" panose="020B0602020204020303" pitchFamily="34" charset="-79"/>
+                </a:rPr>
+                <a:t>25 GB RAM</a:t>
+              </a:r>
+            </a:p>
+            <a:p>
+              <a:r>
+                <a:rPr lang="en-US" sz="800" dirty="0">
+                  <a:solidFill>
+                    <a:schemeClr val="bg1"/>
+                  </a:solidFill>
+                  <a:latin typeface="Futura Medium" panose="020B0602020204020303" pitchFamily="34" charset="-79"/>
+                  <a:cs typeface="Futura Medium" panose="020B0602020204020303" pitchFamily="34" charset="-79"/>
+                </a:rPr>
+                <a:t>1h </a:t>
+              </a:r>
+              <a:r>
+                <a:rPr lang="en-US" sz="800" dirty="0" err="1">
+                  <a:solidFill>
+                    <a:schemeClr val="bg1"/>
+                  </a:solidFill>
+                  <a:latin typeface="Futura Medium" panose="020B0602020204020303" pitchFamily="34" charset="-79"/>
+                  <a:cs typeface="Futura Medium" panose="020B0602020204020303" pitchFamily="34" charset="-79"/>
+                </a:rPr>
+                <a:t>walltime</a:t>
+              </a:r>
+              <a:r>
+                <a:rPr lang="en-US" sz="800" dirty="0">
+                  <a:solidFill>
+                    <a:schemeClr val="bg1"/>
+                  </a:solidFill>
+                  <a:latin typeface="Futura Medium" panose="020B0602020204020303" pitchFamily="34" charset="-79"/>
+                  <a:cs typeface="Futura Medium" panose="020B0602020204020303" pitchFamily="34" charset="-79"/>
+                </a:rPr>
+                <a:t> limit</a:t>
+              </a:r>
+            </a:p>
+          </p:txBody>
+        </p:sp>
+        <p:sp>
+          <p:nvSpPr>
+            <p:cNvPr id="16" name="TextBox 15">
+              <a:extLst>
+                <a:ext uri="{FF2B5EF4-FFF2-40B4-BE49-F238E27FC236}">
+                  <a16:creationId xmlns:a16="http://schemas.microsoft.com/office/drawing/2014/main" id="{DD02CC6F-FD6D-5042-9FA1-D3DE164AFD1E}"/>
+                </a:ext>
+              </a:extLst>
+            </p:cNvPr>
+            <p:cNvSpPr txBox="1"/>
+            <p:nvPr/>
+          </p:nvSpPr>
+          <p:spPr>
+            <a:xfrm>
+              <a:off x="6698018" y="4823673"/>
+              <a:ext cx="1506378" cy="442035"/>
+            </a:xfrm>
+            <a:prstGeom prst="rect">
+              <a:avLst/>
+            </a:prstGeom>
+            <a:solidFill>
+              <a:schemeClr val="tx1"/>
+            </a:solidFill>
+            <a:ln>
+              <a:noFill/>
+            </a:ln>
+          </p:spPr>
+          <p:txBody>
+            <a:bodyPr wrap="square" lIns="36000" tIns="36000" rIns="36000" bIns="36000" rtlCol="0">
+              <a:spAutoFit/>
+            </a:bodyPr>
+            <a:lstStyle/>
+            <a:p>
+              <a:r>
+                <a:rPr lang="en-US" sz="800" b="1" dirty="0">
+                  <a:solidFill>
+                    <a:schemeClr val="bg1"/>
+                  </a:solidFill>
+                  <a:latin typeface="Futura Medium" panose="020B0602020204020303" pitchFamily="34" charset="-79"/>
+                  <a:cs typeface="Futura Medium" panose="020B0602020204020303" pitchFamily="34" charset="-79"/>
+                </a:rPr>
+                <a:t>Interactive nodes</a:t>
+              </a:r>
+            </a:p>
+            <a:p>
+              <a:r>
+                <a:rPr lang="en-US" sz="800" dirty="0">
+                  <a:solidFill>
+                    <a:schemeClr val="bg1"/>
+                  </a:solidFill>
+                  <a:latin typeface="Futura Medium" panose="020B0602020204020303" pitchFamily="34" charset="-79"/>
+                  <a:cs typeface="Futura Medium" panose="020B0602020204020303" pitchFamily="34" charset="-79"/>
+                </a:rPr>
+                <a:t>16 cores per node</a:t>
+              </a:r>
+            </a:p>
+            <a:p>
+              <a:r>
+                <a:rPr lang="en-US" sz="800" dirty="0">
+                  <a:solidFill>
+                    <a:schemeClr val="bg1"/>
+                  </a:solidFill>
+                  <a:latin typeface="Futura Medium" panose="020B0602020204020303" pitchFamily="34" charset="-79"/>
+                  <a:cs typeface="Futura Medium" panose="020B0602020204020303" pitchFamily="34" charset="-79"/>
+                </a:rPr>
+                <a:t>250 GB RAM</a:t>
+              </a:r>
+            </a:p>
+          </p:txBody>
+        </p:sp>
+      </p:grpSp>
+    </p:spTree>
+    <p:extLst>
+      <p:ext uri="{BB962C8B-B14F-4D97-AF65-F5344CB8AC3E}">
+        <p14:creationId xmlns:p14="http://schemas.microsoft.com/office/powerpoint/2010/main" val="2237098834"/>
+      </p:ext>
+    </p:extLst>
+  </p:cSld>
+  <p:clrMapOvr>
+    <a:masterClrMapping/>
+  </p:clrMapOvr>
+  <mc:AlternateContent xmlns:mc="http://schemas.openxmlformats.org/markup-compatibility/2006" xmlns:p14="http://schemas.microsoft.com/office/powerpoint/2010/main">
+    <mc:Choice Requires="p14">
+      <p:transition spd="med" p14:dur="700">
+        <p:fade/>
+      </p:transition>
+    </mc:Choice>
+    <mc:Fallback xmlns="">
+      <p:transition xmlns:p14="http://schemas.microsoft.com/office/powerpoint/2010/main" spd="med">
+        <p:fade/>
+      </p:transition>
+    </mc:Fallback>
+  </mc:AlternateContent>
+</p:sld>
+</file>
+
+<file path=ppt/slides/slide23.xml><?xml version="1.0" encoding="utf-8"?>
+<p:sld xmlns:a="http://schemas.openxmlformats.org/drawingml/2006/main" xmlns:r="http://schemas.openxmlformats.org/officeDocument/2006/relationships" xmlns:p="http://schemas.openxmlformats.org/presentationml/2006/main">
+  <p:cSld>
+    <p:spTree>
+      <p:nvGrpSpPr>
+        <p:cNvPr id="1" name=""/>
+        <p:cNvGrpSpPr/>
+        <p:nvPr/>
+      </p:nvGrpSpPr>
+      <p:grpSpPr>
+        <a:xfrm>
+          <a:off x="0" y="0"/>
+          <a:ext cx="0" cy="0"/>
+          <a:chOff x="0" y="0"/>
+          <a:chExt cx="0" cy="0"/>
+        </a:xfrm>
+      </p:grpSpPr>
+      <p:sp>
+        <p:nvSpPr>
+          <p:cNvPr id="2" name="Title 1"/>
+          <p:cNvSpPr>
+            <a:spLocks noGrp="1"/>
+          </p:cNvSpPr>
+          <p:nvPr>
+            <p:ph type="title"/>
+          </p:nvPr>
+        </p:nvSpPr>
+        <p:spPr/>
+        <p:txBody>
+          <a:bodyPr/>
+          <a:lstStyle/>
+          <a:p>
+            <a:r>
               <a:rPr lang="en-US"/>
               <a:t>Job Queues</a:t>
             </a:r>
@@ -11139,7 +11844,7 @@
           <a:p>
             <a:fld id="{9648F39E-9C37-485F-AC97-16BB4BDF9F49}" type="slidenum">
               <a:rPr kumimoji="0" lang="en-US" smtClean="0"/>
-              <a:t>22</a:t>
+              <a:t>23</a:t>
             </a:fld>
             <a:endParaRPr kumimoji="0" lang="en-US"/>
           </a:p>
@@ -11791,470 +12496,6 @@
 </p:sld>
 </file>
 
-<file path=ppt/slides/slide23.xml><?xml version="1.0" encoding="utf-8"?>
-<p:sld xmlns:a="http://schemas.openxmlformats.org/drawingml/2006/main" xmlns:r="http://schemas.openxmlformats.org/officeDocument/2006/relationships" xmlns:p="http://schemas.openxmlformats.org/presentationml/2006/main">
-  <p:cSld>
-    <p:spTree>
-      <p:nvGrpSpPr>
-        <p:cNvPr id="1" name=""/>
-        <p:cNvGrpSpPr/>
-        <p:nvPr/>
-      </p:nvGrpSpPr>
-      <p:grpSpPr>
-        <a:xfrm>
-          <a:off x="0" y="0"/>
-          <a:ext cx="0" cy="0"/>
-          <a:chOff x="0" y="0"/>
-          <a:chExt cx="0" cy="0"/>
-        </a:xfrm>
-      </p:grpSpPr>
-      <p:sp>
-        <p:nvSpPr>
-          <p:cNvPr id="2" name="Title 1"/>
-          <p:cNvSpPr>
-            <a:spLocks noGrp="1"/>
-          </p:cNvSpPr>
-          <p:nvPr>
-            <p:ph type="title"/>
-          </p:nvPr>
-        </p:nvSpPr>
-        <p:spPr/>
-        <p:txBody>
-          <a:bodyPr/>
-          <a:lstStyle/>
-          <a:p>
-            <a:r>
-              <a:rPr lang="en-US" dirty="0"/>
-              <a:t>Example Job</a:t>
-            </a:r>
-          </a:p>
-        </p:txBody>
-      </p:sp>
-      <p:sp>
-        <p:nvSpPr>
-          <p:cNvPr id="3" name="Content Placeholder 2"/>
-          <p:cNvSpPr>
-            <a:spLocks noGrp="1"/>
-          </p:cNvSpPr>
-          <p:nvPr>
-            <p:ph idx="1"/>
-          </p:nvPr>
-        </p:nvSpPr>
-        <p:spPr>
-          <a:xfrm>
-            <a:off x="457200" y="1564105"/>
-            <a:ext cx="8229600" cy="4836696"/>
-          </a:xfrm>
-        </p:spPr>
-        <p:txBody>
-          <a:bodyPr>
-            <a:noAutofit/>
-          </a:bodyPr>
-          <a:lstStyle/>
-          <a:p>
-            <a:r>
-              <a:rPr lang="en-US" sz="1600" dirty="0"/>
-              <a:t>Let’s run the quality control software (</a:t>
-            </a:r>
-            <a:r>
-              <a:rPr lang="en-US" sz="1600" i="1" dirty="0" err="1"/>
-              <a:t>fastqc</a:t>
-            </a:r>
-            <a:r>
-              <a:rPr lang="en-US" sz="1600" i="1" dirty="0"/>
-              <a:t>)</a:t>
-            </a:r>
-            <a:r>
-              <a:rPr lang="en-US" sz="1600" dirty="0"/>
-              <a:t> on the RNA reads we downloaded earlier</a:t>
-            </a:r>
-          </a:p>
-          <a:p>
-            <a:pPr marL="118872" indent="0">
-              <a:buNone/>
-            </a:pPr>
-            <a:endParaRPr lang="en-US" sz="1600" dirty="0">
-              <a:latin typeface="Andale Mono"/>
-              <a:cs typeface="Andale Mono"/>
-            </a:endParaRPr>
-          </a:p>
-          <a:p>
-            <a:pPr marL="118872" indent="0">
-              <a:buNone/>
-            </a:pPr>
-            <a:r>
-              <a:rPr lang="en-US" sz="1600" dirty="0">
-                <a:latin typeface="Andale Mono"/>
-                <a:cs typeface="Andale Mono"/>
-              </a:rPr>
-              <a:t>#Create a directory for the output of the QC inside </a:t>
-            </a:r>
-            <a:r>
-              <a:rPr lang="en-US" sz="1600" i="1" dirty="0" err="1">
-                <a:latin typeface="Andale Mono"/>
-                <a:cs typeface="Andale Mono"/>
-              </a:rPr>
-              <a:t>rna_data</a:t>
-            </a:r>
-            <a:endParaRPr lang="en-US" sz="1600" dirty="0">
-              <a:latin typeface="Andale Mono"/>
-              <a:cs typeface="Andale Mono"/>
-            </a:endParaRPr>
-          </a:p>
-          <a:p>
-            <a:pPr marL="118872" indent="0">
-              <a:buNone/>
-            </a:pPr>
-            <a:endParaRPr lang="en-US" sz="1600" dirty="0">
-              <a:latin typeface="Andale Mono"/>
-              <a:cs typeface="Andale Mono"/>
-            </a:endParaRPr>
-          </a:p>
-          <a:p>
-            <a:pPr marL="118872" indent="0">
-              <a:buNone/>
-            </a:pPr>
-            <a:r>
-              <a:rPr lang="en-US" sz="1600" dirty="0">
-                <a:solidFill>
-                  <a:srgbClr val="FFE193"/>
-                </a:solidFill>
-                <a:latin typeface="Andale Mono"/>
-                <a:cs typeface="Andale Mono"/>
-              </a:rPr>
-              <a:t>$ </a:t>
-            </a:r>
-            <a:r>
-              <a:rPr lang="en-US" sz="1600" dirty="0" err="1">
-                <a:solidFill>
-                  <a:srgbClr val="FFE193"/>
-                </a:solidFill>
-                <a:latin typeface="Andale Mono"/>
-                <a:cs typeface="Andale Mono"/>
-              </a:rPr>
-              <a:t>mkdir</a:t>
-            </a:r>
-            <a:r>
-              <a:rPr lang="en-US" sz="1600" dirty="0">
-                <a:solidFill>
-                  <a:srgbClr val="FFE193"/>
-                </a:solidFill>
-                <a:latin typeface="Andale Mono"/>
-                <a:cs typeface="Andale Mono"/>
-              </a:rPr>
-              <a:t> $SCR/</a:t>
-            </a:r>
-            <a:r>
-              <a:rPr lang="en-US" sz="1600" dirty="0" err="1">
-                <a:solidFill>
-                  <a:srgbClr val="FFE193"/>
-                </a:solidFill>
-                <a:latin typeface="Andale Mono"/>
-                <a:cs typeface="Andale Mono"/>
-              </a:rPr>
-              <a:t>rna_data</a:t>
-            </a:r>
-            <a:r>
-              <a:rPr lang="en-US" sz="1600" dirty="0">
-                <a:solidFill>
-                  <a:srgbClr val="FFE193"/>
-                </a:solidFill>
-                <a:latin typeface="Andale Mono"/>
-                <a:cs typeface="Andale Mono"/>
-              </a:rPr>
-              <a:t>/QC</a:t>
-            </a:r>
-          </a:p>
-          <a:p>
-            <a:pPr marL="118872" indent="0">
-              <a:buNone/>
-            </a:pPr>
-            <a:endParaRPr lang="en-US" sz="1600" dirty="0">
-              <a:solidFill>
-                <a:srgbClr val="FFE193"/>
-              </a:solidFill>
-              <a:latin typeface="Andale Mono"/>
-              <a:cs typeface="Andale Mono"/>
-            </a:endParaRPr>
-          </a:p>
-          <a:p>
-            <a:pPr marL="118872" indent="0">
-              <a:buNone/>
-            </a:pPr>
-            <a:r>
-              <a:rPr lang="en-US" sz="1600" dirty="0">
-                <a:latin typeface="Andale Mono"/>
-                <a:cs typeface="Andale Mono"/>
-              </a:rPr>
-              <a:t>#Next, create two new directories in your home directory</a:t>
-            </a:r>
-          </a:p>
-          <a:p>
-            <a:pPr marL="118872" indent="0">
-              <a:buNone/>
-            </a:pPr>
-            <a:endParaRPr lang="en-US" sz="1600" dirty="0">
-              <a:latin typeface="Andale Mono"/>
-              <a:cs typeface="Andale Mono"/>
-            </a:endParaRPr>
-          </a:p>
-          <a:p>
-            <a:pPr marL="118872" indent="0">
-              <a:buNone/>
-            </a:pPr>
-            <a:r>
-              <a:rPr lang="en-US" sz="1600" dirty="0">
-                <a:solidFill>
-                  <a:srgbClr val="FFE193"/>
-                </a:solidFill>
-                <a:latin typeface="Andale Mono"/>
-                <a:cs typeface="Andale Mono"/>
-              </a:rPr>
-              <a:t>$ </a:t>
-            </a:r>
-            <a:r>
-              <a:rPr lang="en-US" sz="1600" dirty="0" err="1">
-                <a:solidFill>
-                  <a:srgbClr val="FFE193"/>
-                </a:solidFill>
-                <a:latin typeface="Andale Mono"/>
-                <a:cs typeface="Andale Mono"/>
-              </a:rPr>
-              <a:t>mkdir</a:t>
-            </a:r>
-            <a:r>
-              <a:rPr lang="en-US" sz="1600" dirty="0">
-                <a:solidFill>
-                  <a:srgbClr val="FFE193"/>
-                </a:solidFill>
-                <a:latin typeface="Andale Mono"/>
-                <a:cs typeface="Andale Mono"/>
-              </a:rPr>
-              <a:t> ~/scripts ~/logs</a:t>
-            </a:r>
-          </a:p>
-          <a:p>
-            <a:pPr marL="118872" indent="0">
-              <a:buNone/>
-            </a:pPr>
-            <a:endParaRPr lang="en-US" sz="1600" dirty="0">
-              <a:latin typeface="Andale Mono"/>
-              <a:cs typeface="Andale Mono"/>
-            </a:endParaRPr>
-          </a:p>
-          <a:p>
-            <a:pPr marL="118872" indent="0">
-              <a:buNone/>
-            </a:pPr>
-            <a:r>
-              <a:rPr lang="en-US" sz="1600" dirty="0">
-                <a:latin typeface="Andale Mono"/>
-                <a:cs typeface="Andale Mono"/>
-              </a:rPr>
-              <a:t>#Go into the ~/scripts directory and download a blank job script</a:t>
-            </a:r>
-          </a:p>
-          <a:p>
-            <a:pPr marL="118872" indent="0">
-              <a:buNone/>
-            </a:pPr>
-            <a:endParaRPr lang="en-US" sz="1600" dirty="0">
-              <a:latin typeface="Andale Mono"/>
-              <a:cs typeface="Andale Mono"/>
-            </a:endParaRPr>
-          </a:p>
-          <a:p>
-            <a:pPr marL="118872" indent="0">
-              <a:buNone/>
-            </a:pPr>
-            <a:r>
-              <a:rPr lang="en-US" sz="1600" dirty="0">
-                <a:solidFill>
-                  <a:srgbClr val="FFE193"/>
-                </a:solidFill>
-                <a:latin typeface="Andale Mono"/>
-                <a:cs typeface="Andale Mono"/>
-              </a:rPr>
-              <a:t>$ </a:t>
-            </a:r>
-            <a:r>
-              <a:rPr lang="en-US" sz="1600" dirty="0" err="1">
-                <a:solidFill>
-                  <a:srgbClr val="FFE193"/>
-                </a:solidFill>
-                <a:latin typeface="Andale Mono"/>
-                <a:cs typeface="Andale Mono"/>
-              </a:rPr>
-              <a:t>wget</a:t>
-            </a:r>
-            <a:r>
-              <a:rPr lang="en-US" sz="1600" dirty="0">
-                <a:solidFill>
-                  <a:srgbClr val="FFE193"/>
-                </a:solidFill>
-                <a:latin typeface="Andale Mono"/>
-                <a:cs typeface="Andale Mono"/>
-              </a:rPr>
-              <a:t> https://</a:t>
-            </a:r>
-            <a:r>
-              <a:rPr lang="en-US" sz="1600" dirty="0" err="1">
-                <a:solidFill>
-                  <a:srgbClr val="FFE193"/>
-                </a:solidFill>
-                <a:latin typeface="Andale Mono"/>
-                <a:cs typeface="Andale Mono"/>
-              </a:rPr>
-              <a:t>raw.githubusercontent.com</a:t>
-            </a:r>
-            <a:r>
-              <a:rPr lang="en-US" sz="1600" dirty="0">
-                <a:solidFill>
-                  <a:srgbClr val="FFE193"/>
-                </a:solidFill>
-                <a:latin typeface="Andale Mono"/>
-                <a:cs typeface="Andale Mono"/>
-              </a:rPr>
-              <a:t>/maehrlich1/</a:t>
-            </a:r>
-            <a:r>
-              <a:rPr lang="en-US" sz="1600" dirty="0" err="1">
-                <a:solidFill>
-                  <a:srgbClr val="FFE193"/>
-                </a:solidFill>
-                <a:latin typeface="Andale Mono"/>
-                <a:cs typeface="Andale Mono"/>
-              </a:rPr>
-              <a:t>Funhe_Gen</a:t>
-            </a:r>
-            <a:r>
-              <a:rPr lang="en-US" sz="1600" dirty="0">
-                <a:solidFill>
-                  <a:srgbClr val="FFE193"/>
-                </a:solidFill>
-                <a:latin typeface="Andale Mono"/>
-                <a:cs typeface="Andale Mono"/>
-              </a:rPr>
-              <a:t>/master/bash/</a:t>
-            </a:r>
-            <a:r>
-              <a:rPr lang="en-US" sz="1600" dirty="0" err="1">
-                <a:solidFill>
-                  <a:srgbClr val="FFE193"/>
-                </a:solidFill>
-                <a:latin typeface="Andale Mono"/>
-                <a:cs typeface="Andale Mono"/>
-              </a:rPr>
-              <a:t>blank.job</a:t>
-            </a:r>
-            <a:endParaRPr lang="en-US" sz="1600" dirty="0">
-              <a:solidFill>
-                <a:srgbClr val="FFE193"/>
-              </a:solidFill>
-              <a:latin typeface="Andale Mono"/>
-              <a:cs typeface="Andale Mono"/>
-            </a:endParaRPr>
-          </a:p>
-          <a:p>
-            <a:pPr marL="118872" indent="0">
-              <a:buNone/>
-            </a:pPr>
-            <a:endParaRPr lang="en-US" sz="1600" dirty="0">
-              <a:solidFill>
-                <a:srgbClr val="FFE193"/>
-              </a:solidFill>
-              <a:latin typeface="Andale Mono"/>
-            </a:endParaRPr>
-          </a:p>
-          <a:p>
-            <a:pPr marL="118872" indent="0">
-              <a:buNone/>
-            </a:pPr>
-            <a:r>
-              <a:rPr lang="en-US" sz="1600" dirty="0">
-                <a:latin typeface="Andale Mono"/>
-                <a:cs typeface="Andale Mono"/>
-              </a:rPr>
-              <a:t>#Modify the downloaded file using</a:t>
-            </a:r>
-            <a:r>
-              <a:rPr lang="en-US" sz="1600" i="1" dirty="0">
-                <a:latin typeface="Andale Mono"/>
-                <a:cs typeface="Andale Mono"/>
-              </a:rPr>
-              <a:t> </a:t>
-            </a:r>
-            <a:r>
-              <a:rPr lang="en-US" sz="1600" i="1" dirty="0" err="1">
-                <a:latin typeface="Andale Mono"/>
-                <a:cs typeface="Andale Mono"/>
-              </a:rPr>
-              <a:t>nano</a:t>
-            </a:r>
-            <a:endParaRPr lang="en-US" sz="1600" dirty="0"/>
-          </a:p>
-          <a:p>
-            <a:pPr marL="118872" indent="0">
-              <a:buNone/>
-            </a:pPr>
-            <a:endParaRPr lang="en-US" sz="1600" dirty="0">
-              <a:solidFill>
-                <a:srgbClr val="FFE193"/>
-              </a:solidFill>
-              <a:latin typeface="Andale Mono"/>
-              <a:cs typeface="Andale Mono"/>
-            </a:endParaRPr>
-          </a:p>
-        </p:txBody>
-      </p:sp>
-      <p:sp>
-        <p:nvSpPr>
-          <p:cNvPr id="4" name="Slide Number Placeholder 3"/>
-          <p:cNvSpPr>
-            <a:spLocks noGrp="1"/>
-          </p:cNvSpPr>
-          <p:nvPr>
-            <p:ph type="sldNum" sz="quarter" idx="12"/>
-          </p:nvPr>
-        </p:nvSpPr>
-        <p:spPr/>
-        <p:txBody>
-          <a:bodyPr/>
-          <a:lstStyle/>
-          <a:p>
-            <a:fld id="{9648F39E-9C37-485F-AC97-16BB4BDF9F49}" type="slidenum">
-              <a:rPr kumimoji="0" lang="en-US" smtClean="0"/>
-              <a:t>23</a:t>
-            </a:fld>
-            <a:endParaRPr kumimoji="0" lang="en-US"/>
-          </a:p>
-        </p:txBody>
-      </p:sp>
-    </p:spTree>
-    <p:extLst>
-      <p:ext uri="{BB962C8B-B14F-4D97-AF65-F5344CB8AC3E}">
-        <p14:creationId xmlns:p14="http://schemas.microsoft.com/office/powerpoint/2010/main" val="2913973264"/>
-      </p:ext>
-    </p:extLst>
-  </p:cSld>
-  <p:clrMapOvr>
-    <a:masterClrMapping/>
-  </p:clrMapOvr>
-  <mc:AlternateContent xmlns:mc="http://schemas.openxmlformats.org/markup-compatibility/2006" xmlns:p14="http://schemas.microsoft.com/office/powerpoint/2010/main">
-    <mc:Choice Requires="p14">
-      <p:transition spd="med" p14:dur="700">
-        <p:fade/>
-      </p:transition>
-    </mc:Choice>
-    <mc:Fallback xmlns="">
-      <p:transition xmlns:p14="http://schemas.microsoft.com/office/powerpoint/2010/main" spd="med">
-        <p:fade/>
-      </p:transition>
-    </mc:Fallback>
-  </mc:AlternateContent>
-</p:sld>
-</file>
-
 <file path=ppt/slides/slide24.xml><?xml version="1.0" encoding="utf-8"?>
 <p:sld xmlns:a="http://schemas.openxmlformats.org/drawingml/2006/main" xmlns:r="http://schemas.openxmlformats.org/officeDocument/2006/relationships" xmlns:p="http://schemas.openxmlformats.org/presentationml/2006/main">
   <p:cSld>
@@ -12289,7 +12530,7 @@
           <a:p>
             <a:r>
               <a:rPr lang="en-US" dirty="0"/>
-              <a:t>Preparing the .job script</a:t>
+              <a:t>Example Job</a:t>
             </a:r>
           </a:p>
         </p:txBody>
@@ -12306,32 +12547,38 @@
         </p:nvSpPr>
         <p:spPr>
           <a:xfrm>
-            <a:off x="457200" y="1775191"/>
-            <a:ext cx="8229600" cy="4840979"/>
+            <a:off x="457200" y="1564105"/>
+            <a:ext cx="8229600" cy="4836696"/>
           </a:xfrm>
         </p:spPr>
         <p:txBody>
           <a:bodyPr>
-            <a:normAutofit fontScale="85000" lnSpcReduction="20000"/>
+            <a:noAutofit/>
           </a:bodyPr>
           <a:lstStyle/>
           <a:p>
-            <a:pPr marL="118872" indent="0">
-              <a:buNone/>
-            </a:pPr>
-            <a:r>
-              <a:rPr lang="en-US" sz="1900" dirty="0">
-                <a:latin typeface="Andale Mono"/>
-                <a:cs typeface="Andale Mono"/>
-              </a:rPr>
-              <a:t>#Modify the header of the blank job script to specify the resources needed for our job</a:t>
-            </a:r>
-          </a:p>
-          <a:p>
-            <a:pPr marL="118872" indent="0">
-              <a:buNone/>
-            </a:pPr>
-            <a:endParaRPr lang="en-US" sz="1800" dirty="0">
+            <a:r>
+              <a:rPr lang="en-US" sz="1600" dirty="0"/>
+              <a:t>Let’s run the quality control software (</a:t>
+            </a:r>
+            <a:r>
+              <a:rPr lang="en-US" sz="1600" i="1" dirty="0" err="1"/>
+              <a:t>fastqc</a:t>
+            </a:r>
+            <a:r>
+              <a:rPr lang="en-US" sz="1600" i="1" dirty="0"/>
+              <a:t>)</a:t>
+            </a:r>
+            <a:r>
+              <a:rPr lang="en-US" sz="1600" dirty="0"/>
+              <a:t> on the RNA reads we downloaded earlier</a:t>
+            </a:r>
+          </a:p>
+          <a:p>
+            <a:pPr marL="118872" indent="0">
+              <a:buNone/>
+            </a:pPr>
+            <a:endParaRPr lang="en-US" sz="1600" dirty="0">
               <a:latin typeface="Andale Mono"/>
               <a:cs typeface="Andale Mono"/>
             </a:endParaRPr>
@@ -12341,21 +12588,93 @@
               <a:buNone/>
             </a:pPr>
             <a:r>
-              <a:rPr lang="en-US" sz="1800" dirty="0">
-                <a:solidFill>
-                  <a:srgbClr val="FFE193"/>
-                </a:solidFill>
-                <a:latin typeface="Andale Mono"/>
-                <a:cs typeface="Andale Mono"/>
-              </a:rPr>
-              <a:t>#!/bin/bash</a:t>
-            </a:r>
-          </a:p>
-          <a:p>
-            <a:pPr marL="118872" indent="0">
-              <a:buNone/>
-            </a:pPr>
-            <a:endParaRPr lang="en-US" sz="1800" dirty="0">
+              <a:rPr lang="en-US" sz="1600" dirty="0">
+                <a:latin typeface="Andale Mono"/>
+                <a:cs typeface="Andale Mono"/>
+              </a:rPr>
+              <a:t>#Create a directory for the output of the QC inside </a:t>
+            </a:r>
+            <a:r>
+              <a:rPr lang="en-US" sz="1600" i="1" dirty="0" err="1">
+                <a:latin typeface="Andale Mono"/>
+                <a:cs typeface="Andale Mono"/>
+              </a:rPr>
+              <a:t>rna_data</a:t>
+            </a:r>
+            <a:endParaRPr lang="en-US" sz="1600" dirty="0">
+              <a:latin typeface="Andale Mono"/>
+              <a:cs typeface="Andale Mono"/>
+            </a:endParaRPr>
+          </a:p>
+          <a:p>
+            <a:pPr marL="118872" indent="0">
+              <a:buNone/>
+            </a:pPr>
+            <a:endParaRPr lang="en-US" sz="1600" dirty="0">
+              <a:latin typeface="Andale Mono"/>
+              <a:cs typeface="Andale Mono"/>
+            </a:endParaRPr>
+          </a:p>
+          <a:p>
+            <a:pPr marL="118872" indent="0">
+              <a:buNone/>
+            </a:pPr>
+            <a:r>
+              <a:rPr lang="en-US" sz="1600" dirty="0">
+                <a:solidFill>
+                  <a:srgbClr val="FFE193"/>
+                </a:solidFill>
+                <a:latin typeface="Andale Mono"/>
+                <a:cs typeface="Andale Mono"/>
+              </a:rPr>
+              <a:t>$ </a:t>
+            </a:r>
+            <a:r>
+              <a:rPr lang="en-US" sz="1600" dirty="0" err="1">
+                <a:solidFill>
+                  <a:srgbClr val="FFE193"/>
+                </a:solidFill>
+                <a:latin typeface="Andale Mono"/>
+                <a:cs typeface="Andale Mono"/>
+              </a:rPr>
+              <a:t>mkdir</a:t>
+            </a:r>
+            <a:r>
+              <a:rPr lang="en-US" sz="1600" dirty="0">
+                <a:solidFill>
+                  <a:srgbClr val="FFE193"/>
+                </a:solidFill>
+                <a:latin typeface="Andale Mono"/>
+                <a:cs typeface="Andale Mono"/>
+              </a:rPr>
+              <a:t> $SCR/</a:t>
+            </a:r>
+            <a:r>
+              <a:rPr lang="en-US" sz="1600" dirty="0" err="1">
+                <a:solidFill>
+                  <a:srgbClr val="FFE193"/>
+                </a:solidFill>
+                <a:latin typeface="Andale Mono"/>
+                <a:cs typeface="Andale Mono"/>
+              </a:rPr>
+              <a:t>rna_data</a:t>
+            </a:r>
+            <a:r>
+              <a:rPr lang="en-US" sz="1600" dirty="0">
+                <a:solidFill>
+                  <a:srgbClr val="FFE193"/>
+                </a:solidFill>
+                <a:latin typeface="Andale Mono"/>
+                <a:cs typeface="Andale Mono"/>
+              </a:rPr>
+              <a:t>/QC</a:t>
+            </a:r>
+          </a:p>
+          <a:p>
+            <a:pPr marL="118872" indent="0">
+              <a:buNone/>
+            </a:pPr>
+            <a:endParaRPr lang="en-US" sz="1600" dirty="0">
               <a:solidFill>
                 <a:srgbClr val="FFE193"/>
               </a:solidFill>
@@ -12368,56 +12687,191 @@
               <a:buNone/>
             </a:pPr>
             <a:r>
-              <a:rPr lang="en-US" sz="1800" dirty="0">
-                <a:solidFill>
-                  <a:srgbClr val="FFE193"/>
-                </a:solidFill>
-                <a:latin typeface="Andale Mono"/>
-                <a:cs typeface="Andale Mono"/>
-              </a:rPr>
-              <a:t>#Job Name</a:t>
-            </a:r>
-          </a:p>
-          <a:p>
-            <a:pPr marL="118872" indent="0">
-              <a:buNone/>
-            </a:pPr>
-            <a:r>
-              <a:rPr lang="en-US" sz="1800" dirty="0">
-                <a:solidFill>
-                  <a:srgbClr val="FFE193"/>
-                </a:solidFill>
-                <a:latin typeface="Andale Mono"/>
-                <a:cs typeface="Andale Mono"/>
-              </a:rPr>
-              <a:t>#BSUB </a:t>
-            </a:r>
-            <a:r>
-              <a:rPr lang="mr-IN" sz="1800" dirty="0">
-                <a:solidFill>
-                  <a:srgbClr val="FFE193"/>
-                </a:solidFill>
-                <a:latin typeface="Andale Mono"/>
-                <a:cs typeface="Andale Mono"/>
-              </a:rPr>
-              <a:t>–</a:t>
-            </a:r>
-            <a:r>
-              <a:rPr lang="en-US" sz="1800" dirty="0">
-                <a:solidFill>
-                  <a:srgbClr val="FFE193"/>
-                </a:solidFill>
-                <a:latin typeface="Andale Mono"/>
-                <a:cs typeface="Andale Mono"/>
-              </a:rPr>
-              <a:t>J rna_qc_1</a:t>
-            </a:r>
-          </a:p>
-          <a:p>
-            <a:pPr marL="118872" indent="0">
-              <a:buNone/>
-            </a:pPr>
-            <a:endParaRPr lang="en-US" sz="1800" dirty="0">
+              <a:rPr lang="en-US" sz="1600" dirty="0">
+                <a:latin typeface="Andale Mono"/>
+                <a:cs typeface="Andale Mono"/>
+              </a:rPr>
+              <a:t>#Next, create two new directories in your home directory</a:t>
+            </a:r>
+          </a:p>
+          <a:p>
+            <a:pPr marL="118872" indent="0">
+              <a:buNone/>
+            </a:pPr>
+            <a:endParaRPr lang="en-US" sz="1600" dirty="0">
+              <a:latin typeface="Andale Mono"/>
+              <a:cs typeface="Andale Mono"/>
+            </a:endParaRPr>
+          </a:p>
+          <a:p>
+            <a:pPr marL="118872" indent="0">
+              <a:buNone/>
+            </a:pPr>
+            <a:r>
+              <a:rPr lang="en-US" sz="1600" dirty="0">
+                <a:solidFill>
+                  <a:srgbClr val="FFE193"/>
+                </a:solidFill>
+                <a:latin typeface="Andale Mono"/>
+                <a:cs typeface="Andale Mono"/>
+              </a:rPr>
+              <a:t>$ </a:t>
+            </a:r>
+            <a:r>
+              <a:rPr lang="en-US" sz="1600" dirty="0" err="1">
+                <a:solidFill>
+                  <a:srgbClr val="FFE193"/>
+                </a:solidFill>
+                <a:latin typeface="Andale Mono"/>
+                <a:cs typeface="Andale Mono"/>
+              </a:rPr>
+              <a:t>mkdir</a:t>
+            </a:r>
+            <a:r>
+              <a:rPr lang="en-US" sz="1600" dirty="0">
+                <a:solidFill>
+                  <a:srgbClr val="FFE193"/>
+                </a:solidFill>
+                <a:latin typeface="Andale Mono"/>
+                <a:cs typeface="Andale Mono"/>
+              </a:rPr>
+              <a:t> ~/scripts ~/logs</a:t>
+            </a:r>
+          </a:p>
+          <a:p>
+            <a:pPr marL="118872" indent="0">
+              <a:buNone/>
+            </a:pPr>
+            <a:endParaRPr lang="en-US" sz="1600" dirty="0">
+              <a:latin typeface="Andale Mono"/>
+              <a:cs typeface="Andale Mono"/>
+            </a:endParaRPr>
+          </a:p>
+          <a:p>
+            <a:r>
+              <a:rPr lang="en-US" sz="1600" dirty="0"/>
+              <a:t>The job queue and resources are specified in a special job script alongside the actual code to be submitted</a:t>
+            </a:r>
+            <a:endParaRPr lang="en-US" sz="1600" dirty="0">
+              <a:latin typeface="Andale Mono"/>
+              <a:cs typeface="Andale Mono"/>
+            </a:endParaRPr>
+          </a:p>
+          <a:p>
+            <a:pPr marL="118872" indent="0">
+              <a:buNone/>
+            </a:pPr>
+            <a:endParaRPr lang="en-US" sz="1600" dirty="0">
+              <a:latin typeface="Andale Mono"/>
+              <a:cs typeface="Andale Mono"/>
+            </a:endParaRPr>
+          </a:p>
+          <a:p>
+            <a:pPr marL="118872" indent="0">
+              <a:buNone/>
+            </a:pPr>
+            <a:r>
+              <a:rPr lang="en-US" sz="1600" dirty="0">
+                <a:latin typeface="Andale Mono"/>
+                <a:cs typeface="Andale Mono"/>
+              </a:rPr>
+              <a:t>#Go into the ~/scripts directory and download a blank job script</a:t>
+            </a:r>
+          </a:p>
+          <a:p>
+            <a:pPr marL="118872" indent="0">
+              <a:buNone/>
+            </a:pPr>
+            <a:endParaRPr lang="en-US" sz="1600" dirty="0">
+              <a:latin typeface="Andale Mono"/>
+              <a:cs typeface="Andale Mono"/>
+            </a:endParaRPr>
+          </a:p>
+          <a:p>
+            <a:pPr marL="118872" indent="0">
+              <a:buNone/>
+            </a:pPr>
+            <a:r>
+              <a:rPr lang="en-US" sz="1600" dirty="0">
+                <a:solidFill>
+                  <a:srgbClr val="FFE193"/>
+                </a:solidFill>
+                <a:latin typeface="Andale Mono"/>
+                <a:cs typeface="Andale Mono"/>
+              </a:rPr>
+              <a:t>$ </a:t>
+            </a:r>
+            <a:r>
+              <a:rPr lang="en-US" sz="1600" dirty="0" err="1">
+                <a:solidFill>
+                  <a:srgbClr val="FFE193"/>
+                </a:solidFill>
+                <a:latin typeface="Andale Mono"/>
+                <a:cs typeface="Andale Mono"/>
+              </a:rPr>
+              <a:t>wget</a:t>
+            </a:r>
+            <a:r>
+              <a:rPr lang="en-US" sz="1600" dirty="0">
+                <a:solidFill>
+                  <a:srgbClr val="FFE193"/>
+                </a:solidFill>
+                <a:latin typeface="Andale Mono"/>
+                <a:cs typeface="Andale Mono"/>
+              </a:rPr>
+              <a:t> https://</a:t>
+            </a:r>
+            <a:r>
+              <a:rPr lang="en-US" sz="1600" dirty="0" err="1">
+                <a:solidFill>
+                  <a:srgbClr val="FFE193"/>
+                </a:solidFill>
+                <a:latin typeface="Andale Mono"/>
+                <a:cs typeface="Andale Mono"/>
+              </a:rPr>
+              <a:t>raw.githubusercontent.com</a:t>
+            </a:r>
+            <a:r>
+              <a:rPr lang="en-US" sz="1600" dirty="0">
+                <a:solidFill>
+                  <a:srgbClr val="FFE193"/>
+                </a:solidFill>
+                <a:latin typeface="Andale Mono"/>
+                <a:cs typeface="Andale Mono"/>
+              </a:rPr>
+              <a:t>/maehrlich1/</a:t>
+            </a:r>
+            <a:r>
+              <a:rPr lang="en-US" sz="1600" dirty="0" err="1">
+                <a:solidFill>
+                  <a:srgbClr val="FFE193"/>
+                </a:solidFill>
+                <a:latin typeface="Andale Mono"/>
+                <a:cs typeface="Andale Mono"/>
+              </a:rPr>
+              <a:t>Funhe_Gen</a:t>
+            </a:r>
+            <a:r>
+              <a:rPr lang="en-US" sz="1600" dirty="0">
+                <a:solidFill>
+                  <a:srgbClr val="FFE193"/>
+                </a:solidFill>
+                <a:latin typeface="Andale Mono"/>
+                <a:cs typeface="Andale Mono"/>
+              </a:rPr>
+              <a:t>/master/bash/</a:t>
+            </a:r>
+            <a:r>
+              <a:rPr lang="en-US" sz="1600" dirty="0" err="1">
+                <a:solidFill>
+                  <a:srgbClr val="FFE193"/>
+                </a:solidFill>
+                <a:latin typeface="Andale Mono"/>
+                <a:cs typeface="Andale Mono"/>
+              </a:rPr>
+              <a:t>blank.job</a:t>
+            </a:r>
+            <a:endParaRPr lang="en-US" sz="1600" dirty="0">
               <a:solidFill>
                 <a:srgbClr val="FFE193"/>
               </a:solidFill>
@@ -12429,358 +12883,51 @@
             <a:pPr marL="118872" indent="0">
               <a:buNone/>
             </a:pPr>
-            <a:r>
-              <a:rPr lang="en-US" sz="1800" dirty="0">
-                <a:solidFill>
-                  <a:srgbClr val="FFE193"/>
-                </a:solidFill>
-                <a:latin typeface="Andale Mono"/>
-                <a:cs typeface="Andale Mono"/>
-              </a:rPr>
-              <a:t>#Queue</a:t>
-            </a:r>
-          </a:p>
-          <a:p>
-            <a:pPr marL="118872" indent="0">
-              <a:buNone/>
-            </a:pPr>
-            <a:r>
-              <a:rPr lang="en-US" sz="1800" dirty="0">
-                <a:solidFill>
-                  <a:srgbClr val="FFE193"/>
-                </a:solidFill>
-                <a:latin typeface="Andale Mono"/>
-                <a:cs typeface="Andale Mono"/>
-              </a:rPr>
-              <a:t>#BSUB -q normal</a:t>
-            </a:r>
-          </a:p>
-          <a:p>
-            <a:pPr marL="118872" indent="0">
-              <a:buNone/>
-            </a:pPr>
-            <a:endParaRPr lang="en-US" sz="1800" dirty="0">
+            <a:endParaRPr lang="en-US" sz="1600" dirty="0">
+              <a:solidFill>
+                <a:srgbClr val="FFE193"/>
+              </a:solidFill>
+              <a:latin typeface="Andale Mono"/>
+            </a:endParaRPr>
+          </a:p>
+          <a:p>
+            <a:pPr marL="118872" indent="0">
+              <a:buNone/>
+            </a:pPr>
+            <a:r>
+              <a:rPr lang="en-US" sz="1600" dirty="0">
+                <a:latin typeface="Andale Mono"/>
+                <a:cs typeface="Andale Mono"/>
+              </a:rPr>
+              <a:t>#Modify the downloaded file using</a:t>
+            </a:r>
+            <a:r>
+              <a:rPr lang="en-US" sz="1600" i="1" dirty="0">
+                <a:latin typeface="Andale Mono"/>
+                <a:cs typeface="Andale Mono"/>
+              </a:rPr>
+              <a:t> </a:t>
+            </a:r>
+            <a:r>
+              <a:rPr lang="en-US" sz="1600" i="1" dirty="0" err="1">
+                <a:latin typeface="Andale Mono"/>
+                <a:cs typeface="Andale Mono"/>
+              </a:rPr>
+              <a:t>nano</a:t>
+            </a:r>
+            <a:endParaRPr lang="en-US" sz="1600" dirty="0"/>
+          </a:p>
+          <a:p>
+            <a:pPr marL="118872" indent="0">
+              <a:buNone/>
+            </a:pPr>
+            <a:endParaRPr lang="en-US" sz="1600" dirty="0">
               <a:solidFill>
                 <a:srgbClr val="FFE193"/>
               </a:solidFill>
               <a:latin typeface="Andale Mono"/>
               <a:cs typeface="Andale Mono"/>
             </a:endParaRPr>
-          </a:p>
-          <a:p>
-            <a:pPr marL="118872" indent="0">
-              <a:buNone/>
-            </a:pPr>
-            <a:r>
-              <a:rPr lang="en-US" sz="1800" dirty="0">
-                <a:solidFill>
-                  <a:srgbClr val="FFE193"/>
-                </a:solidFill>
-                <a:latin typeface="Andale Mono"/>
-                <a:cs typeface="Andale Mono"/>
-              </a:rPr>
-              <a:t>#Cores</a:t>
-            </a:r>
-          </a:p>
-          <a:p>
-            <a:pPr marL="118872" indent="0">
-              <a:buNone/>
-            </a:pPr>
-            <a:r>
-              <a:rPr lang="en-US" sz="1800" dirty="0">
-                <a:solidFill>
-                  <a:srgbClr val="FFE193"/>
-                </a:solidFill>
-                <a:latin typeface="Andale Mono"/>
-                <a:cs typeface="Andale Mono"/>
-              </a:rPr>
-              <a:t>#BSUB </a:t>
-            </a:r>
-            <a:r>
-              <a:rPr lang="mr-IN" sz="1800" dirty="0">
-                <a:solidFill>
-                  <a:srgbClr val="FFE193"/>
-                </a:solidFill>
-                <a:latin typeface="Andale Mono"/>
-                <a:cs typeface="Andale Mono"/>
-              </a:rPr>
-              <a:t>–</a:t>
-            </a:r>
-            <a:r>
-              <a:rPr lang="en-US" sz="1800" dirty="0">
-                <a:solidFill>
-                  <a:srgbClr val="FFE193"/>
-                </a:solidFill>
-                <a:latin typeface="Andale Mono"/>
-                <a:cs typeface="Andale Mono"/>
-              </a:rPr>
-              <a:t>n 1</a:t>
-            </a:r>
-          </a:p>
-          <a:p>
-            <a:pPr marL="118872" indent="0">
-              <a:buNone/>
-            </a:pPr>
-            <a:endParaRPr lang="en-US" sz="1800" dirty="0">
-              <a:solidFill>
-                <a:srgbClr val="FFE193"/>
-              </a:solidFill>
-              <a:latin typeface="Andale Mono"/>
-              <a:cs typeface="Andale Mono"/>
-            </a:endParaRPr>
-          </a:p>
-          <a:p>
-            <a:pPr marL="118872" indent="0">
-              <a:buNone/>
-            </a:pPr>
-            <a:r>
-              <a:rPr lang="en-US" sz="1800" dirty="0">
-                <a:solidFill>
-                  <a:srgbClr val="FFE193"/>
-                </a:solidFill>
-                <a:latin typeface="Andale Mono"/>
-                <a:cs typeface="Andale Mono"/>
-              </a:rPr>
-              <a:t>#RAM per core</a:t>
-            </a:r>
-          </a:p>
-          <a:p>
-            <a:pPr marL="118872" indent="0">
-              <a:buNone/>
-            </a:pPr>
-            <a:r>
-              <a:rPr lang="en-US" sz="1800" dirty="0">
-                <a:solidFill>
-                  <a:srgbClr val="FFE193"/>
-                </a:solidFill>
-                <a:latin typeface="Andale Mono"/>
-                <a:cs typeface="Andale Mono"/>
-              </a:rPr>
-              <a:t>#BSUB -R "</a:t>
-            </a:r>
-            <a:r>
-              <a:rPr lang="en-US" sz="1800" dirty="0" err="1">
-                <a:solidFill>
-                  <a:srgbClr val="FFE193"/>
-                </a:solidFill>
-                <a:latin typeface="Andale Mono"/>
-                <a:cs typeface="Andale Mono"/>
-              </a:rPr>
-              <a:t>rusage</a:t>
-            </a:r>
-            <a:r>
-              <a:rPr lang="en-US" sz="1800" dirty="0">
-                <a:solidFill>
-                  <a:srgbClr val="FFE193"/>
-                </a:solidFill>
-                <a:latin typeface="Andale Mono"/>
-                <a:cs typeface="Andale Mono"/>
-              </a:rPr>
-              <a:t>[mem=500M]”</a:t>
-            </a:r>
-          </a:p>
-          <a:p>
-            <a:pPr marL="118872" indent="0">
-              <a:buNone/>
-            </a:pPr>
-            <a:endParaRPr lang="en-US" sz="1800" dirty="0">
-              <a:solidFill>
-                <a:srgbClr val="FFE193"/>
-              </a:solidFill>
-              <a:latin typeface="Andale Mono"/>
-              <a:cs typeface="Andale Mono"/>
-            </a:endParaRPr>
-          </a:p>
-          <a:p>
-            <a:pPr marL="118872" indent="0">
-              <a:buNone/>
-            </a:pPr>
-            <a:r>
-              <a:rPr lang="en-US" sz="1800" dirty="0">
-                <a:solidFill>
-                  <a:srgbClr val="FFE193"/>
-                </a:solidFill>
-                <a:latin typeface="Andale Mono"/>
-                <a:cs typeface="Andale Mono"/>
-              </a:rPr>
-              <a:t>#</a:t>
-            </a:r>
-            <a:r>
-              <a:rPr lang="en-US" sz="1800" dirty="0" err="1">
-                <a:solidFill>
-                  <a:srgbClr val="FFE193"/>
-                </a:solidFill>
-                <a:latin typeface="Andale Mono"/>
-                <a:cs typeface="Andale Mono"/>
-              </a:rPr>
-              <a:t>Walltime</a:t>
-            </a:r>
-            <a:r>
-              <a:rPr lang="en-US" sz="1800" dirty="0">
-                <a:solidFill>
-                  <a:srgbClr val="FFE193"/>
-                </a:solidFill>
-                <a:latin typeface="Andale Mono"/>
-                <a:cs typeface="Andale Mono"/>
-              </a:rPr>
-              <a:t> (Optional)</a:t>
-            </a:r>
-          </a:p>
-          <a:p>
-            <a:pPr marL="118872" indent="0">
-              <a:buNone/>
-            </a:pPr>
-            <a:r>
-              <a:rPr lang="en-US" sz="1800" dirty="0">
-                <a:solidFill>
-                  <a:srgbClr val="FFE193"/>
-                </a:solidFill>
-                <a:latin typeface="Andale Mono"/>
-                <a:cs typeface="Andale Mono"/>
-              </a:rPr>
-              <a:t>#BSUB </a:t>
-            </a:r>
-            <a:r>
-              <a:rPr lang="mr-IN" sz="1800" dirty="0">
-                <a:solidFill>
-                  <a:srgbClr val="FFE193"/>
-                </a:solidFill>
-                <a:latin typeface="Andale Mono"/>
-                <a:cs typeface="Andale Mono"/>
-              </a:rPr>
-              <a:t>–</a:t>
-            </a:r>
-            <a:r>
-              <a:rPr lang="en-US" sz="1800" dirty="0">
-                <a:solidFill>
-                  <a:srgbClr val="FFE193"/>
-                </a:solidFill>
-                <a:latin typeface="Andale Mono"/>
-                <a:cs typeface="Andale Mono"/>
-              </a:rPr>
-              <a:t>W 01:00</a:t>
-            </a:r>
-          </a:p>
-          <a:p>
-            <a:pPr marL="118872" indent="0">
-              <a:buNone/>
-            </a:pPr>
-            <a:endParaRPr lang="en-US" sz="1800" dirty="0">
-              <a:solidFill>
-                <a:srgbClr val="FFE193"/>
-              </a:solidFill>
-              <a:latin typeface="Andale Mono"/>
-              <a:cs typeface="Andale Mono"/>
-            </a:endParaRPr>
-          </a:p>
-          <a:p>
-            <a:pPr marL="118872" indent="0">
-              <a:buNone/>
-            </a:pPr>
-            <a:r>
-              <a:rPr lang="en-US" sz="1800" dirty="0">
-                <a:solidFill>
-                  <a:srgbClr val="FFE193"/>
-                </a:solidFill>
-                <a:latin typeface="Andale Mono"/>
-                <a:cs typeface="Andale Mono"/>
-              </a:rPr>
-              <a:t>#Project</a:t>
-            </a:r>
-          </a:p>
-          <a:p>
-            <a:pPr marL="118872" indent="0">
-              <a:buNone/>
-            </a:pPr>
-            <a:r>
-              <a:rPr lang="en-US" sz="1800" dirty="0">
-                <a:solidFill>
-                  <a:srgbClr val="FFE193"/>
-                </a:solidFill>
-                <a:latin typeface="Andale Mono"/>
-                <a:cs typeface="Andale Mono"/>
-              </a:rPr>
-              <a:t>#BSUB –P </a:t>
-            </a:r>
-            <a:r>
-              <a:rPr lang="en-US" sz="1800" dirty="0" err="1">
-                <a:solidFill>
-                  <a:srgbClr val="FFE193"/>
-                </a:solidFill>
-                <a:latin typeface="Andale Mono"/>
-                <a:cs typeface="Andale Mono"/>
-              </a:rPr>
-              <a:t>practcomp_course</a:t>
-            </a:r>
-            <a:endParaRPr lang="en-US" sz="1800" dirty="0">
-              <a:solidFill>
-                <a:srgbClr val="FFE193"/>
-              </a:solidFill>
-              <a:latin typeface="Andale Mono"/>
-              <a:cs typeface="Andale Mono"/>
-            </a:endParaRPr>
-          </a:p>
-          <a:p>
-            <a:pPr marL="118872" indent="0">
-              <a:buNone/>
-            </a:pPr>
-            <a:endParaRPr lang="en-US" sz="1800" dirty="0">
-              <a:solidFill>
-                <a:srgbClr val="FFE193"/>
-              </a:solidFill>
-              <a:latin typeface="Andale Mono"/>
-              <a:cs typeface="Andale Mono"/>
-            </a:endParaRPr>
-          </a:p>
-          <a:p>
-            <a:pPr marL="118872" indent="0">
-              <a:buNone/>
-            </a:pPr>
-            <a:r>
-              <a:rPr lang="en-US" sz="1800" dirty="0">
-                <a:solidFill>
-                  <a:srgbClr val="FFE193"/>
-                </a:solidFill>
-                <a:latin typeface="Andale Mono"/>
-                <a:cs typeface="Andale Mono"/>
-              </a:rPr>
-              <a:t>#Output File (Absolute path)</a:t>
-            </a:r>
-          </a:p>
-          <a:p>
-            <a:pPr marL="118872" indent="0">
-              <a:buNone/>
-            </a:pPr>
-            <a:r>
-              <a:rPr lang="en-US" sz="1800" dirty="0">
-                <a:solidFill>
-                  <a:srgbClr val="FFE193"/>
-                </a:solidFill>
-                <a:latin typeface="Andale Mono"/>
-                <a:cs typeface="Andale Mono"/>
-              </a:rPr>
-              <a:t>#BSUB -o /home/</a:t>
-            </a:r>
-            <a:r>
-              <a:rPr lang="en-US" sz="1800" i="1" dirty="0">
-                <a:solidFill>
-                  <a:srgbClr val="FFE193"/>
-                </a:solidFill>
-                <a:latin typeface="Andale Mono"/>
-                <a:cs typeface="Andale Mono"/>
-              </a:rPr>
-              <a:t>username</a:t>
-            </a:r>
-            <a:r>
-              <a:rPr lang="en-US" sz="1800" dirty="0">
-                <a:solidFill>
-                  <a:srgbClr val="FFE193"/>
-                </a:solidFill>
-                <a:latin typeface="Andale Mono"/>
-                <a:cs typeface="Andale Mono"/>
-              </a:rPr>
-              <a:t>/logs/rna_qc_1.out</a:t>
-            </a:r>
           </a:p>
         </p:txBody>
       </p:sp>
@@ -12810,7 +12957,7 @@
     </p:spTree>
     <p:extLst>
       <p:ext uri="{BB962C8B-B14F-4D97-AF65-F5344CB8AC3E}">
-        <p14:creationId xmlns:p14="http://schemas.microsoft.com/office/powerpoint/2010/main" val="3730787198"/>
+        <p14:creationId xmlns:p14="http://schemas.microsoft.com/office/powerpoint/2010/main" val="2913973264"/>
       </p:ext>
     </p:extLst>
   </p:cSld>
@@ -12865,8 +13012,8 @@
           <a:lstStyle/>
           <a:p>
             <a:r>
-              <a:rPr lang="en-US"/>
-              <a:t>Prepare the .job script</a:t>
+              <a:rPr lang="en-US" dirty="0"/>
+              <a:t>Preparing the .job script</a:t>
             </a:r>
           </a:p>
         </p:txBody>
@@ -12881,10 +13028,15 @@
             <p:ph idx="1"/>
           </p:nvPr>
         </p:nvSpPr>
-        <p:spPr/>
+        <p:spPr>
+          <a:xfrm>
+            <a:off x="457200" y="1775191"/>
+            <a:ext cx="8229600" cy="4840979"/>
+          </a:xfrm>
+        </p:spPr>
         <p:txBody>
           <a:bodyPr>
-            <a:normAutofit/>
+            <a:normAutofit fontScale="85000" lnSpcReduction="20000"/>
           </a:bodyPr>
           <a:lstStyle/>
           <a:p>
@@ -12892,11 +13044,11 @@
               <a:buNone/>
             </a:pPr>
             <a:r>
-              <a:rPr lang="en-US" sz="1800" dirty="0">
-                <a:latin typeface="Andale Mono"/>
-                <a:cs typeface="Andale Mono"/>
-              </a:rPr>
-              <a:t>#After resource requirements are defined, enter the code you wish to run</a:t>
+              <a:rPr lang="en-US" sz="1900" dirty="0">
+                <a:latin typeface="Andale Mono"/>
+                <a:cs typeface="Andale Mono"/>
+              </a:rPr>
+              <a:t>#Modify the header of the blank job script to specify the resources needed for our job</a:t>
             </a:r>
           </a:p>
           <a:p>
@@ -12914,45 +13066,19 @@
             </a:pPr>
             <a:r>
               <a:rPr lang="en-US" sz="1800" dirty="0">
-                <a:latin typeface="Andale Mono"/>
-                <a:cs typeface="Andale Mono"/>
-              </a:rPr>
-              <a:t>#Since this job will be processed by another node, start your script by making sure you are in the right working directory.</a:t>
-            </a:r>
-          </a:p>
-          <a:p>
-            <a:pPr marL="118872" indent="0">
-              <a:buNone/>
-            </a:pPr>
-            <a:endParaRPr lang="en-US" sz="1800" dirty="0">
-              <a:latin typeface="Andale Mono"/>
-              <a:cs typeface="Andale Mono"/>
-            </a:endParaRPr>
-          </a:p>
-          <a:p>
-            <a:pPr marL="118872" indent="0">
-              <a:buNone/>
-            </a:pPr>
-            <a:r>
-              <a:rPr lang="en-US" sz="1800" dirty="0">
-                <a:solidFill>
-                  <a:srgbClr val="FFE193"/>
-                </a:solidFill>
-                <a:latin typeface="Andale Mono"/>
-                <a:cs typeface="Andale Mono"/>
-              </a:rPr>
-              <a:t>cd $SCR/</a:t>
-            </a:r>
-            <a:r>
-              <a:rPr lang="en-US" sz="1800" dirty="0" err="1">
-                <a:solidFill>
-                  <a:srgbClr val="FFE193"/>
-                </a:solidFill>
-                <a:latin typeface="Andale Mono"/>
-                <a:cs typeface="Andale Mono"/>
-              </a:rPr>
-              <a:t>rna_data</a:t>
-            </a:r>
+                <a:solidFill>
+                  <a:srgbClr val="FFE193"/>
+                </a:solidFill>
+                <a:latin typeface="Andale Mono"/>
+                <a:cs typeface="Andale Mono"/>
+              </a:rPr>
+              <a:t>#!/bin/bash</a:t>
+            </a:r>
+          </a:p>
+          <a:p>
+            <a:pPr marL="118872" indent="0">
+              <a:buNone/>
+            </a:pPr>
             <a:endParaRPr lang="en-US" sz="1800" dirty="0">
               <a:solidFill>
                 <a:srgbClr val="FFE193"/>
@@ -12965,59 +13091,40 @@
             <a:pPr marL="118872" indent="0">
               <a:buNone/>
             </a:pPr>
-            <a:endParaRPr lang="en-US" sz="1800" dirty="0">
-              <a:latin typeface="Andale Mono"/>
-              <a:cs typeface="Andale Mono"/>
-            </a:endParaRPr>
-          </a:p>
-          <a:p>
-            <a:pPr marL="118872" indent="0">
-              <a:buNone/>
-            </a:pPr>
             <a:r>
               <a:rPr lang="en-US" sz="1800" dirty="0">
-                <a:latin typeface="Andale Mono"/>
-                <a:cs typeface="Andale Mono"/>
-              </a:rPr>
-              <a:t>#Enter the code used to run the </a:t>
-            </a:r>
-            <a:r>
-              <a:rPr lang="en-US" sz="1800" dirty="0" err="1">
-                <a:latin typeface="Andale Mono"/>
-                <a:cs typeface="Andale Mono"/>
-              </a:rPr>
-              <a:t>fastqc</a:t>
-            </a:r>
+                <a:solidFill>
+                  <a:srgbClr val="FFE193"/>
+                </a:solidFill>
+                <a:latin typeface="Andale Mono"/>
+                <a:cs typeface="Andale Mono"/>
+              </a:rPr>
+              <a:t>#Job Name</a:t>
+            </a:r>
+          </a:p>
+          <a:p>
+            <a:pPr marL="118872" indent="0">
+              <a:buNone/>
+            </a:pPr>
             <a:r>
               <a:rPr lang="en-US" sz="1800" dirty="0">
-                <a:latin typeface="Andale Mono"/>
-                <a:cs typeface="Andale Mono"/>
-              </a:rPr>
-              <a:t> software on our data</a:t>
-            </a:r>
-          </a:p>
-          <a:p>
-            <a:pPr marL="118872" indent="0">
-              <a:buNone/>
-            </a:pPr>
-            <a:endParaRPr lang="en-US" sz="1800" dirty="0">
-              <a:latin typeface="Andale Mono"/>
-              <a:cs typeface="Andale Mono"/>
-            </a:endParaRPr>
-          </a:p>
-          <a:p>
-            <a:pPr marL="118872" indent="0">
-              <a:buNone/>
-            </a:pPr>
-            <a:r>
-              <a:rPr lang="en-US" sz="1800" dirty="0" err="1">
-                <a:solidFill>
-                  <a:srgbClr val="FFE193"/>
-                </a:solidFill>
-                <a:latin typeface="Andale Mono"/>
-                <a:cs typeface="Andale Mono"/>
-              </a:rPr>
-              <a:t>fastqc</a:t>
+                <a:solidFill>
+                  <a:srgbClr val="FFE193"/>
+                </a:solidFill>
+                <a:latin typeface="Andale Mono"/>
+                <a:cs typeface="Andale Mono"/>
+              </a:rPr>
+              <a:t>#BSUB </a:t>
+            </a:r>
+            <a:r>
+              <a:rPr lang="mr-IN" sz="1800" dirty="0">
+                <a:solidFill>
+                  <a:srgbClr val="FFE193"/>
+                </a:solidFill>
+                <a:latin typeface="Andale Mono"/>
+                <a:cs typeface="Andale Mono"/>
+              </a:rPr>
+              <a:t>–</a:t>
             </a:r>
             <a:r>
               <a:rPr lang="en-US" sz="1800" dirty="0">
@@ -13027,58 +13134,13 @@
                 <a:latin typeface="Andale Mono"/>
                 <a:cs typeface="Andale Mono"/>
               </a:rPr>
-              <a:t> </a:t>
-            </a:r>
-            <a:r>
-              <a:rPr lang="mr-IN" sz="1800" dirty="0">
-                <a:solidFill>
-                  <a:srgbClr val="FFE193"/>
-                </a:solidFill>
-                <a:latin typeface="Andale Mono"/>
-                <a:cs typeface="Andale Mono"/>
-              </a:rPr>
-              <a:t>–</a:t>
-            </a:r>
-            <a:r>
-              <a:rPr lang="en-US" sz="1800" dirty="0">
-                <a:solidFill>
-                  <a:srgbClr val="FFE193"/>
-                </a:solidFill>
-                <a:latin typeface="Andale Mono"/>
-                <a:cs typeface="Andale Mono"/>
-              </a:rPr>
-              <a:t>o ./QC </a:t>
-            </a:r>
-            <a:r>
-              <a:rPr lang="en-US" sz="1800" dirty="0" err="1">
-                <a:solidFill>
-                  <a:srgbClr val="FFE193"/>
-                </a:solidFill>
-                <a:latin typeface="Andale Mono"/>
-                <a:cs typeface="Andale Mono"/>
-              </a:rPr>
-              <a:t>raw_reads</a:t>
-            </a:r>
-            <a:r>
-              <a:rPr lang="en-US" sz="1800" dirty="0">
-                <a:solidFill>
-                  <a:srgbClr val="FFE193"/>
-                </a:solidFill>
-                <a:latin typeface="Andale Mono"/>
-                <a:cs typeface="Andale Mono"/>
-              </a:rPr>
-              <a:t>/*.</a:t>
-            </a:r>
-            <a:r>
-              <a:rPr lang="en-US" sz="1800" dirty="0" err="1">
-                <a:solidFill>
-                  <a:srgbClr val="FFE193"/>
-                </a:solidFill>
-                <a:latin typeface="Andale Mono"/>
-                <a:cs typeface="Andale Mono"/>
-              </a:rPr>
-              <a:t>fastq.gz</a:t>
-            </a:r>
+              <a:t>J rna_qc_1</a:t>
+            </a:r>
+          </a:p>
+          <a:p>
+            <a:pPr marL="118872" indent="0">
+              <a:buNone/>
+            </a:pPr>
             <a:endParaRPr lang="en-US" sz="1800" dirty="0">
               <a:solidFill>
                 <a:srgbClr val="FFE193"/>
@@ -13091,7 +13153,40 @@
             <a:pPr marL="118872" indent="0">
               <a:buNone/>
             </a:pPr>
+            <a:r>
+              <a:rPr lang="en-US" sz="1800" dirty="0">
+                <a:solidFill>
+                  <a:srgbClr val="FFE193"/>
+                </a:solidFill>
+                <a:latin typeface="Andale Mono"/>
+                <a:cs typeface="Andale Mono"/>
+              </a:rPr>
+              <a:t>#Queue</a:t>
+            </a:r>
+          </a:p>
+          <a:p>
+            <a:pPr marL="118872" indent="0">
+              <a:buNone/>
+            </a:pPr>
+            <a:r>
+              <a:rPr lang="en-US" sz="1800" dirty="0">
+                <a:solidFill>
+                  <a:srgbClr val="FFE193"/>
+                </a:solidFill>
+                <a:latin typeface="Andale Mono"/>
+                <a:cs typeface="Andale Mono"/>
+              </a:rPr>
+              <a:t>#BSUB -q normal</a:t>
+            </a:r>
+          </a:p>
+          <a:p>
+            <a:pPr marL="118872" indent="0">
+              <a:buNone/>
+            </a:pPr>
             <a:endParaRPr lang="en-US" sz="1800" dirty="0">
+              <a:solidFill>
+                <a:srgbClr val="FFE193"/>
+              </a:solidFill>
               <a:latin typeface="Andale Mono"/>
               <a:cs typeface="Andale Mono"/>
             </a:endParaRPr>
@@ -13102,10 +13197,313 @@
             </a:pPr>
             <a:r>
               <a:rPr lang="en-US" sz="1800" dirty="0">
-                <a:latin typeface="Andale Mono"/>
-                <a:cs typeface="Andale Mono"/>
-              </a:rPr>
-              <a:t>#Save your script as ~/scripts/rna_qc_1.job</a:t>
+                <a:solidFill>
+                  <a:srgbClr val="FFE193"/>
+                </a:solidFill>
+                <a:latin typeface="Andale Mono"/>
+                <a:cs typeface="Andale Mono"/>
+              </a:rPr>
+              <a:t>#Cores</a:t>
+            </a:r>
+          </a:p>
+          <a:p>
+            <a:pPr marL="118872" indent="0">
+              <a:buNone/>
+            </a:pPr>
+            <a:r>
+              <a:rPr lang="en-US" sz="1800" dirty="0">
+                <a:solidFill>
+                  <a:srgbClr val="FFE193"/>
+                </a:solidFill>
+                <a:latin typeface="Andale Mono"/>
+                <a:cs typeface="Andale Mono"/>
+              </a:rPr>
+              <a:t>#BSUB </a:t>
+            </a:r>
+            <a:r>
+              <a:rPr lang="mr-IN" sz="1800" dirty="0">
+                <a:solidFill>
+                  <a:srgbClr val="FFE193"/>
+                </a:solidFill>
+                <a:latin typeface="Andale Mono"/>
+                <a:cs typeface="Andale Mono"/>
+              </a:rPr>
+              <a:t>–</a:t>
+            </a:r>
+            <a:r>
+              <a:rPr lang="en-US" sz="1800" dirty="0">
+                <a:solidFill>
+                  <a:srgbClr val="FFE193"/>
+                </a:solidFill>
+                <a:latin typeface="Andale Mono"/>
+                <a:cs typeface="Andale Mono"/>
+              </a:rPr>
+              <a:t>n 1</a:t>
+            </a:r>
+          </a:p>
+          <a:p>
+            <a:pPr marL="118872" indent="0">
+              <a:buNone/>
+            </a:pPr>
+            <a:endParaRPr lang="en-US" sz="1800" dirty="0">
+              <a:solidFill>
+                <a:srgbClr val="FFE193"/>
+              </a:solidFill>
+              <a:latin typeface="Andale Mono"/>
+              <a:cs typeface="Andale Mono"/>
+            </a:endParaRPr>
+          </a:p>
+          <a:p>
+            <a:pPr marL="118872" indent="0">
+              <a:buNone/>
+            </a:pPr>
+            <a:r>
+              <a:rPr lang="en-US" sz="1800" dirty="0">
+                <a:solidFill>
+                  <a:srgbClr val="FFE193"/>
+                </a:solidFill>
+                <a:latin typeface="Andale Mono"/>
+                <a:cs typeface="Andale Mono"/>
+              </a:rPr>
+              <a:t>#RAM per core</a:t>
+            </a:r>
+          </a:p>
+          <a:p>
+            <a:pPr marL="118872" indent="0">
+              <a:buNone/>
+            </a:pPr>
+            <a:r>
+              <a:rPr lang="en-US" sz="1800" dirty="0">
+                <a:solidFill>
+                  <a:srgbClr val="FFE193"/>
+                </a:solidFill>
+                <a:latin typeface="Andale Mono"/>
+                <a:cs typeface="Andale Mono"/>
+              </a:rPr>
+              <a:t>#BSUB -R "</a:t>
+            </a:r>
+            <a:r>
+              <a:rPr lang="en-US" sz="1800" dirty="0" err="1">
+                <a:solidFill>
+                  <a:srgbClr val="FFE193"/>
+                </a:solidFill>
+                <a:latin typeface="Andale Mono"/>
+                <a:cs typeface="Andale Mono"/>
+              </a:rPr>
+              <a:t>rusage</a:t>
+            </a:r>
+            <a:r>
+              <a:rPr lang="en-US" sz="1800" dirty="0">
+                <a:solidFill>
+                  <a:srgbClr val="FFE193"/>
+                </a:solidFill>
+                <a:latin typeface="Andale Mono"/>
+                <a:cs typeface="Andale Mono"/>
+              </a:rPr>
+              <a:t>[mem=500M]”</a:t>
+            </a:r>
+          </a:p>
+          <a:p>
+            <a:pPr marL="118872" indent="0">
+              <a:buNone/>
+            </a:pPr>
+            <a:endParaRPr lang="en-US" sz="1800" dirty="0">
+              <a:solidFill>
+                <a:srgbClr val="FFE193"/>
+              </a:solidFill>
+              <a:latin typeface="Andale Mono"/>
+              <a:cs typeface="Andale Mono"/>
+            </a:endParaRPr>
+          </a:p>
+          <a:p>
+            <a:pPr marL="118872" indent="0">
+              <a:buNone/>
+            </a:pPr>
+            <a:r>
+              <a:rPr lang="en-US" sz="1800" dirty="0">
+                <a:solidFill>
+                  <a:srgbClr val="FFE193"/>
+                </a:solidFill>
+                <a:latin typeface="Andale Mono"/>
+                <a:cs typeface="Andale Mono"/>
+              </a:rPr>
+              <a:t>#</a:t>
+            </a:r>
+            <a:r>
+              <a:rPr lang="en-US" sz="1800" dirty="0" err="1">
+                <a:solidFill>
+                  <a:srgbClr val="FFE193"/>
+                </a:solidFill>
+                <a:latin typeface="Andale Mono"/>
+                <a:cs typeface="Andale Mono"/>
+              </a:rPr>
+              <a:t>Walltime</a:t>
+            </a:r>
+            <a:r>
+              <a:rPr lang="en-US" sz="1800" dirty="0">
+                <a:solidFill>
+                  <a:srgbClr val="FFE193"/>
+                </a:solidFill>
+                <a:latin typeface="Andale Mono"/>
+                <a:cs typeface="Andale Mono"/>
+              </a:rPr>
+              <a:t> (Optional)</a:t>
+            </a:r>
+          </a:p>
+          <a:p>
+            <a:pPr marL="118872" indent="0">
+              <a:buNone/>
+            </a:pPr>
+            <a:r>
+              <a:rPr lang="en-US" sz="1800" dirty="0">
+                <a:solidFill>
+                  <a:srgbClr val="FFE193"/>
+                </a:solidFill>
+                <a:latin typeface="Andale Mono"/>
+                <a:cs typeface="Andale Mono"/>
+              </a:rPr>
+              <a:t>#BSUB </a:t>
+            </a:r>
+            <a:r>
+              <a:rPr lang="mr-IN" sz="1800" dirty="0">
+                <a:solidFill>
+                  <a:srgbClr val="FFE193"/>
+                </a:solidFill>
+                <a:latin typeface="Andale Mono"/>
+                <a:cs typeface="Andale Mono"/>
+              </a:rPr>
+              <a:t>–</a:t>
+            </a:r>
+            <a:r>
+              <a:rPr lang="en-US" sz="1800" dirty="0">
+                <a:solidFill>
+                  <a:srgbClr val="FFE193"/>
+                </a:solidFill>
+                <a:latin typeface="Andale Mono"/>
+                <a:cs typeface="Andale Mono"/>
+              </a:rPr>
+              <a:t>W 01:00</a:t>
+            </a:r>
+          </a:p>
+          <a:p>
+            <a:pPr marL="118872" indent="0">
+              <a:buNone/>
+            </a:pPr>
+            <a:endParaRPr lang="en-US" sz="1800" dirty="0">
+              <a:solidFill>
+                <a:srgbClr val="FFE193"/>
+              </a:solidFill>
+              <a:latin typeface="Andale Mono"/>
+              <a:cs typeface="Andale Mono"/>
+            </a:endParaRPr>
+          </a:p>
+          <a:p>
+            <a:pPr marL="118872" indent="0">
+              <a:buNone/>
+            </a:pPr>
+            <a:r>
+              <a:rPr lang="en-US" sz="1800" dirty="0">
+                <a:solidFill>
+                  <a:srgbClr val="FFE193"/>
+                </a:solidFill>
+                <a:latin typeface="Andale Mono"/>
+                <a:cs typeface="Andale Mono"/>
+              </a:rPr>
+              <a:t>#Project</a:t>
+            </a:r>
+          </a:p>
+          <a:p>
+            <a:pPr marL="118872" indent="0">
+              <a:buNone/>
+            </a:pPr>
+            <a:r>
+              <a:rPr lang="en-US" sz="1800" dirty="0">
+                <a:solidFill>
+                  <a:srgbClr val="FFE193"/>
+                </a:solidFill>
+                <a:latin typeface="Andale Mono"/>
+                <a:cs typeface="Andale Mono"/>
+              </a:rPr>
+              <a:t>#BSUB –P </a:t>
+            </a:r>
+            <a:r>
+              <a:rPr lang="en-US" sz="1800" dirty="0" err="1">
+                <a:solidFill>
+                  <a:srgbClr val="FFE193"/>
+                </a:solidFill>
+                <a:latin typeface="Andale Mono"/>
+                <a:cs typeface="Andale Mono"/>
+              </a:rPr>
+              <a:t>practcomp_course</a:t>
+            </a:r>
+            <a:endParaRPr lang="en-US" sz="1800" dirty="0">
+              <a:solidFill>
+                <a:srgbClr val="FFE193"/>
+              </a:solidFill>
+              <a:latin typeface="Andale Mono"/>
+              <a:cs typeface="Andale Mono"/>
+            </a:endParaRPr>
+          </a:p>
+          <a:p>
+            <a:pPr marL="118872" indent="0">
+              <a:buNone/>
+            </a:pPr>
+            <a:endParaRPr lang="en-US" sz="1800" dirty="0">
+              <a:solidFill>
+                <a:srgbClr val="FFE193"/>
+              </a:solidFill>
+              <a:latin typeface="Andale Mono"/>
+              <a:cs typeface="Andale Mono"/>
+            </a:endParaRPr>
+          </a:p>
+          <a:p>
+            <a:pPr marL="118872" indent="0">
+              <a:buNone/>
+            </a:pPr>
+            <a:r>
+              <a:rPr lang="en-US" sz="1800" dirty="0">
+                <a:solidFill>
+                  <a:srgbClr val="FFE193"/>
+                </a:solidFill>
+                <a:latin typeface="Andale Mono"/>
+                <a:cs typeface="Andale Mono"/>
+              </a:rPr>
+              <a:t>#Output File (Absolute path)</a:t>
+            </a:r>
+          </a:p>
+          <a:p>
+            <a:pPr marL="118872" indent="0">
+              <a:buNone/>
+            </a:pPr>
+            <a:r>
+              <a:rPr lang="en-US" sz="1800" dirty="0">
+                <a:solidFill>
+                  <a:srgbClr val="FFE193"/>
+                </a:solidFill>
+                <a:latin typeface="Andale Mono"/>
+                <a:cs typeface="Andale Mono"/>
+              </a:rPr>
+              <a:t>#BSUB -o /home/</a:t>
+            </a:r>
+            <a:r>
+              <a:rPr lang="en-US" sz="1800" i="1" dirty="0">
+                <a:solidFill>
+                  <a:srgbClr val="FFE193"/>
+                </a:solidFill>
+                <a:latin typeface="Andale Mono"/>
+                <a:cs typeface="Andale Mono"/>
+              </a:rPr>
+              <a:t>username</a:t>
+            </a:r>
+            <a:r>
+              <a:rPr lang="en-US" sz="1800" dirty="0">
+                <a:solidFill>
+                  <a:srgbClr val="FFE193"/>
+                </a:solidFill>
+                <a:latin typeface="Andale Mono"/>
+                <a:cs typeface="Andale Mono"/>
+              </a:rPr>
+              <a:t>/logs/rna_qc_1.out</a:t>
             </a:r>
           </a:p>
         </p:txBody>
@@ -13136,7 +13534,7 @@
     </p:spTree>
     <p:extLst>
       <p:ext uri="{BB962C8B-B14F-4D97-AF65-F5344CB8AC3E}">
-        <p14:creationId xmlns:p14="http://schemas.microsoft.com/office/powerpoint/2010/main" val="1069718027"/>
+        <p14:creationId xmlns:p14="http://schemas.microsoft.com/office/powerpoint/2010/main" val="3730787198"/>
       </p:ext>
     </p:extLst>
   </p:cSld>
@@ -13192,7 +13590,7 @@
           <a:p>
             <a:r>
               <a:rPr lang="en-US"/>
-              <a:t>Submit your job</a:t>
+              <a:t>Prepare the .job script</a:t>
             </a:r>
           </a:p>
         </p:txBody>
@@ -13222,7 +13620,7 @@
                 <a:latin typeface="Andale Mono"/>
                 <a:cs typeface="Andale Mono"/>
               </a:rPr>
-              <a:t>#Submit your job to the scheduler</a:t>
+              <a:t>#After resource requirements are defined, enter the code you wish to run</a:t>
             </a:r>
           </a:p>
           <a:p>
@@ -13240,42 +13638,10 @@
             </a:pPr>
             <a:r>
               <a:rPr lang="en-US" sz="1800" dirty="0">
-                <a:solidFill>
-                  <a:schemeClr val="accent1">
-                    <a:lumMod val="40000"/>
-                    <a:lumOff val="60000"/>
-                  </a:schemeClr>
-                </a:solidFill>
-                <a:latin typeface="Andale Mono"/>
-                <a:cs typeface="Andale Mono"/>
-              </a:rPr>
-              <a:t>$ </a:t>
-            </a:r>
-            <a:r>
-              <a:rPr lang="en-US" sz="1800" dirty="0" err="1">
-                <a:solidFill>
-                  <a:schemeClr val="accent1">
-                    <a:lumMod val="40000"/>
-                    <a:lumOff val="60000"/>
-                  </a:schemeClr>
-                </a:solidFill>
-                <a:latin typeface="Andale Mono"/>
-                <a:cs typeface="Andale Mono"/>
-              </a:rPr>
-              <a:t>bsub</a:t>
-            </a:r>
-            <a:r>
-              <a:rPr lang="en-US" sz="1800" dirty="0">
-                <a:solidFill>
-                  <a:schemeClr val="accent1">
-                    <a:lumMod val="40000"/>
-                    <a:lumOff val="60000"/>
-                  </a:schemeClr>
-                </a:solidFill>
-                <a:latin typeface="Andale Mono"/>
-                <a:cs typeface="Andale Mono"/>
-              </a:rPr>
-              <a:t> &lt; ~/scripts/rna_qc_1.job</a:t>
+                <a:latin typeface="Andale Mono"/>
+                <a:cs typeface="Andale Mono"/>
+              </a:rPr>
+              <a:t>#Since this job will be processed by another node, start your script by making sure you are in the right working directory.</a:t>
             </a:r>
           </a:p>
           <a:p>
@@ -13293,34 +13659,13 @@
             </a:pPr>
             <a:r>
               <a:rPr lang="en-US" sz="1800" dirty="0">
-                <a:latin typeface="Andale Mono"/>
-                <a:cs typeface="Andale Mono"/>
-              </a:rPr>
-              <a:t>#We can now look at the current status of your job</a:t>
-            </a:r>
-          </a:p>
-          <a:p>
-            <a:pPr marL="118872" indent="0">
-              <a:buNone/>
-            </a:pPr>
-            <a:endParaRPr lang="en-US" sz="1800" dirty="0">
-              <a:latin typeface="Andale Mono"/>
-              <a:cs typeface="Andale Mono"/>
-            </a:endParaRPr>
-          </a:p>
-          <a:p>
-            <a:pPr marL="118872" indent="0">
-              <a:buNone/>
-            </a:pPr>
-            <a:r>
-              <a:rPr lang="en-US" sz="1800" dirty="0">
-                <a:solidFill>
-                  <a:srgbClr val="FFE193"/>
-                </a:solidFill>
-                <a:latin typeface="Andale Mono"/>
-                <a:cs typeface="Andale Mono"/>
-              </a:rPr>
-              <a:t>$ </a:t>
+                <a:solidFill>
+                  <a:srgbClr val="FFE193"/>
+                </a:solidFill>
+                <a:latin typeface="Andale Mono"/>
+                <a:cs typeface="Andale Mono"/>
+              </a:rPr>
+              <a:t>cd $SCR/</a:t>
             </a:r>
             <a:r>
               <a:rPr lang="en-US" sz="1800" dirty="0" err="1">
@@ -13330,7 +13675,7 @@
                 <a:latin typeface="Andale Mono"/>
                 <a:cs typeface="Andale Mono"/>
               </a:rPr>
-              <a:t>bjobs</a:t>
+              <a:t>rna_data</a:t>
             </a:r>
             <a:endParaRPr lang="en-US" sz="1800" dirty="0">
               <a:solidFill>
@@ -13358,7 +13703,21 @@
                 <a:latin typeface="Andale Mono"/>
                 <a:cs typeface="Andale Mono"/>
               </a:rPr>
-              <a:t>#Or the real-time output!</a:t>
+              <a:t>#Enter the code used to run the </a:t>
+            </a:r>
+            <a:r>
+              <a:rPr lang="en-US" sz="1800" dirty="0" err="1">
+                <a:latin typeface="Andale Mono"/>
+                <a:cs typeface="Andale Mono"/>
+              </a:rPr>
+              <a:t>fastqc</a:t>
+            </a:r>
+            <a:r>
+              <a:rPr lang="en-US" sz="1800" dirty="0">
+                <a:latin typeface="Andale Mono"/>
+                <a:cs typeface="Andale Mono"/>
+              </a:rPr>
+              <a:t> software on our data</a:t>
             </a:r>
           </a:p>
           <a:p>
@@ -13375,6 +13734,16 @@
               <a:buNone/>
             </a:pPr>
             <a:r>
+              <a:rPr lang="en-US" sz="1800" dirty="0" err="1">
+                <a:solidFill>
+                  <a:srgbClr val="FFE193"/>
+                </a:solidFill>
+                <a:latin typeface="Andale Mono"/>
+                <a:cs typeface="Andale Mono"/>
+              </a:rPr>
+              <a:t>fastqc</a:t>
+            </a:r>
+            <a:r>
               <a:rPr lang="en-US" sz="1800" dirty="0">
                 <a:solidFill>
                   <a:srgbClr val="FFE193"/>
@@ -13382,7 +13751,27 @@
                 <a:latin typeface="Andale Mono"/>
                 <a:cs typeface="Andale Mono"/>
               </a:rPr>
-              <a:t>$ </a:t>
+              <a:t> </a:t>
+            </a:r>
+            <a:r>
+              <a:rPr lang="mr-IN" sz="1800" dirty="0">
+                <a:solidFill>
+                  <a:srgbClr val="FFE193"/>
+                </a:solidFill>
+                <a:latin typeface="Andale Mono"/>
+                <a:cs typeface="Andale Mono"/>
+              </a:rPr>
+              <a:t>–</a:t>
+            </a:r>
+            <a:r>
+              <a:rPr lang="en-US" sz="1800" dirty="0">
+                <a:solidFill>
+                  <a:srgbClr val="FFE193"/>
+                </a:solidFill>
+                <a:latin typeface="Andale Mono"/>
+                <a:cs typeface="Andale Mono"/>
+              </a:rPr>
+              <a:t>o ./QC </a:t>
             </a:r>
             <a:r>
               <a:rPr lang="en-US" sz="1800" dirty="0" err="1">
@@ -13392,7 +13781,27 @@
                 <a:latin typeface="Andale Mono"/>
                 <a:cs typeface="Andale Mono"/>
               </a:rPr>
-              <a:t>bpeek</a:t>
+              <a:t>raw_reads</a:t>
+            </a:r>
+            <a:r>
+              <a:rPr lang="en-US" sz="1800" dirty="0">
+                <a:solidFill>
+                  <a:srgbClr val="FFE193"/>
+                </a:solidFill>
+                <a:latin typeface="Andale Mono"/>
+                <a:cs typeface="Andale Mono"/>
+              </a:rPr>
+              <a:t>/*.</a:t>
+            </a:r>
+            <a:r>
+              <a:rPr lang="en-US" sz="1800" dirty="0" err="1">
+                <a:solidFill>
+                  <a:srgbClr val="FFE193"/>
+                </a:solidFill>
+                <a:latin typeface="Andale Mono"/>
+                <a:cs typeface="Andale Mono"/>
+              </a:rPr>
+              <a:t>fastq.gz</a:t>
             </a:r>
             <a:endParaRPr lang="en-US" sz="1800" dirty="0">
               <a:solidFill>
@@ -13401,6 +13810,27 @@
               <a:latin typeface="Andale Mono"/>
               <a:cs typeface="Andale Mono"/>
             </a:endParaRPr>
+          </a:p>
+          <a:p>
+            <a:pPr marL="118872" indent="0">
+              <a:buNone/>
+            </a:pPr>
+            <a:endParaRPr lang="en-US" sz="1800" dirty="0">
+              <a:latin typeface="Andale Mono"/>
+              <a:cs typeface="Andale Mono"/>
+            </a:endParaRPr>
+          </a:p>
+          <a:p>
+            <a:pPr marL="118872" indent="0">
+              <a:buNone/>
+            </a:pPr>
+            <a:r>
+              <a:rPr lang="en-US" sz="1800" dirty="0">
+                <a:latin typeface="Andale Mono"/>
+                <a:cs typeface="Andale Mono"/>
+              </a:rPr>
+              <a:t>#Save your script as ~/scripts/rna_qc_1.job</a:t>
+            </a:r>
           </a:p>
         </p:txBody>
       </p:sp>
@@ -13430,7 +13860,7 @@
     </p:spTree>
     <p:extLst>
       <p:ext uri="{BB962C8B-B14F-4D97-AF65-F5344CB8AC3E}">
-        <p14:creationId xmlns:p14="http://schemas.microsoft.com/office/powerpoint/2010/main" val="464725828"/>
+        <p14:creationId xmlns:p14="http://schemas.microsoft.com/office/powerpoint/2010/main" val="1069718027"/>
       </p:ext>
     </p:extLst>
   </p:cSld>
@@ -13486,7 +13916,7 @@
           <a:p>
             <a:r>
               <a:rPr lang="en-US"/>
-              <a:t>Speeding things up</a:t>
+              <a:t>Submit your job</a:t>
             </a:r>
           </a:p>
         </p:txBody>
@@ -13516,7 +13946,7 @@
                 <a:latin typeface="Andale Mono"/>
                 <a:cs typeface="Andale Mono"/>
               </a:rPr>
-              <a:t>#Previous script is using a single core on a single node. It is processing one file, then the other sequentially. This can easily be run on your laptop.</a:t>
+              <a:t>#Submit your job to the scheduler</a:t>
             </a:r>
           </a:p>
           <a:p>
@@ -13534,10 +13964,42 @@
             </a:pPr>
             <a:r>
               <a:rPr lang="en-US" sz="1800" dirty="0">
-                <a:latin typeface="Andale Mono"/>
-                <a:cs typeface="Andale Mono"/>
-              </a:rPr>
-              <a:t>#Can speed things up by processing both files in parallel! Let’s run the same process on 2 cores with one file being processed on each.</a:t>
+                <a:solidFill>
+                  <a:schemeClr val="accent1">
+                    <a:lumMod val="40000"/>
+                    <a:lumOff val="60000"/>
+                  </a:schemeClr>
+                </a:solidFill>
+                <a:latin typeface="Andale Mono"/>
+                <a:cs typeface="Andale Mono"/>
+              </a:rPr>
+              <a:t>$ </a:t>
+            </a:r>
+            <a:r>
+              <a:rPr lang="en-US" sz="1800" dirty="0" err="1">
+                <a:solidFill>
+                  <a:schemeClr val="accent1">
+                    <a:lumMod val="40000"/>
+                    <a:lumOff val="60000"/>
+                  </a:schemeClr>
+                </a:solidFill>
+                <a:latin typeface="Andale Mono"/>
+                <a:cs typeface="Andale Mono"/>
+              </a:rPr>
+              <a:t>bsub</a:t>
+            </a:r>
+            <a:r>
+              <a:rPr lang="en-US" sz="1800" dirty="0">
+                <a:solidFill>
+                  <a:schemeClr val="accent1">
+                    <a:lumMod val="40000"/>
+                    <a:lumOff val="60000"/>
+                  </a:schemeClr>
+                </a:solidFill>
+                <a:latin typeface="Andale Mono"/>
+                <a:cs typeface="Andale Mono"/>
+              </a:rPr>
+              <a:t> &lt; ~/scripts/rna_qc_1.job</a:t>
             </a:r>
           </a:p>
           <a:p>
@@ -13558,21 +14020,7 @@
                 <a:latin typeface="Andale Mono"/>
                 <a:cs typeface="Andale Mono"/>
               </a:rPr>
-              <a:t>#</a:t>
-            </a:r>
-            <a:r>
-              <a:rPr lang="en-US" sz="1800" dirty="0" err="1">
-                <a:latin typeface="Andale Mono"/>
-                <a:cs typeface="Andale Mono"/>
-              </a:rPr>
-              <a:t>FastQC</a:t>
-            </a:r>
-            <a:r>
-              <a:rPr lang="en-US" sz="1800" dirty="0">
-                <a:latin typeface="Andale Mono"/>
-                <a:cs typeface="Andale Mono"/>
-              </a:rPr>
-              <a:t> software has an option that allows you to specify the number of cores to use. Edit your rna_qc_1.job script:</a:t>
+              <a:t>#We can now look at the current status of your job</a:t>
             </a:r>
           </a:p>
           <a:p>
@@ -13589,6 +14037,16 @@
               <a:buNone/>
             </a:pPr>
             <a:r>
+              <a:rPr lang="en-US" sz="1800" dirty="0">
+                <a:solidFill>
+                  <a:srgbClr val="FFE193"/>
+                </a:solidFill>
+                <a:latin typeface="Andale Mono"/>
+                <a:cs typeface="Andale Mono"/>
+              </a:rPr>
+              <a:t>$ </a:t>
+            </a:r>
+            <a:r>
               <a:rPr lang="en-US" sz="1800" dirty="0" err="1">
                 <a:solidFill>
                   <a:srgbClr val="FFE193"/>
@@ -13596,87 +14054,7 @@
                 <a:latin typeface="Andale Mono"/>
                 <a:cs typeface="Andale Mono"/>
               </a:rPr>
-              <a:t>fastqc</a:t>
-            </a:r>
-            <a:r>
-              <a:rPr lang="en-US" sz="1800" dirty="0">
-                <a:solidFill>
-                  <a:srgbClr val="FFE193"/>
-                </a:solidFill>
-                <a:latin typeface="Andale Mono"/>
-                <a:cs typeface="Andale Mono"/>
-              </a:rPr>
-              <a:t> </a:t>
-            </a:r>
-            <a:r>
-              <a:rPr lang="mr-IN" sz="1800" dirty="0">
-                <a:solidFill>
-                  <a:srgbClr val="FFE193"/>
-                </a:solidFill>
-                <a:latin typeface="Andale Mono"/>
-                <a:cs typeface="Andale Mono"/>
-              </a:rPr>
-              <a:t>–</a:t>
-            </a:r>
-            <a:r>
-              <a:rPr lang="en-US" sz="1800" dirty="0">
-                <a:solidFill>
-                  <a:srgbClr val="FFE193"/>
-                </a:solidFill>
-                <a:latin typeface="Andale Mono"/>
-                <a:cs typeface="Andale Mono"/>
-              </a:rPr>
-              <a:t>t 2 </a:t>
-            </a:r>
-            <a:r>
-              <a:rPr lang="mr-IN" sz="1800" dirty="0">
-                <a:solidFill>
-                  <a:srgbClr val="FFE193"/>
-                </a:solidFill>
-                <a:latin typeface="Andale Mono"/>
-                <a:cs typeface="Andale Mono"/>
-              </a:rPr>
-              <a:t>–</a:t>
-            </a:r>
-            <a:r>
-              <a:rPr lang="en-US" sz="1800" dirty="0">
-                <a:solidFill>
-                  <a:srgbClr val="FFE193"/>
-                </a:solidFill>
-                <a:latin typeface="Andale Mono"/>
-                <a:cs typeface="Andale Mono"/>
-              </a:rPr>
-              <a:t>o ./QC </a:t>
-            </a:r>
-            <a:r>
-              <a:rPr lang="en-US" sz="1800" dirty="0" err="1">
-                <a:solidFill>
-                  <a:srgbClr val="FFE193"/>
-                </a:solidFill>
-                <a:latin typeface="Andale Mono"/>
-                <a:cs typeface="Andale Mono"/>
-              </a:rPr>
-              <a:t>raw_reads</a:t>
-            </a:r>
-            <a:r>
-              <a:rPr lang="en-US" sz="1800" dirty="0">
-                <a:solidFill>
-                  <a:srgbClr val="FFE193"/>
-                </a:solidFill>
-                <a:latin typeface="Andale Mono"/>
-                <a:cs typeface="Andale Mono"/>
-              </a:rPr>
-              <a:t>/*.</a:t>
-            </a:r>
-            <a:r>
-              <a:rPr lang="en-US" sz="1800" dirty="0" err="1">
-                <a:solidFill>
-                  <a:srgbClr val="FFE193"/>
-                </a:solidFill>
-                <a:latin typeface="Andale Mono"/>
-                <a:cs typeface="Andale Mono"/>
-              </a:rPr>
-              <a:t>fastq.gz</a:t>
+              <a:t>bjobs</a:t>
             </a:r>
             <a:endParaRPr lang="en-US" sz="1800" dirty="0">
               <a:solidFill>
@@ -13699,6 +14077,18 @@
             <a:pPr marL="118872" indent="0">
               <a:buNone/>
             </a:pPr>
+            <a:r>
+              <a:rPr lang="en-US" sz="1800" dirty="0">
+                <a:latin typeface="Andale Mono"/>
+                <a:cs typeface="Andale Mono"/>
+              </a:rPr>
+              <a:t>#Or the real-time output!</a:t>
+            </a:r>
+          </a:p>
+          <a:p>
+            <a:pPr marL="118872" indent="0">
+              <a:buNone/>
+            </a:pPr>
             <a:endParaRPr lang="en-US" sz="1800" dirty="0">
               <a:latin typeface="Andale Mono"/>
               <a:cs typeface="Andale Mono"/>
@@ -13708,16 +14098,30 @@
             <a:pPr marL="118872" indent="0">
               <a:buNone/>
             </a:pPr>
+            <a:r>
+              <a:rPr lang="en-US" sz="1800" dirty="0">
+                <a:solidFill>
+                  <a:srgbClr val="FFE193"/>
+                </a:solidFill>
+                <a:latin typeface="Andale Mono"/>
+                <a:cs typeface="Andale Mono"/>
+              </a:rPr>
+              <a:t>$ </a:t>
+            </a:r>
+            <a:r>
+              <a:rPr lang="en-US" sz="1800" dirty="0" err="1">
+                <a:solidFill>
+                  <a:srgbClr val="FFE193"/>
+                </a:solidFill>
+                <a:latin typeface="Andale Mono"/>
+                <a:cs typeface="Andale Mono"/>
+              </a:rPr>
+              <a:t>bpeek</a:t>
+            </a:r>
             <a:endParaRPr lang="en-US" sz="1800" dirty="0">
-              <a:latin typeface="Andale Mono"/>
-              <a:cs typeface="Andale Mono"/>
-            </a:endParaRPr>
-          </a:p>
-          <a:p>
-            <a:pPr marL="118872" indent="0">
-              <a:buNone/>
-            </a:pPr>
-            <a:endParaRPr lang="en-US" sz="1800" dirty="0">
+              <a:solidFill>
+                <a:srgbClr val="FFE193"/>
+              </a:solidFill>
               <a:latin typeface="Andale Mono"/>
               <a:cs typeface="Andale Mono"/>
             </a:endParaRPr>
@@ -13750,7 +14154,7 @@
     </p:spTree>
     <p:extLst>
       <p:ext uri="{BB962C8B-B14F-4D97-AF65-F5344CB8AC3E}">
-        <p14:creationId xmlns:p14="http://schemas.microsoft.com/office/powerpoint/2010/main" val="42900052"/>
+        <p14:creationId xmlns:p14="http://schemas.microsoft.com/office/powerpoint/2010/main" val="464725828"/>
       </p:ext>
     </p:extLst>
   </p:cSld>
@@ -13824,7 +14228,7 @@
         <p:spPr/>
         <p:txBody>
           <a:bodyPr>
-            <a:normAutofit fontScale="85000" lnSpcReduction="20000"/>
+            <a:normAutofit/>
           </a:bodyPr>
           <a:lstStyle/>
           <a:p>
@@ -13836,7 +14240,7 @@
                 <a:latin typeface="Andale Mono"/>
                 <a:cs typeface="Andale Mono"/>
               </a:rPr>
-              <a:t>#Also edit the number of cores needed in the resource requirements as well as the name of your job and the output file</a:t>
+              <a:t>#Previous script is using a single core on a single node. It is processing one file, then the other sequentially. This can easily be run on your laptop.</a:t>
             </a:r>
           </a:p>
           <a:p>
@@ -13854,48 +14258,10 @@
             </a:pPr>
             <a:r>
               <a:rPr lang="en-US" sz="1800" dirty="0">
-                <a:solidFill>
-                  <a:srgbClr val="FFE193"/>
-                </a:solidFill>
-                <a:latin typeface="Andale Mono"/>
-                <a:cs typeface="Andale Mono"/>
-              </a:rPr>
-              <a:t>#Job Name</a:t>
-            </a:r>
-          </a:p>
-          <a:p>
-            <a:pPr marL="118872" indent="0">
-              <a:buNone/>
-            </a:pPr>
-            <a:r>
-              <a:rPr lang="en-US" sz="1800" dirty="0">
-                <a:solidFill>
-                  <a:srgbClr val="FFE193"/>
-                </a:solidFill>
-                <a:latin typeface="Andale Mono"/>
-                <a:cs typeface="Andale Mono"/>
-              </a:rPr>
-              <a:t>#BSUB </a:t>
-            </a:r>
-            <a:r>
-              <a:rPr lang="mr-IN" sz="1800" dirty="0">
-                <a:solidFill>
-                  <a:srgbClr val="FFE193"/>
-                </a:solidFill>
-                <a:latin typeface="Andale Mono"/>
-                <a:cs typeface="Andale Mono"/>
-              </a:rPr>
-              <a:t>–</a:t>
-            </a:r>
-            <a:r>
-              <a:rPr lang="en-US" sz="1800" dirty="0">
-                <a:solidFill>
-                  <a:srgbClr val="FFE193"/>
-                </a:solidFill>
-                <a:latin typeface="Andale Mono"/>
-                <a:cs typeface="Andale Mono"/>
-              </a:rPr>
-              <a:t>J rna_qc_2</a:t>
+                <a:latin typeface="Andale Mono"/>
+                <a:cs typeface="Andale Mono"/>
+              </a:rPr>
+              <a:t>#Can speed things up by processing both files in parallel! Let’s run the same process on 2 cores with one file being processed on each.</a:t>
             </a:r>
           </a:p>
           <a:p>
@@ -13916,19 +14282,21 @@
                 <a:latin typeface="Andale Mono"/>
                 <a:cs typeface="Andale Mono"/>
               </a:rPr>
-              <a:t>#Queue</a:t>
-            </a:r>
-          </a:p>
-          <a:p>
-            <a:pPr marL="118872" indent="0">
-              <a:buNone/>
-            </a:pPr>
+              <a:t>#</a:t>
+            </a:r>
+            <a:r>
+              <a:rPr lang="en-US" sz="1800" dirty="0" err="1">
+                <a:latin typeface="Andale Mono"/>
+                <a:cs typeface="Andale Mono"/>
+              </a:rPr>
+              <a:t>FastQC</a:t>
+            </a:r>
             <a:r>
               <a:rPr lang="en-US" sz="1800" dirty="0">
                 <a:latin typeface="Andale Mono"/>
                 <a:cs typeface="Andale Mono"/>
               </a:rPr>
-              <a:t>#BSUB -q general</a:t>
+              <a:t> software has an option that allows you to specify the number of cores to use. Edit your rna_qc_1.job script:</a:t>
             </a:r>
           </a:p>
           <a:p>
@@ -13945,6 +14313,16 @@
               <a:buNone/>
             </a:pPr>
             <a:r>
+              <a:rPr lang="en-US" sz="1800" dirty="0" err="1">
+                <a:solidFill>
+                  <a:srgbClr val="FFE193"/>
+                </a:solidFill>
+                <a:latin typeface="Andale Mono"/>
+                <a:cs typeface="Andale Mono"/>
+              </a:rPr>
+              <a:t>fastqc</a:t>
+            </a:r>
+            <a:r>
               <a:rPr lang="en-US" sz="1800" dirty="0">
                 <a:solidFill>
                   <a:srgbClr val="FFE193"/>
@@ -13952,13 +14330,18 @@
                 <a:latin typeface="Andale Mono"/>
                 <a:cs typeface="Andale Mono"/>
               </a:rPr>
-              <a:t>#Cores</a:t>
-            </a:r>
-          </a:p>
-          <a:p>
-            <a:pPr marL="118872" indent="0">
-              <a:buNone/>
-            </a:pPr>
+              <a:t> </a:t>
+            </a:r>
+            <a:r>
+              <a:rPr lang="mr-IN" sz="1800" dirty="0">
+                <a:solidFill>
+                  <a:srgbClr val="FFE193"/>
+                </a:solidFill>
+                <a:latin typeface="Andale Mono"/>
+                <a:cs typeface="Andale Mono"/>
+              </a:rPr>
+              <a:t>–</a:t>
+            </a:r>
             <a:r>
               <a:rPr lang="en-US" sz="1800" dirty="0">
                 <a:solidFill>
@@ -13967,7 +14350,7 @@
                 <a:latin typeface="Andale Mono"/>
                 <a:cs typeface="Andale Mono"/>
               </a:rPr>
-              <a:t>#BSUB </a:t>
+              <a:t>t 2 </a:t>
             </a:r>
             <a:r>
               <a:rPr lang="mr-IN" sz="1800" dirty="0">
@@ -13987,8 +14370,45 @@
                 <a:latin typeface="Andale Mono"/>
                 <a:cs typeface="Andale Mono"/>
               </a:rPr>
-              <a:t>n 2</a:t>
-            </a:r>
+              <a:t>o ./QC </a:t>
+            </a:r>
+            <a:r>
+              <a:rPr lang="en-US" sz="1800" dirty="0" err="1">
+                <a:solidFill>
+                  <a:srgbClr val="FFE193"/>
+                </a:solidFill>
+                <a:latin typeface="Andale Mono"/>
+                <a:cs typeface="Andale Mono"/>
+              </a:rPr>
+              <a:t>raw_reads</a:t>
+            </a:r>
+            <a:r>
+              <a:rPr lang="en-US" sz="1800" dirty="0">
+                <a:solidFill>
+                  <a:srgbClr val="FFE193"/>
+                </a:solidFill>
+                <a:latin typeface="Andale Mono"/>
+                <a:cs typeface="Andale Mono"/>
+              </a:rPr>
+              <a:t>/*.</a:t>
+            </a:r>
+            <a:r>
+              <a:rPr lang="en-US" sz="1800" dirty="0" err="1">
+                <a:solidFill>
+                  <a:srgbClr val="FFE193"/>
+                </a:solidFill>
+                <a:latin typeface="Andale Mono"/>
+                <a:cs typeface="Andale Mono"/>
+              </a:rPr>
+              <a:t>fastq.gz</a:t>
+            </a:r>
+            <a:endParaRPr lang="en-US" sz="1800" dirty="0">
+              <a:solidFill>
+                <a:srgbClr val="FFE193"/>
+              </a:solidFill>
+              <a:latin typeface="Andale Mono"/>
+              <a:cs typeface="Andale Mono"/>
+            </a:endParaRPr>
           </a:p>
           <a:p>
             <a:pPr marL="118872" indent="0">
@@ -14003,44 +14423,6 @@
             <a:pPr marL="118872" indent="0">
               <a:buNone/>
             </a:pPr>
-            <a:r>
-              <a:rPr lang="en-US" sz="1800" dirty="0">
-                <a:latin typeface="Andale Mono"/>
-                <a:cs typeface="Andale Mono"/>
-              </a:rPr>
-              <a:t>#RAM per core (MB)</a:t>
-            </a:r>
-          </a:p>
-          <a:p>
-            <a:pPr marL="118872" indent="0">
-              <a:buNone/>
-            </a:pPr>
-            <a:r>
-              <a:rPr lang="en-US" sz="1800" dirty="0">
-                <a:latin typeface="Andale Mono"/>
-                <a:cs typeface="Andale Mono"/>
-              </a:rPr>
-              <a:t>#BSUB -R "</a:t>
-            </a:r>
-            <a:r>
-              <a:rPr lang="en-US" sz="1800" dirty="0" err="1">
-                <a:latin typeface="Andale Mono"/>
-                <a:cs typeface="Andale Mono"/>
-              </a:rPr>
-              <a:t>rusage</a:t>
-            </a:r>
-            <a:r>
-              <a:rPr lang="en-US" sz="1800" dirty="0">
-                <a:latin typeface="Andale Mono"/>
-                <a:cs typeface="Andale Mono"/>
-              </a:rPr>
-              <a:t>[mem=1500]”</a:t>
-            </a:r>
-          </a:p>
-          <a:p>
-            <a:pPr marL="118872" indent="0">
-              <a:buNone/>
-            </a:pPr>
             <a:endParaRPr lang="en-US" sz="1800" dirty="0">
               <a:latin typeface="Andale Mono"/>
               <a:cs typeface="Andale Mono"/>
@@ -14050,139 +14432,10 @@
             <a:pPr marL="118872" indent="0">
               <a:buNone/>
             </a:pPr>
-            <a:r>
-              <a:rPr lang="en-US" sz="1800" dirty="0">
-                <a:latin typeface="Andale Mono"/>
-                <a:cs typeface="Andale Mono"/>
-              </a:rPr>
-              <a:t>#</a:t>
-            </a:r>
-            <a:r>
-              <a:rPr lang="en-US" sz="1800" dirty="0" err="1">
-                <a:latin typeface="Andale Mono"/>
-                <a:cs typeface="Andale Mono"/>
-              </a:rPr>
-              <a:t>Walltime</a:t>
-            </a:r>
-            <a:r>
-              <a:rPr lang="en-US" sz="1800" dirty="0">
-                <a:latin typeface="Andale Mono"/>
-                <a:cs typeface="Andale Mono"/>
-              </a:rPr>
-              <a:t> (Optional)</a:t>
-            </a:r>
-          </a:p>
-          <a:p>
-            <a:pPr marL="118872" indent="0">
-              <a:buNone/>
-            </a:pPr>
-            <a:r>
-              <a:rPr lang="en-US" sz="1800" dirty="0">
-                <a:latin typeface="Andale Mono"/>
-                <a:cs typeface="Andale Mono"/>
-              </a:rPr>
-              <a:t>#BSUB </a:t>
-            </a:r>
-            <a:r>
-              <a:rPr lang="mr-IN" sz="1800" dirty="0">
-                <a:latin typeface="Andale Mono"/>
-                <a:cs typeface="Andale Mono"/>
-              </a:rPr>
-              <a:t>–</a:t>
-            </a:r>
-            <a:r>
-              <a:rPr lang="en-US" sz="1800" dirty="0">
-                <a:latin typeface="Andale Mono"/>
-                <a:cs typeface="Andale Mono"/>
-              </a:rPr>
-              <a:t>W 01:00</a:t>
-            </a:r>
-          </a:p>
-          <a:p>
-            <a:pPr marL="118872" indent="0">
-              <a:buNone/>
-            </a:pPr>
             <a:endParaRPr lang="en-US" sz="1800" dirty="0">
               <a:latin typeface="Andale Mono"/>
               <a:cs typeface="Andale Mono"/>
             </a:endParaRPr>
-          </a:p>
-          <a:p>
-            <a:pPr marL="118872" indent="0">
-              <a:buNone/>
-            </a:pPr>
-            <a:r>
-              <a:rPr lang="en-US" sz="1800" dirty="0">
-                <a:solidFill>
-                  <a:srgbClr val="FFE193"/>
-                </a:solidFill>
-                <a:latin typeface="Andale Mono"/>
-                <a:cs typeface="Andale Mono"/>
-              </a:rPr>
-              <a:t>#Output File (Absolute path! Can use job name variable)</a:t>
-            </a:r>
-          </a:p>
-          <a:p>
-            <a:pPr marL="118872" indent="0">
-              <a:buNone/>
-            </a:pPr>
-            <a:r>
-              <a:rPr lang="en-US" sz="1800" dirty="0">
-                <a:solidFill>
-                  <a:srgbClr val="FFE193"/>
-                </a:solidFill>
-                <a:latin typeface="Andale Mono"/>
-                <a:cs typeface="Andale Mono"/>
-              </a:rPr>
-              <a:t>#BSUB -o /nethome/</a:t>
-            </a:r>
-            <a:r>
-              <a:rPr lang="en-US" sz="1800" i="1" dirty="0">
-                <a:solidFill>
-                  <a:srgbClr val="FFE193"/>
-                </a:solidFill>
-                <a:latin typeface="Andale Mono"/>
-                <a:cs typeface="Andale Mono"/>
-              </a:rPr>
-              <a:t>username</a:t>
-            </a:r>
-            <a:r>
-              <a:rPr lang="en-US" sz="1800" dirty="0">
-                <a:solidFill>
-                  <a:srgbClr val="FFE193"/>
-                </a:solidFill>
-                <a:latin typeface="Andale Mono"/>
-                <a:cs typeface="Andale Mono"/>
-              </a:rPr>
-              <a:t>/logs/rna_qc_2.out</a:t>
-            </a:r>
-          </a:p>
-          <a:p>
-            <a:pPr marL="118872" indent="0">
-              <a:buNone/>
-            </a:pPr>
-            <a:endParaRPr lang="en-US" sz="1800" dirty="0">
-              <a:latin typeface="Andale Mono"/>
-              <a:cs typeface="Andale Mono"/>
-            </a:endParaRPr>
-          </a:p>
-          <a:p>
-            <a:pPr marL="118872" indent="0">
-              <a:buNone/>
-            </a:pPr>
-            <a:r>
-              <a:rPr lang="en-US" sz="1800" dirty="0">
-                <a:solidFill>
-                  <a:schemeClr val="accent1">
-                    <a:lumMod val="40000"/>
-                    <a:lumOff val="60000"/>
-                  </a:schemeClr>
-                </a:solidFill>
-                <a:latin typeface="Andale Mono"/>
-                <a:cs typeface="Andale Mono"/>
-              </a:rPr>
-              <a:t>#Save your script as rna_qc_2.job</a:t>
-            </a:r>
           </a:p>
           <a:p>
             <a:pPr marL="118872" indent="0">
@@ -14221,7 +14474,7 @@
     </p:spTree>
     <p:extLst>
       <p:ext uri="{BB962C8B-B14F-4D97-AF65-F5344CB8AC3E}">
-        <p14:creationId xmlns:p14="http://schemas.microsoft.com/office/powerpoint/2010/main" val="646230735"/>
+        <p14:creationId xmlns:p14="http://schemas.microsoft.com/office/powerpoint/2010/main" val="42900052"/>
       </p:ext>
     </p:extLst>
   </p:cSld>
@@ -14295,7 +14548,7 @@
         <p:spPr/>
         <p:txBody>
           <a:bodyPr>
-            <a:normAutofit fontScale="92500" lnSpcReduction="10000"/>
+            <a:normAutofit fontScale="85000" lnSpcReduction="20000"/>
           </a:bodyPr>
           <a:lstStyle/>
           <a:p>
@@ -14303,18 +14556,18 @@
               <a:buNone/>
             </a:pPr>
             <a:r>
-              <a:rPr lang="en-US" sz="1800">
-                <a:latin typeface="Andale Mono"/>
-                <a:cs typeface="Andale Mono"/>
-              </a:rPr>
-              <a:t>#Submit your updated script</a:t>
-            </a:r>
-          </a:p>
-          <a:p>
-            <a:pPr marL="118872" indent="0">
-              <a:buNone/>
-            </a:pPr>
-            <a:endParaRPr lang="en-US" sz="1800">
+              <a:rPr lang="en-US" sz="1800" dirty="0">
+                <a:latin typeface="Andale Mono"/>
+                <a:cs typeface="Andale Mono"/>
+              </a:rPr>
+              <a:t>#Also edit the number of cores needed in the resource requirements as well as the name of your job and the output file</a:t>
+            </a:r>
+          </a:p>
+          <a:p>
+            <a:pPr marL="118872" indent="0">
+              <a:buNone/>
+            </a:pPr>
+            <a:endParaRPr lang="en-US" sz="1800" dirty="0">
               <a:latin typeface="Andale Mono"/>
               <a:cs typeface="Andale Mono"/>
             </a:endParaRPr>
@@ -14324,41 +14577,56 @@
               <a:buNone/>
             </a:pPr>
             <a:r>
-              <a:rPr lang="en-US" sz="1800">
-                <a:solidFill>
-                  <a:srgbClr val="FFE193"/>
-                </a:solidFill>
-                <a:latin typeface="Andale Mono"/>
-                <a:cs typeface="Andale Mono"/>
-              </a:rPr>
-              <a:t>$ </a:t>
-            </a:r>
-            <a:r>
-              <a:rPr lang="en-US" sz="1800" err="1">
-                <a:solidFill>
-                  <a:srgbClr val="FFE193"/>
-                </a:solidFill>
-                <a:latin typeface="Andale Mono"/>
-                <a:cs typeface="Andale Mono"/>
-              </a:rPr>
-              <a:t>bsub</a:t>
-            </a:r>
-            <a:r>
-              <a:rPr lang="en-US" sz="1800">
-                <a:solidFill>
-                  <a:srgbClr val="FFE193"/>
-                </a:solidFill>
-                <a:latin typeface="Andale Mono"/>
-                <a:cs typeface="Andale Mono"/>
-              </a:rPr>
-              <a:t> &lt; ~/scripts/rna_qc_2.job</a:t>
-            </a:r>
-          </a:p>
-          <a:p>
-            <a:pPr marL="118872" indent="0">
-              <a:buNone/>
-            </a:pPr>
-            <a:endParaRPr lang="en-US" sz="1800">
+              <a:rPr lang="en-US" sz="1800" dirty="0">
+                <a:solidFill>
+                  <a:srgbClr val="FFE193"/>
+                </a:solidFill>
+                <a:latin typeface="Andale Mono"/>
+                <a:cs typeface="Andale Mono"/>
+              </a:rPr>
+              <a:t>#Job Name</a:t>
+            </a:r>
+          </a:p>
+          <a:p>
+            <a:pPr marL="118872" indent="0">
+              <a:buNone/>
+            </a:pPr>
+            <a:r>
+              <a:rPr lang="en-US" sz="1800" dirty="0">
+                <a:solidFill>
+                  <a:srgbClr val="FFE193"/>
+                </a:solidFill>
+                <a:latin typeface="Andale Mono"/>
+                <a:cs typeface="Andale Mono"/>
+              </a:rPr>
+              <a:t>#BSUB </a:t>
+            </a:r>
+            <a:r>
+              <a:rPr lang="mr-IN" sz="1800" dirty="0">
+                <a:solidFill>
+                  <a:srgbClr val="FFE193"/>
+                </a:solidFill>
+                <a:latin typeface="Andale Mono"/>
+                <a:cs typeface="Andale Mono"/>
+              </a:rPr>
+              <a:t>–</a:t>
+            </a:r>
+            <a:r>
+              <a:rPr lang="en-US" sz="1800" dirty="0">
+                <a:solidFill>
+                  <a:srgbClr val="FFE193"/>
+                </a:solidFill>
+                <a:latin typeface="Andale Mono"/>
+                <a:cs typeface="Andale Mono"/>
+              </a:rPr>
+              <a:t>J rna_qc_2</a:t>
+            </a:r>
+          </a:p>
+          <a:p>
+            <a:pPr marL="118872" indent="0">
+              <a:buNone/>
+            </a:pPr>
+            <a:endParaRPr lang="en-US" sz="1800" dirty="0">
               <a:latin typeface="Andale Mono"/>
               <a:cs typeface="Andale Mono"/>
             </a:endParaRPr>
@@ -14368,18 +14636,30 @@
               <a:buNone/>
             </a:pPr>
             <a:r>
-              <a:rPr lang="en-US" sz="1800">
-                <a:latin typeface="Andale Mono"/>
-                <a:cs typeface="Andale Mono"/>
-              </a:rPr>
-              <a:t>#Check the status of your jobs</a:t>
-            </a:r>
-          </a:p>
-          <a:p>
-            <a:pPr marL="118872" indent="0">
-              <a:buNone/>
-            </a:pPr>
-            <a:endParaRPr lang="en-US" sz="1800">
+              <a:rPr lang="en-US" sz="1800" dirty="0">
+                <a:latin typeface="Andale Mono"/>
+                <a:cs typeface="Andale Mono"/>
+              </a:rPr>
+              <a:t>#Queue</a:t>
+            </a:r>
+          </a:p>
+          <a:p>
+            <a:pPr marL="118872" indent="0">
+              <a:buNone/>
+            </a:pPr>
+            <a:r>
+              <a:rPr lang="en-US" sz="1800" dirty="0">
+                <a:latin typeface="Andale Mono"/>
+                <a:cs typeface="Andale Mono"/>
+              </a:rPr>
+              <a:t>#BSUB -q general</a:t>
+            </a:r>
+          </a:p>
+          <a:p>
+            <a:pPr marL="118872" indent="0">
+              <a:buNone/>
+            </a:pPr>
+            <a:endParaRPr lang="en-US" sz="1800" dirty="0">
               <a:latin typeface="Andale Mono"/>
               <a:cs typeface="Andale Mono"/>
             </a:endParaRPr>
@@ -14389,29 +14669,56 @@
               <a:buNone/>
             </a:pPr>
             <a:r>
-              <a:rPr lang="en-US" sz="1800">
-                <a:solidFill>
-                  <a:srgbClr val="FFE193"/>
-                </a:solidFill>
-                <a:latin typeface="Andale Mono"/>
-                <a:cs typeface="Andale Mono"/>
-              </a:rPr>
-              <a:t>$ </a:t>
-            </a:r>
-            <a:r>
-              <a:rPr lang="en-US" sz="1800" err="1">
-                <a:solidFill>
-                  <a:srgbClr val="FFE193"/>
-                </a:solidFill>
-                <a:latin typeface="Andale Mono"/>
-                <a:cs typeface="Andale Mono"/>
-              </a:rPr>
-              <a:t>bjobs</a:t>
-            </a:r>
-            <a:endParaRPr lang="en-US" sz="1800">
-              <a:solidFill>
-                <a:srgbClr val="FFE193"/>
-              </a:solidFill>
+              <a:rPr lang="en-US" sz="1800" dirty="0">
+                <a:solidFill>
+                  <a:srgbClr val="FFE193"/>
+                </a:solidFill>
+                <a:latin typeface="Andale Mono"/>
+                <a:cs typeface="Andale Mono"/>
+              </a:rPr>
+              <a:t>#Cores</a:t>
+            </a:r>
+          </a:p>
+          <a:p>
+            <a:pPr marL="118872" indent="0">
+              <a:buNone/>
+            </a:pPr>
+            <a:r>
+              <a:rPr lang="en-US" sz="1800" dirty="0">
+                <a:solidFill>
+                  <a:srgbClr val="FFE193"/>
+                </a:solidFill>
+                <a:latin typeface="Andale Mono"/>
+                <a:cs typeface="Andale Mono"/>
+              </a:rPr>
+              <a:t>#BSUB </a:t>
+            </a:r>
+            <a:r>
+              <a:rPr lang="mr-IN" sz="1800" dirty="0">
+                <a:solidFill>
+                  <a:srgbClr val="FFE193"/>
+                </a:solidFill>
+                <a:latin typeface="Andale Mono"/>
+                <a:cs typeface="Andale Mono"/>
+              </a:rPr>
+              <a:t>–</a:t>
+            </a:r>
+            <a:r>
+              <a:rPr lang="en-US" sz="1800" dirty="0">
+                <a:solidFill>
+                  <a:srgbClr val="FFE193"/>
+                </a:solidFill>
+                <a:latin typeface="Andale Mono"/>
+                <a:cs typeface="Andale Mono"/>
+              </a:rPr>
+              <a:t>n 2</a:t>
+            </a:r>
+          </a:p>
+          <a:p>
+            <a:pPr marL="118872" indent="0">
+              <a:buNone/>
+            </a:pPr>
+            <a:endParaRPr lang="en-US" sz="1800" dirty="0">
               <a:latin typeface="Andale Mono"/>
               <a:cs typeface="Andale Mono"/>
             </a:endParaRPr>
@@ -14420,7 +14727,45 @@
             <a:pPr marL="118872" indent="0">
               <a:buNone/>
             </a:pPr>
-            <a:endParaRPr lang="en-US" sz="1800">
+            <a:r>
+              <a:rPr lang="en-US" sz="1800" dirty="0">
+                <a:latin typeface="Andale Mono"/>
+                <a:cs typeface="Andale Mono"/>
+              </a:rPr>
+              <a:t>#RAM per core (MB)</a:t>
+            </a:r>
+          </a:p>
+          <a:p>
+            <a:pPr marL="118872" indent="0">
+              <a:buNone/>
+            </a:pPr>
+            <a:r>
+              <a:rPr lang="en-US" sz="1800" dirty="0">
+                <a:latin typeface="Andale Mono"/>
+                <a:cs typeface="Andale Mono"/>
+              </a:rPr>
+              <a:t>#BSUB -R "</a:t>
+            </a:r>
+            <a:r>
+              <a:rPr lang="en-US" sz="1800" dirty="0" err="1">
+                <a:latin typeface="Andale Mono"/>
+                <a:cs typeface="Andale Mono"/>
+              </a:rPr>
+              <a:t>rusage</a:t>
+            </a:r>
+            <a:r>
+              <a:rPr lang="en-US" sz="1800" dirty="0">
+                <a:latin typeface="Andale Mono"/>
+                <a:cs typeface="Andale Mono"/>
+              </a:rPr>
+              <a:t>[mem=1500]”</a:t>
+            </a:r>
+          </a:p>
+          <a:p>
+            <a:pPr marL="118872" indent="0">
+              <a:buNone/>
+            </a:pPr>
+            <a:endParaRPr lang="en-US" sz="1800" dirty="0">
               <a:latin typeface="Andale Mono"/>
               <a:cs typeface="Andale Mono"/>
             </a:endParaRPr>
@@ -14430,46 +14775,58 @@
               <a:buNone/>
             </a:pPr>
             <a:r>
-              <a:rPr lang="en-US" sz="1800">
-                <a:latin typeface="Andale Mono"/>
-                <a:cs typeface="Andale Mono"/>
-              </a:rPr>
-              <a:t>#Take a look at the </a:t>
-            </a:r>
-            <a:r>
-              <a:rPr lang="en-US" sz="1800" err="1">
-                <a:latin typeface="Andale Mono"/>
-                <a:cs typeface="Andale Mono"/>
-              </a:rPr>
-              <a:t>realtime</a:t>
-            </a:r>
-            <a:r>
-              <a:rPr lang="en-US" sz="1800">
-                <a:latin typeface="Andale Mono"/>
-                <a:cs typeface="Andale Mono"/>
-              </a:rPr>
-              <a:t> output from both jobs. Now that more than one job is running you will have to specify the job ID which you can get from </a:t>
-            </a:r>
-            <a:r>
-              <a:rPr lang="en-US" sz="1800" err="1">
-                <a:latin typeface="Andale Mono"/>
-                <a:cs typeface="Andale Mono"/>
-              </a:rPr>
-              <a:t>bjobs</a:t>
-            </a:r>
-            <a:r>
-              <a:rPr lang="en-US" sz="1800">
-                <a:latin typeface="Andale Mono"/>
-                <a:cs typeface="Andale Mono"/>
-              </a:rPr>
-              <a:t>.</a:t>
-            </a:r>
-          </a:p>
-          <a:p>
-            <a:pPr marL="118872" indent="0">
-              <a:buNone/>
-            </a:pPr>
-            <a:endParaRPr lang="en-US" sz="1800">
+              <a:rPr lang="en-US" sz="1800" dirty="0">
+                <a:latin typeface="Andale Mono"/>
+                <a:cs typeface="Andale Mono"/>
+              </a:rPr>
+              <a:t>#</a:t>
+            </a:r>
+            <a:r>
+              <a:rPr lang="en-US" sz="1800" dirty="0" err="1">
+                <a:latin typeface="Andale Mono"/>
+                <a:cs typeface="Andale Mono"/>
+              </a:rPr>
+              <a:t>Walltime</a:t>
+            </a:r>
+            <a:r>
+              <a:rPr lang="en-US" sz="1800" dirty="0">
+                <a:latin typeface="Andale Mono"/>
+                <a:cs typeface="Andale Mono"/>
+              </a:rPr>
+              <a:t> (Optional)</a:t>
+            </a:r>
+          </a:p>
+          <a:p>
+            <a:pPr marL="118872" indent="0">
+              <a:buNone/>
+            </a:pPr>
+            <a:r>
+              <a:rPr lang="en-US" sz="1800" dirty="0">
+                <a:latin typeface="Andale Mono"/>
+                <a:cs typeface="Andale Mono"/>
+              </a:rPr>
+              <a:t>#BSUB </a:t>
+            </a:r>
+            <a:r>
+              <a:rPr lang="mr-IN" sz="1800" dirty="0">
+                <a:latin typeface="Andale Mono"/>
+                <a:cs typeface="Andale Mono"/>
+              </a:rPr>
+              <a:t>–</a:t>
+            </a:r>
+            <a:r>
+              <a:rPr lang="en-US" sz="1800" dirty="0">
+                <a:latin typeface="Andale Mono"/>
+                <a:cs typeface="Andale Mono"/>
+              </a:rPr>
+              <a:t>W 01:00</a:t>
+            </a:r>
+          </a:p>
+          <a:p>
+            <a:pPr marL="118872" indent="0">
+              <a:buNone/>
+            </a:pPr>
+            <a:endParaRPr lang="en-US" sz="1800" dirty="0">
               <a:latin typeface="Andale Mono"/>
               <a:cs typeface="Andale Mono"/>
             </a:endParaRPr>
@@ -14479,49 +14836,56 @@
               <a:buNone/>
             </a:pPr>
             <a:r>
-              <a:rPr lang="en-US" sz="1800">
-                <a:solidFill>
-                  <a:srgbClr val="FFE193"/>
-                </a:solidFill>
-                <a:latin typeface="Andale Mono"/>
-                <a:cs typeface="Andale Mono"/>
-              </a:rPr>
-              <a:t>$ </a:t>
-            </a:r>
-            <a:r>
-              <a:rPr lang="en-US" sz="1800" err="1">
-                <a:solidFill>
-                  <a:srgbClr val="FFE193"/>
-                </a:solidFill>
-                <a:latin typeface="Andale Mono"/>
-                <a:cs typeface="Andale Mono"/>
-              </a:rPr>
-              <a:t>bpeek</a:t>
-            </a:r>
-            <a:r>
-              <a:rPr lang="en-US" sz="1800">
-                <a:solidFill>
-                  <a:srgbClr val="FFE193"/>
-                </a:solidFill>
-                <a:latin typeface="Andale Mono"/>
-                <a:cs typeface="Andale Mono"/>
-              </a:rPr>
-              <a:t> </a:t>
-            </a:r>
-            <a:r>
-              <a:rPr lang="en-US" sz="1800" i="1" err="1">
-                <a:solidFill>
-                  <a:srgbClr val="FFE193"/>
-                </a:solidFill>
-                <a:latin typeface="Andale Mono"/>
-                <a:cs typeface="Andale Mono"/>
-              </a:rPr>
-              <a:t>jobID</a:t>
-            </a:r>
-            <a:endParaRPr lang="en-US" sz="1800" i="1">
-              <a:solidFill>
-                <a:srgbClr val="FFE193"/>
-              </a:solidFill>
+              <a:rPr lang="en-US" sz="1800" dirty="0">
+                <a:solidFill>
+                  <a:srgbClr val="FFE193"/>
+                </a:solidFill>
+                <a:latin typeface="Andale Mono"/>
+                <a:cs typeface="Andale Mono"/>
+              </a:rPr>
+              <a:t>#Output File (Absolute path! Can use job name variable)</a:t>
+            </a:r>
+          </a:p>
+          <a:p>
+            <a:pPr marL="118872" indent="0">
+              <a:buNone/>
+            </a:pPr>
+            <a:r>
+              <a:rPr lang="en-US" sz="1800" dirty="0">
+                <a:solidFill>
+                  <a:srgbClr val="FFE193"/>
+                </a:solidFill>
+                <a:latin typeface="Andale Mono"/>
+                <a:cs typeface="Andale Mono"/>
+              </a:rPr>
+              <a:t>#BSUB -o /nethome/</a:t>
+            </a:r>
+            <a:r>
+              <a:rPr lang="en-US" sz="1800" i="1" dirty="0">
+                <a:solidFill>
+                  <a:srgbClr val="FFE193"/>
+                </a:solidFill>
+                <a:latin typeface="Andale Mono"/>
+                <a:cs typeface="Andale Mono"/>
+              </a:rPr>
+              <a:t>username</a:t>
+            </a:r>
+            <a:r>
+              <a:rPr lang="en-US" sz="1800" dirty="0">
+                <a:solidFill>
+                  <a:srgbClr val="FFE193"/>
+                </a:solidFill>
+                <a:latin typeface="Andale Mono"/>
+                <a:cs typeface="Andale Mono"/>
+              </a:rPr>
+              <a:t>/logs/rna_qc_2.out</a:t>
+            </a:r>
+          </a:p>
+          <a:p>
+            <a:pPr marL="118872" indent="0">
+              <a:buNone/>
+            </a:pPr>
+            <a:endParaRPr lang="en-US" sz="1800" dirty="0">
               <a:latin typeface="Andale Mono"/>
               <a:cs typeface="Andale Mono"/>
             </a:endParaRPr>
@@ -14530,91 +14894,25 @@
             <a:pPr marL="118872" indent="0">
               <a:buNone/>
             </a:pPr>
-            <a:endParaRPr lang="en-US" sz="1800" i="1">
-              <a:latin typeface="Andale Mono"/>
-              <a:cs typeface="Andale Mono"/>
-            </a:endParaRPr>
-          </a:p>
-          <a:p>
-            <a:pPr marL="118872" indent="0">
-              <a:buNone/>
-            </a:pPr>
-            <a:r>
-              <a:rPr lang="en-US" sz="1800">
-                <a:latin typeface="Andale Mono"/>
-                <a:cs typeface="Andale Mono"/>
-              </a:rPr>
-              <a:t>#Notice the difference? The second script will likely finish before the first one. You can quit the first script using </a:t>
-            </a:r>
-            <a:r>
-              <a:rPr lang="en-US" sz="1800" err="1">
-                <a:latin typeface="Andale Mono"/>
-                <a:cs typeface="Andale Mono"/>
-              </a:rPr>
-              <a:t>bkill</a:t>
-            </a:r>
-            <a:endParaRPr lang="en-US" sz="1800">
-              <a:latin typeface="Andale Mono"/>
-              <a:cs typeface="Andale Mono"/>
-            </a:endParaRPr>
-          </a:p>
-          <a:p>
-            <a:pPr marL="118872" indent="0">
-              <a:buNone/>
-            </a:pPr>
-            <a:endParaRPr lang="en-US" sz="1800">
-              <a:latin typeface="Andale Mono"/>
-              <a:cs typeface="Andale Mono"/>
-            </a:endParaRPr>
-          </a:p>
-          <a:p>
-            <a:pPr marL="118872" indent="0">
-              <a:buNone/>
-            </a:pPr>
-            <a:r>
-              <a:rPr lang="en-US" sz="1800">
-                <a:solidFill>
-                  <a:srgbClr val="FFE193"/>
-                </a:solidFill>
-                <a:latin typeface="Andale Mono"/>
-                <a:cs typeface="Andale Mono"/>
-              </a:rPr>
-              <a:t>$ </a:t>
-            </a:r>
-            <a:r>
-              <a:rPr lang="en-US" sz="1800" err="1">
-                <a:solidFill>
-                  <a:srgbClr val="FFE193"/>
-                </a:solidFill>
-                <a:latin typeface="Andale Mono"/>
-                <a:cs typeface="Andale Mono"/>
-              </a:rPr>
-              <a:t>bkill</a:t>
-            </a:r>
-            <a:r>
-              <a:rPr lang="en-US" sz="1800">
-                <a:solidFill>
-                  <a:srgbClr val="FFE193"/>
-                </a:solidFill>
-                <a:latin typeface="Andale Mono"/>
-                <a:cs typeface="Andale Mono"/>
-              </a:rPr>
-              <a:t> </a:t>
-            </a:r>
-            <a:r>
-              <a:rPr lang="en-US" sz="1800" i="1" err="1">
-                <a:solidFill>
-                  <a:srgbClr val="FFE193"/>
-                </a:solidFill>
-                <a:latin typeface="Andale Mono"/>
-                <a:cs typeface="Andale Mono"/>
-              </a:rPr>
-              <a:t>jobID</a:t>
-            </a:r>
-            <a:endParaRPr lang="en-US" sz="1800">
-              <a:solidFill>
-                <a:srgbClr val="FFE193"/>
-              </a:solidFill>
+            <a:r>
+              <a:rPr lang="en-US" sz="1800" dirty="0">
+                <a:solidFill>
+                  <a:schemeClr val="accent1">
+                    <a:lumMod val="40000"/>
+                    <a:lumOff val="60000"/>
+                  </a:schemeClr>
+                </a:solidFill>
+                <a:latin typeface="Andale Mono"/>
+                <a:cs typeface="Andale Mono"/>
+              </a:rPr>
+              <a:t>#Save your script as rna_qc_2.job</a:t>
+            </a:r>
+          </a:p>
+          <a:p>
+            <a:pPr marL="118872" indent="0">
+              <a:buNone/>
+            </a:pPr>
+            <a:endParaRPr lang="en-US" sz="1800" dirty="0">
               <a:latin typeface="Andale Mono"/>
               <a:cs typeface="Andale Mono"/>
             </a:endParaRPr>
@@ -14647,7 +14945,7 @@
     </p:spTree>
     <p:extLst>
       <p:ext uri="{BB962C8B-B14F-4D97-AF65-F5344CB8AC3E}">
-        <p14:creationId xmlns:p14="http://schemas.microsoft.com/office/powerpoint/2010/main" val="1967968172"/>
+        <p14:creationId xmlns:p14="http://schemas.microsoft.com/office/powerpoint/2010/main" val="646230735"/>
       </p:ext>
     </p:extLst>
   </p:cSld>
@@ -15021,6 +15319,432 @@
           <a:p>
             <a:r>
               <a:rPr lang="en-US"/>
+              <a:t>Speeding things up</a:t>
+            </a:r>
+          </a:p>
+        </p:txBody>
+      </p:sp>
+      <p:sp>
+        <p:nvSpPr>
+          <p:cNvPr id="3" name="Content Placeholder 2"/>
+          <p:cNvSpPr>
+            <a:spLocks noGrp="1"/>
+          </p:cNvSpPr>
+          <p:nvPr>
+            <p:ph idx="1"/>
+          </p:nvPr>
+        </p:nvSpPr>
+        <p:spPr/>
+        <p:txBody>
+          <a:bodyPr>
+            <a:normAutofit fontScale="92500" lnSpcReduction="10000"/>
+          </a:bodyPr>
+          <a:lstStyle/>
+          <a:p>
+            <a:pPr marL="118872" indent="0">
+              <a:buNone/>
+            </a:pPr>
+            <a:r>
+              <a:rPr lang="en-US" sz="1800">
+                <a:latin typeface="Andale Mono"/>
+                <a:cs typeface="Andale Mono"/>
+              </a:rPr>
+              <a:t>#Submit your updated script</a:t>
+            </a:r>
+          </a:p>
+          <a:p>
+            <a:pPr marL="118872" indent="0">
+              <a:buNone/>
+            </a:pPr>
+            <a:endParaRPr lang="en-US" sz="1800">
+              <a:latin typeface="Andale Mono"/>
+              <a:cs typeface="Andale Mono"/>
+            </a:endParaRPr>
+          </a:p>
+          <a:p>
+            <a:pPr marL="118872" indent="0">
+              <a:buNone/>
+            </a:pPr>
+            <a:r>
+              <a:rPr lang="en-US" sz="1800">
+                <a:solidFill>
+                  <a:srgbClr val="FFE193"/>
+                </a:solidFill>
+                <a:latin typeface="Andale Mono"/>
+                <a:cs typeface="Andale Mono"/>
+              </a:rPr>
+              <a:t>$ </a:t>
+            </a:r>
+            <a:r>
+              <a:rPr lang="en-US" sz="1800" err="1">
+                <a:solidFill>
+                  <a:srgbClr val="FFE193"/>
+                </a:solidFill>
+                <a:latin typeface="Andale Mono"/>
+                <a:cs typeface="Andale Mono"/>
+              </a:rPr>
+              <a:t>bsub</a:t>
+            </a:r>
+            <a:r>
+              <a:rPr lang="en-US" sz="1800">
+                <a:solidFill>
+                  <a:srgbClr val="FFE193"/>
+                </a:solidFill>
+                <a:latin typeface="Andale Mono"/>
+                <a:cs typeface="Andale Mono"/>
+              </a:rPr>
+              <a:t> &lt; ~/scripts/rna_qc_2.job</a:t>
+            </a:r>
+          </a:p>
+          <a:p>
+            <a:pPr marL="118872" indent="0">
+              <a:buNone/>
+            </a:pPr>
+            <a:endParaRPr lang="en-US" sz="1800">
+              <a:latin typeface="Andale Mono"/>
+              <a:cs typeface="Andale Mono"/>
+            </a:endParaRPr>
+          </a:p>
+          <a:p>
+            <a:pPr marL="118872" indent="0">
+              <a:buNone/>
+            </a:pPr>
+            <a:r>
+              <a:rPr lang="en-US" sz="1800">
+                <a:latin typeface="Andale Mono"/>
+                <a:cs typeface="Andale Mono"/>
+              </a:rPr>
+              <a:t>#Check the status of your jobs</a:t>
+            </a:r>
+          </a:p>
+          <a:p>
+            <a:pPr marL="118872" indent="0">
+              <a:buNone/>
+            </a:pPr>
+            <a:endParaRPr lang="en-US" sz="1800">
+              <a:latin typeface="Andale Mono"/>
+              <a:cs typeface="Andale Mono"/>
+            </a:endParaRPr>
+          </a:p>
+          <a:p>
+            <a:pPr marL="118872" indent="0">
+              <a:buNone/>
+            </a:pPr>
+            <a:r>
+              <a:rPr lang="en-US" sz="1800">
+                <a:solidFill>
+                  <a:srgbClr val="FFE193"/>
+                </a:solidFill>
+                <a:latin typeface="Andale Mono"/>
+                <a:cs typeface="Andale Mono"/>
+              </a:rPr>
+              <a:t>$ </a:t>
+            </a:r>
+            <a:r>
+              <a:rPr lang="en-US" sz="1800" err="1">
+                <a:solidFill>
+                  <a:srgbClr val="FFE193"/>
+                </a:solidFill>
+                <a:latin typeface="Andale Mono"/>
+                <a:cs typeface="Andale Mono"/>
+              </a:rPr>
+              <a:t>bjobs</a:t>
+            </a:r>
+            <a:endParaRPr lang="en-US" sz="1800">
+              <a:solidFill>
+                <a:srgbClr val="FFE193"/>
+              </a:solidFill>
+              <a:latin typeface="Andale Mono"/>
+              <a:cs typeface="Andale Mono"/>
+            </a:endParaRPr>
+          </a:p>
+          <a:p>
+            <a:pPr marL="118872" indent="0">
+              <a:buNone/>
+            </a:pPr>
+            <a:endParaRPr lang="en-US" sz="1800">
+              <a:latin typeface="Andale Mono"/>
+              <a:cs typeface="Andale Mono"/>
+            </a:endParaRPr>
+          </a:p>
+          <a:p>
+            <a:pPr marL="118872" indent="0">
+              <a:buNone/>
+            </a:pPr>
+            <a:r>
+              <a:rPr lang="en-US" sz="1800">
+                <a:latin typeface="Andale Mono"/>
+                <a:cs typeface="Andale Mono"/>
+              </a:rPr>
+              <a:t>#Take a look at the </a:t>
+            </a:r>
+            <a:r>
+              <a:rPr lang="en-US" sz="1800" err="1">
+                <a:latin typeface="Andale Mono"/>
+                <a:cs typeface="Andale Mono"/>
+              </a:rPr>
+              <a:t>realtime</a:t>
+            </a:r>
+            <a:r>
+              <a:rPr lang="en-US" sz="1800">
+                <a:latin typeface="Andale Mono"/>
+                <a:cs typeface="Andale Mono"/>
+              </a:rPr>
+              <a:t> output from both jobs. Now that more than one job is running you will have to specify the job ID which you can get from </a:t>
+            </a:r>
+            <a:r>
+              <a:rPr lang="en-US" sz="1800" err="1">
+                <a:latin typeface="Andale Mono"/>
+                <a:cs typeface="Andale Mono"/>
+              </a:rPr>
+              <a:t>bjobs</a:t>
+            </a:r>
+            <a:r>
+              <a:rPr lang="en-US" sz="1800">
+                <a:latin typeface="Andale Mono"/>
+                <a:cs typeface="Andale Mono"/>
+              </a:rPr>
+              <a:t>.</a:t>
+            </a:r>
+          </a:p>
+          <a:p>
+            <a:pPr marL="118872" indent="0">
+              <a:buNone/>
+            </a:pPr>
+            <a:endParaRPr lang="en-US" sz="1800">
+              <a:latin typeface="Andale Mono"/>
+              <a:cs typeface="Andale Mono"/>
+            </a:endParaRPr>
+          </a:p>
+          <a:p>
+            <a:pPr marL="118872" indent="0">
+              <a:buNone/>
+            </a:pPr>
+            <a:r>
+              <a:rPr lang="en-US" sz="1800">
+                <a:solidFill>
+                  <a:srgbClr val="FFE193"/>
+                </a:solidFill>
+                <a:latin typeface="Andale Mono"/>
+                <a:cs typeface="Andale Mono"/>
+              </a:rPr>
+              <a:t>$ </a:t>
+            </a:r>
+            <a:r>
+              <a:rPr lang="en-US" sz="1800" err="1">
+                <a:solidFill>
+                  <a:srgbClr val="FFE193"/>
+                </a:solidFill>
+                <a:latin typeface="Andale Mono"/>
+                <a:cs typeface="Andale Mono"/>
+              </a:rPr>
+              <a:t>bpeek</a:t>
+            </a:r>
+            <a:r>
+              <a:rPr lang="en-US" sz="1800">
+                <a:solidFill>
+                  <a:srgbClr val="FFE193"/>
+                </a:solidFill>
+                <a:latin typeface="Andale Mono"/>
+                <a:cs typeface="Andale Mono"/>
+              </a:rPr>
+              <a:t> </a:t>
+            </a:r>
+            <a:r>
+              <a:rPr lang="en-US" sz="1800" i="1" err="1">
+                <a:solidFill>
+                  <a:srgbClr val="FFE193"/>
+                </a:solidFill>
+                <a:latin typeface="Andale Mono"/>
+                <a:cs typeface="Andale Mono"/>
+              </a:rPr>
+              <a:t>jobID</a:t>
+            </a:r>
+            <a:endParaRPr lang="en-US" sz="1800" i="1">
+              <a:solidFill>
+                <a:srgbClr val="FFE193"/>
+              </a:solidFill>
+              <a:latin typeface="Andale Mono"/>
+              <a:cs typeface="Andale Mono"/>
+            </a:endParaRPr>
+          </a:p>
+          <a:p>
+            <a:pPr marL="118872" indent="0">
+              <a:buNone/>
+            </a:pPr>
+            <a:endParaRPr lang="en-US" sz="1800" i="1">
+              <a:latin typeface="Andale Mono"/>
+              <a:cs typeface="Andale Mono"/>
+            </a:endParaRPr>
+          </a:p>
+          <a:p>
+            <a:pPr marL="118872" indent="0">
+              <a:buNone/>
+            </a:pPr>
+            <a:r>
+              <a:rPr lang="en-US" sz="1800">
+                <a:latin typeface="Andale Mono"/>
+                <a:cs typeface="Andale Mono"/>
+              </a:rPr>
+              <a:t>#Notice the difference? The second script will likely finish before the first one. You can quit the first script using </a:t>
+            </a:r>
+            <a:r>
+              <a:rPr lang="en-US" sz="1800" err="1">
+                <a:latin typeface="Andale Mono"/>
+                <a:cs typeface="Andale Mono"/>
+              </a:rPr>
+              <a:t>bkill</a:t>
+            </a:r>
+            <a:endParaRPr lang="en-US" sz="1800">
+              <a:latin typeface="Andale Mono"/>
+              <a:cs typeface="Andale Mono"/>
+            </a:endParaRPr>
+          </a:p>
+          <a:p>
+            <a:pPr marL="118872" indent="0">
+              <a:buNone/>
+            </a:pPr>
+            <a:endParaRPr lang="en-US" sz="1800">
+              <a:latin typeface="Andale Mono"/>
+              <a:cs typeface="Andale Mono"/>
+            </a:endParaRPr>
+          </a:p>
+          <a:p>
+            <a:pPr marL="118872" indent="0">
+              <a:buNone/>
+            </a:pPr>
+            <a:r>
+              <a:rPr lang="en-US" sz="1800">
+                <a:solidFill>
+                  <a:srgbClr val="FFE193"/>
+                </a:solidFill>
+                <a:latin typeface="Andale Mono"/>
+                <a:cs typeface="Andale Mono"/>
+              </a:rPr>
+              <a:t>$ </a:t>
+            </a:r>
+            <a:r>
+              <a:rPr lang="en-US" sz="1800" err="1">
+                <a:solidFill>
+                  <a:srgbClr val="FFE193"/>
+                </a:solidFill>
+                <a:latin typeface="Andale Mono"/>
+                <a:cs typeface="Andale Mono"/>
+              </a:rPr>
+              <a:t>bkill</a:t>
+            </a:r>
+            <a:r>
+              <a:rPr lang="en-US" sz="1800">
+                <a:solidFill>
+                  <a:srgbClr val="FFE193"/>
+                </a:solidFill>
+                <a:latin typeface="Andale Mono"/>
+                <a:cs typeface="Andale Mono"/>
+              </a:rPr>
+              <a:t> </a:t>
+            </a:r>
+            <a:r>
+              <a:rPr lang="en-US" sz="1800" i="1" err="1">
+                <a:solidFill>
+                  <a:srgbClr val="FFE193"/>
+                </a:solidFill>
+                <a:latin typeface="Andale Mono"/>
+                <a:cs typeface="Andale Mono"/>
+              </a:rPr>
+              <a:t>jobID</a:t>
+            </a:r>
+            <a:endParaRPr lang="en-US" sz="1800">
+              <a:solidFill>
+                <a:srgbClr val="FFE193"/>
+              </a:solidFill>
+              <a:latin typeface="Andale Mono"/>
+              <a:cs typeface="Andale Mono"/>
+            </a:endParaRPr>
+          </a:p>
+        </p:txBody>
+      </p:sp>
+      <p:sp>
+        <p:nvSpPr>
+          <p:cNvPr id="4" name="Slide Number Placeholder 3"/>
+          <p:cNvSpPr>
+            <a:spLocks noGrp="1"/>
+          </p:cNvSpPr>
+          <p:nvPr>
+            <p:ph type="sldNum" sz="quarter" idx="12"/>
+          </p:nvPr>
+        </p:nvSpPr>
+        <p:spPr/>
+        <p:txBody>
+          <a:bodyPr/>
+          <a:lstStyle/>
+          <a:p>
+            <a:fld id="{9648F39E-9C37-485F-AC97-16BB4BDF9F49}" type="slidenum">
+              <a:rPr kumimoji="0" lang="en-US" smtClean="0"/>
+              <a:t>30</a:t>
+            </a:fld>
+            <a:endParaRPr kumimoji="0" lang="en-US"/>
+          </a:p>
+        </p:txBody>
+      </p:sp>
+    </p:spTree>
+    <p:extLst>
+      <p:ext uri="{BB962C8B-B14F-4D97-AF65-F5344CB8AC3E}">
+        <p14:creationId xmlns:p14="http://schemas.microsoft.com/office/powerpoint/2010/main" val="1967968172"/>
+      </p:ext>
+    </p:extLst>
+  </p:cSld>
+  <p:clrMapOvr>
+    <a:masterClrMapping/>
+  </p:clrMapOvr>
+  <mc:AlternateContent xmlns:mc="http://schemas.openxmlformats.org/markup-compatibility/2006" xmlns:p14="http://schemas.microsoft.com/office/powerpoint/2010/main">
+    <mc:Choice Requires="p14">
+      <p:transition spd="med" p14:dur="700">
+        <p:fade/>
+      </p:transition>
+    </mc:Choice>
+    <mc:Fallback xmlns="">
+      <p:transition xmlns:p14="http://schemas.microsoft.com/office/powerpoint/2010/main" spd="med">
+        <p:fade/>
+      </p:transition>
+    </mc:Fallback>
+  </mc:AlternateContent>
+</p:sld>
+</file>
+
+<file path=ppt/slides/slide31.xml><?xml version="1.0" encoding="utf-8"?>
+<p:sld xmlns:a="http://schemas.openxmlformats.org/drawingml/2006/main" xmlns:r="http://schemas.openxmlformats.org/officeDocument/2006/relationships" xmlns:p="http://schemas.openxmlformats.org/presentationml/2006/main">
+  <p:cSld>
+    <p:spTree>
+      <p:nvGrpSpPr>
+        <p:cNvPr id="1" name=""/>
+        <p:cNvGrpSpPr/>
+        <p:nvPr/>
+      </p:nvGrpSpPr>
+      <p:grpSpPr>
+        <a:xfrm>
+          <a:off x="0" y="0"/>
+          <a:ext cx="0" cy="0"/>
+          <a:chOff x="0" y="0"/>
+          <a:chExt cx="0" cy="0"/>
+        </a:xfrm>
+      </p:grpSpPr>
+      <p:sp>
+        <p:nvSpPr>
+          <p:cNvPr id="2" name="Title 1"/>
+          <p:cNvSpPr>
+            <a:spLocks noGrp="1"/>
+          </p:cNvSpPr>
+          <p:nvPr>
+            <p:ph type="title"/>
+          </p:nvPr>
+        </p:nvSpPr>
+        <p:spPr/>
+        <p:txBody>
+          <a:bodyPr/>
+          <a:lstStyle/>
+          <a:p>
+            <a:r>
+              <a:rPr lang="en-US"/>
               <a:t>MAKE IT FASTER!</a:t>
             </a:r>
           </a:p>
@@ -15131,7 +15855,7 @@
           <a:p>
             <a:fld id="{9648F39E-9C37-485F-AC97-16BB4BDF9F49}" type="slidenum">
               <a:rPr kumimoji="0" lang="en-US" smtClean="0"/>
-              <a:t>30</a:t>
+              <a:t>31</a:t>
             </a:fld>
             <a:endParaRPr kumimoji="0" lang="en-US"/>
           </a:p>
@@ -15486,7 +16210,7 @@
 </p:sld>
 </file>
 
-<file path=ppt/slides/slide31.xml><?xml version="1.0" encoding="utf-8"?>
+<file path=ppt/slides/slide32.xml><?xml version="1.0" encoding="utf-8"?>
 <p:sld xmlns:a="http://schemas.openxmlformats.org/drawingml/2006/main" xmlns:r="http://schemas.openxmlformats.org/officeDocument/2006/relationships" xmlns:p="http://schemas.openxmlformats.org/presentationml/2006/main">
   <p:cSld>
     <p:spTree>
@@ -15588,7 +16312,7 @@
           <a:p>
             <a:fld id="{9648F39E-9C37-485F-AC97-16BB4BDF9F49}" type="slidenum">
               <a:rPr kumimoji="0" lang="en-US" smtClean="0"/>
-              <a:t>31</a:t>
+              <a:t>32</a:t>
             </a:fld>
             <a:endParaRPr kumimoji="0" lang="en-US"/>
           </a:p>
@@ -15749,458 +16473,6 @@
 </p:sld>
 </file>
 
-<file path=ppt/slides/slide32.xml><?xml version="1.0" encoding="utf-8"?>
-<p:sld xmlns:a="http://schemas.openxmlformats.org/drawingml/2006/main" xmlns:r="http://schemas.openxmlformats.org/officeDocument/2006/relationships" xmlns:p="http://schemas.openxmlformats.org/presentationml/2006/main">
-  <p:cSld>
-    <p:spTree>
-      <p:nvGrpSpPr>
-        <p:cNvPr id="1" name=""/>
-        <p:cNvGrpSpPr/>
-        <p:nvPr/>
-      </p:nvGrpSpPr>
-      <p:grpSpPr>
-        <a:xfrm>
-          <a:off x="0" y="0"/>
-          <a:ext cx="0" cy="0"/>
-          <a:chOff x="0" y="0"/>
-          <a:chExt cx="0" cy="0"/>
-        </a:xfrm>
-      </p:grpSpPr>
-      <p:sp>
-        <p:nvSpPr>
-          <p:cNvPr id="2" name="Title 1"/>
-          <p:cNvSpPr>
-            <a:spLocks noGrp="1"/>
-          </p:cNvSpPr>
-          <p:nvPr>
-            <p:ph type="title"/>
-          </p:nvPr>
-        </p:nvSpPr>
-        <p:spPr/>
-        <p:txBody>
-          <a:bodyPr/>
-          <a:lstStyle/>
-          <a:p>
-            <a:r>
-              <a:rPr lang="en-US"/>
-              <a:t>Another issue</a:t>
-            </a:r>
-            <a:r>
-              <a:rPr lang="mr-IN"/>
-              <a:t>…</a:t>
-            </a:r>
-            <a:endParaRPr lang="en-US"/>
-          </a:p>
-        </p:txBody>
-      </p:sp>
-      <p:sp>
-        <p:nvSpPr>
-          <p:cNvPr id="3" name="Content Placeholder 2"/>
-          <p:cNvSpPr>
-            <a:spLocks noGrp="1"/>
-          </p:cNvSpPr>
-          <p:nvPr>
-            <p:ph idx="1"/>
-          </p:nvPr>
-        </p:nvSpPr>
-        <p:spPr/>
-        <p:txBody>
-          <a:bodyPr>
-            <a:normAutofit fontScale="92500" lnSpcReduction="20000"/>
-          </a:bodyPr>
-          <a:lstStyle/>
-          <a:p>
-            <a:r>
-              <a:rPr lang="en-US" dirty="0"/>
-              <a:t>Not all software has built-in parallelization options like </a:t>
-            </a:r>
-            <a:r>
-              <a:rPr lang="en-US" dirty="0" err="1"/>
-              <a:t>FastQC</a:t>
-            </a:r>
-            <a:endParaRPr lang="en-US" dirty="0"/>
-          </a:p>
-          <a:p>
-            <a:endParaRPr lang="en-US" dirty="0"/>
-          </a:p>
-          <a:p>
-            <a:r>
-              <a:rPr lang="en-US" dirty="0"/>
-              <a:t>GNU parallel allows you to do this manually!</a:t>
-            </a:r>
-          </a:p>
-          <a:p>
-            <a:endParaRPr lang="en-US" dirty="0"/>
-          </a:p>
-          <a:p>
-            <a:pPr marL="118872" indent="0">
-              <a:buNone/>
-            </a:pPr>
-            <a:r>
-              <a:rPr lang="en-US" sz="1800" dirty="0">
-                <a:latin typeface="Andale Mono"/>
-                <a:cs typeface="Andale Mono"/>
-              </a:rPr>
-              <a:t>#We will now run a couple of resource intensive commands so we should get off the login nodes. This submit command takes you from the login node to one of the available compute nodes.</a:t>
-            </a:r>
-          </a:p>
-          <a:p>
-            <a:pPr marL="118872" indent="0">
-              <a:buNone/>
-            </a:pPr>
-            <a:endParaRPr lang="en-US" dirty="0"/>
-          </a:p>
-          <a:p>
-            <a:pPr marL="118872" indent="0">
-              <a:buNone/>
-            </a:pPr>
-            <a:r>
-              <a:rPr lang="en-US" sz="1800" dirty="0">
-                <a:solidFill>
-                  <a:schemeClr val="accent1">
-                    <a:lumMod val="40000"/>
-                    <a:lumOff val="60000"/>
-                  </a:schemeClr>
-                </a:solidFill>
-                <a:latin typeface="Andale Mono"/>
-                <a:cs typeface="Andale Mono"/>
-              </a:rPr>
-              <a:t>$ </a:t>
-            </a:r>
-            <a:r>
-              <a:rPr lang="en-US" sz="1800" dirty="0" err="1">
-                <a:solidFill>
-                  <a:schemeClr val="accent1">
-                    <a:lumMod val="40000"/>
-                    <a:lumOff val="60000"/>
-                  </a:schemeClr>
-                </a:solidFill>
-                <a:latin typeface="Andale Mono"/>
-                <a:cs typeface="Andale Mono"/>
-              </a:rPr>
-              <a:t>bsub</a:t>
-            </a:r>
-            <a:r>
-              <a:rPr lang="en-US" sz="1800" dirty="0">
-                <a:solidFill>
-                  <a:schemeClr val="accent1">
-                    <a:lumMod val="40000"/>
-                    <a:lumOff val="60000"/>
-                  </a:schemeClr>
-                </a:solidFill>
-                <a:latin typeface="Andale Mono"/>
-                <a:cs typeface="Andale Mono"/>
-              </a:rPr>
-              <a:t> </a:t>
-            </a:r>
-            <a:r>
-              <a:rPr lang="mr-IN" sz="1800" dirty="0">
-                <a:solidFill>
-                  <a:schemeClr val="accent1">
-                    <a:lumMod val="40000"/>
-                    <a:lumOff val="60000"/>
-                  </a:schemeClr>
-                </a:solidFill>
-                <a:latin typeface="Andale Mono"/>
-                <a:cs typeface="Andale Mono"/>
-              </a:rPr>
-              <a:t>–</a:t>
-            </a:r>
-            <a:r>
-              <a:rPr lang="en-US" sz="1800" dirty="0">
-                <a:solidFill>
-                  <a:schemeClr val="accent1">
-                    <a:lumMod val="40000"/>
-                    <a:lumOff val="60000"/>
-                  </a:schemeClr>
-                </a:solidFill>
-                <a:latin typeface="Andale Mono"/>
-                <a:cs typeface="Andale Mono"/>
-              </a:rPr>
-              <a:t>Is </a:t>
-            </a:r>
-            <a:r>
-              <a:rPr lang="mr-IN" sz="1800" dirty="0">
-                <a:solidFill>
-                  <a:schemeClr val="accent1">
-                    <a:lumMod val="40000"/>
-                    <a:lumOff val="60000"/>
-                  </a:schemeClr>
-                </a:solidFill>
-                <a:latin typeface="Andale Mono"/>
-                <a:cs typeface="Andale Mono"/>
-              </a:rPr>
-              <a:t>–</a:t>
-            </a:r>
-            <a:r>
-              <a:rPr lang="en-US" sz="1800" dirty="0">
-                <a:solidFill>
-                  <a:schemeClr val="accent1">
-                    <a:lumMod val="40000"/>
-                    <a:lumOff val="60000"/>
-                  </a:schemeClr>
-                </a:solidFill>
-                <a:latin typeface="Andale Mono"/>
-                <a:cs typeface="Andale Mono"/>
-              </a:rPr>
-              <a:t>q interactive bash</a:t>
-            </a:r>
-          </a:p>
-          <a:p>
-            <a:pPr marL="118872" indent="0">
-              <a:buNone/>
-            </a:pPr>
-            <a:endParaRPr lang="en-US" sz="1800" dirty="0">
-              <a:solidFill>
-                <a:schemeClr val="accent1">
-                  <a:lumMod val="40000"/>
-                  <a:lumOff val="60000"/>
-                </a:schemeClr>
-              </a:solidFill>
-              <a:latin typeface="Andale Mono"/>
-              <a:cs typeface="Andale Mono"/>
-            </a:endParaRPr>
-          </a:p>
-          <a:p>
-            <a:pPr marL="118872" indent="0">
-              <a:buNone/>
-            </a:pPr>
-            <a:r>
-              <a:rPr lang="en-US" sz="1800" dirty="0">
-                <a:latin typeface="Andale Mono"/>
-                <a:cs typeface="Andale Mono"/>
-              </a:rPr>
-              <a:t>#What just happened? Where are we?</a:t>
-            </a:r>
-            <a:endParaRPr lang="en-US" sz="1800" dirty="0">
-              <a:solidFill>
-                <a:schemeClr val="accent1">
-                  <a:lumMod val="40000"/>
-                  <a:lumOff val="60000"/>
-                </a:schemeClr>
-              </a:solidFill>
-              <a:latin typeface="Andale Mono"/>
-              <a:cs typeface="Andale Mono"/>
-            </a:endParaRPr>
-          </a:p>
-          <a:p>
-            <a:pPr marL="118872" indent="0">
-              <a:buNone/>
-            </a:pPr>
-            <a:endParaRPr lang="en-US" sz="1800" dirty="0">
-              <a:latin typeface="Andale Mono"/>
-              <a:cs typeface="Andale Mono"/>
-            </a:endParaRPr>
-          </a:p>
-          <a:p>
-            <a:pPr marL="118872" indent="0">
-              <a:buNone/>
-            </a:pPr>
-            <a:r>
-              <a:rPr lang="en-US" sz="1800" dirty="0">
-                <a:latin typeface="Andale Mono"/>
-                <a:cs typeface="Andale Mono"/>
-              </a:rPr>
-              <a:t>#Go into your $SCR/</a:t>
-            </a:r>
-            <a:r>
-              <a:rPr lang="en-US" sz="1800" dirty="0" err="1">
-                <a:latin typeface="Andale Mono"/>
-                <a:cs typeface="Andale Mono"/>
-              </a:rPr>
-              <a:t>rna_data</a:t>
-            </a:r>
-            <a:r>
-              <a:rPr lang="en-US" sz="1800" dirty="0">
-                <a:latin typeface="Andale Mono"/>
-                <a:cs typeface="Andale Mono"/>
-              </a:rPr>
-              <a:t>/</a:t>
-            </a:r>
-            <a:r>
-              <a:rPr lang="en-US" sz="1800" dirty="0" err="1">
-                <a:latin typeface="Andale Mono"/>
-                <a:cs typeface="Andale Mono"/>
-              </a:rPr>
-              <a:t>raw_reads</a:t>
-            </a:r>
-            <a:r>
-              <a:rPr lang="en-US" sz="1800" dirty="0">
-                <a:latin typeface="Andale Mono"/>
-                <a:cs typeface="Andale Mono"/>
-              </a:rPr>
-              <a:t> directory and run:</a:t>
-            </a:r>
-          </a:p>
-          <a:p>
-            <a:pPr marL="118872" indent="0">
-              <a:buNone/>
-            </a:pPr>
-            <a:endParaRPr lang="en-US" sz="1800" dirty="0">
-              <a:latin typeface="Andale Mono"/>
-              <a:cs typeface="Andale Mono"/>
-            </a:endParaRPr>
-          </a:p>
-          <a:p>
-            <a:pPr marL="118872" indent="0">
-              <a:buNone/>
-            </a:pPr>
-            <a:r>
-              <a:rPr lang="en-US" sz="1800" dirty="0">
-                <a:solidFill>
-                  <a:srgbClr val="FFE193"/>
-                </a:solidFill>
-                <a:latin typeface="Andale Mono"/>
-                <a:cs typeface="Andale Mono"/>
-              </a:rPr>
-              <a:t>$ time </a:t>
-            </a:r>
-            <a:r>
-              <a:rPr lang="en-US" sz="1800" dirty="0" err="1">
-                <a:solidFill>
-                  <a:srgbClr val="FFE193"/>
-                </a:solidFill>
-                <a:latin typeface="Andale Mono"/>
-                <a:cs typeface="Andale Mono"/>
-              </a:rPr>
-              <a:t>wc</a:t>
-            </a:r>
-            <a:r>
-              <a:rPr lang="en-US" sz="1800" dirty="0">
-                <a:solidFill>
-                  <a:srgbClr val="FFE193"/>
-                </a:solidFill>
-                <a:latin typeface="Andale Mono"/>
-                <a:cs typeface="Andale Mono"/>
-              </a:rPr>
-              <a:t> *.</a:t>
-            </a:r>
-            <a:r>
-              <a:rPr lang="en-US" sz="1800" dirty="0" err="1">
-                <a:solidFill>
-                  <a:srgbClr val="FFE193"/>
-                </a:solidFill>
-                <a:latin typeface="Andale Mono"/>
-                <a:cs typeface="Andale Mono"/>
-              </a:rPr>
-              <a:t>fastq.gz</a:t>
-            </a:r>
-            <a:endParaRPr lang="en-US" sz="1800" dirty="0">
-              <a:solidFill>
-                <a:srgbClr val="FFE193"/>
-              </a:solidFill>
-              <a:latin typeface="Andale Mono"/>
-              <a:cs typeface="Andale Mono"/>
-            </a:endParaRPr>
-          </a:p>
-          <a:p>
-            <a:pPr marL="118872" indent="0">
-              <a:buNone/>
-            </a:pPr>
-            <a:endParaRPr lang="en-US" sz="1800" dirty="0">
-              <a:latin typeface="Andale Mono"/>
-              <a:cs typeface="Andale Mono"/>
-            </a:endParaRPr>
-          </a:p>
-          <a:p>
-            <a:pPr marL="118872" indent="0">
-              <a:buNone/>
-            </a:pPr>
-            <a:r>
-              <a:rPr lang="en-US" sz="1800" dirty="0">
-                <a:latin typeface="Andale Mono"/>
-                <a:cs typeface="Andale Mono"/>
-              </a:rPr>
-              <a:t>#</a:t>
-            </a:r>
-            <a:r>
-              <a:rPr lang="en-US" sz="1800" i="1" dirty="0" err="1">
-                <a:latin typeface="Andale Mono"/>
-                <a:cs typeface="Andale Mono"/>
-              </a:rPr>
-              <a:t>wc</a:t>
-            </a:r>
-            <a:r>
-              <a:rPr lang="en-US" sz="1800" dirty="0">
-                <a:latin typeface="Andale Mono"/>
-                <a:cs typeface="Andale Mono"/>
-              </a:rPr>
-              <a:t> prints the number of lines, words and bytes in each of the two files. The </a:t>
-            </a:r>
-            <a:r>
-              <a:rPr lang="en-US" sz="1800" i="1" dirty="0">
-                <a:latin typeface="Andale Mono"/>
-                <a:cs typeface="Andale Mono"/>
-              </a:rPr>
-              <a:t>time</a:t>
-            </a:r>
-            <a:r>
-              <a:rPr lang="en-US" sz="1800" dirty="0">
-                <a:latin typeface="Andale Mono"/>
-                <a:cs typeface="Andale Mono"/>
-              </a:rPr>
-              <a:t> command times how long this process takes.</a:t>
-            </a:r>
-          </a:p>
-          <a:p>
-            <a:pPr marL="118872" indent="0">
-              <a:buNone/>
-            </a:pPr>
-            <a:endParaRPr lang="en-US" sz="1800" dirty="0">
-              <a:latin typeface="Andale Mono"/>
-              <a:cs typeface="Andale Mono"/>
-            </a:endParaRPr>
-          </a:p>
-        </p:txBody>
-      </p:sp>
-      <p:sp>
-        <p:nvSpPr>
-          <p:cNvPr id="4" name="Slide Number Placeholder 3"/>
-          <p:cNvSpPr>
-            <a:spLocks noGrp="1"/>
-          </p:cNvSpPr>
-          <p:nvPr>
-            <p:ph type="sldNum" sz="quarter" idx="12"/>
-          </p:nvPr>
-        </p:nvSpPr>
-        <p:spPr/>
-        <p:txBody>
-          <a:bodyPr/>
-          <a:lstStyle/>
-          <a:p>
-            <a:fld id="{9648F39E-9C37-485F-AC97-16BB4BDF9F49}" type="slidenum">
-              <a:rPr kumimoji="0" lang="en-US" smtClean="0"/>
-              <a:t>32</a:t>
-            </a:fld>
-            <a:endParaRPr kumimoji="0" lang="en-US"/>
-          </a:p>
-        </p:txBody>
-      </p:sp>
-    </p:spTree>
-    <p:extLst>
-      <p:ext uri="{BB962C8B-B14F-4D97-AF65-F5344CB8AC3E}">
-        <p14:creationId xmlns:p14="http://schemas.microsoft.com/office/powerpoint/2010/main" val="1023339370"/>
-      </p:ext>
-    </p:extLst>
-  </p:cSld>
-  <p:clrMapOvr>
-    <a:masterClrMapping/>
-  </p:clrMapOvr>
-  <mc:AlternateContent xmlns:mc="http://schemas.openxmlformats.org/markup-compatibility/2006">
-    <mc:Choice xmlns:p14="http://schemas.microsoft.com/office/powerpoint/2010/main" Requires="p14">
-      <p:transition spd="med" p14:dur="700">
-        <p:fade/>
-      </p:transition>
-    </mc:Choice>
-    <mc:Fallback>
-      <p:transition spd="med">
-        <p:fade/>
-      </p:transition>
-    </mc:Fallback>
-  </mc:AlternateContent>
-</p:sld>
-</file>
-
 <file path=ppt/slides/slide33.xml><?xml version="1.0" encoding="utf-8"?>
 <p:sld xmlns:a="http://schemas.openxmlformats.org/drawingml/2006/main" xmlns:r="http://schemas.openxmlformats.org/officeDocument/2006/relationships" xmlns:p="http://schemas.openxmlformats.org/presentationml/2006/main">
   <p:cSld>
@@ -16234,6 +16506,458 @@
           <a:lstStyle/>
           <a:p>
             <a:r>
+              <a:rPr lang="en-US"/>
+              <a:t>Another issue</a:t>
+            </a:r>
+            <a:r>
+              <a:rPr lang="mr-IN"/>
+              <a:t>…</a:t>
+            </a:r>
+            <a:endParaRPr lang="en-US"/>
+          </a:p>
+        </p:txBody>
+      </p:sp>
+      <p:sp>
+        <p:nvSpPr>
+          <p:cNvPr id="3" name="Content Placeholder 2"/>
+          <p:cNvSpPr>
+            <a:spLocks noGrp="1"/>
+          </p:cNvSpPr>
+          <p:nvPr>
+            <p:ph idx="1"/>
+          </p:nvPr>
+        </p:nvSpPr>
+        <p:spPr/>
+        <p:txBody>
+          <a:bodyPr>
+            <a:normAutofit fontScale="92500" lnSpcReduction="20000"/>
+          </a:bodyPr>
+          <a:lstStyle/>
+          <a:p>
+            <a:r>
+              <a:rPr lang="en-US" dirty="0"/>
+              <a:t>Not all software has built-in parallelization options like </a:t>
+            </a:r>
+            <a:r>
+              <a:rPr lang="en-US" dirty="0" err="1"/>
+              <a:t>FastQC</a:t>
+            </a:r>
+            <a:endParaRPr lang="en-US" dirty="0"/>
+          </a:p>
+          <a:p>
+            <a:endParaRPr lang="en-US" dirty="0"/>
+          </a:p>
+          <a:p>
+            <a:r>
+              <a:rPr lang="en-US" dirty="0"/>
+              <a:t>GNU parallel allows you to do this manually!</a:t>
+            </a:r>
+          </a:p>
+          <a:p>
+            <a:endParaRPr lang="en-US" dirty="0"/>
+          </a:p>
+          <a:p>
+            <a:pPr marL="118872" indent="0">
+              <a:buNone/>
+            </a:pPr>
+            <a:r>
+              <a:rPr lang="en-US" sz="1800" dirty="0">
+                <a:latin typeface="Andale Mono"/>
+                <a:cs typeface="Andale Mono"/>
+              </a:rPr>
+              <a:t>#We will now run a couple of resource intensive commands so we should get off the login nodes. This submit command takes you from the login node to one of the available compute nodes.</a:t>
+            </a:r>
+          </a:p>
+          <a:p>
+            <a:pPr marL="118872" indent="0">
+              <a:buNone/>
+            </a:pPr>
+            <a:endParaRPr lang="en-US" dirty="0"/>
+          </a:p>
+          <a:p>
+            <a:pPr marL="118872" indent="0">
+              <a:buNone/>
+            </a:pPr>
+            <a:r>
+              <a:rPr lang="en-US" sz="1800" dirty="0">
+                <a:solidFill>
+                  <a:schemeClr val="accent1">
+                    <a:lumMod val="40000"/>
+                    <a:lumOff val="60000"/>
+                  </a:schemeClr>
+                </a:solidFill>
+                <a:latin typeface="Andale Mono"/>
+                <a:cs typeface="Andale Mono"/>
+              </a:rPr>
+              <a:t>$ </a:t>
+            </a:r>
+            <a:r>
+              <a:rPr lang="en-US" sz="1800" dirty="0" err="1">
+                <a:solidFill>
+                  <a:schemeClr val="accent1">
+                    <a:lumMod val="40000"/>
+                    <a:lumOff val="60000"/>
+                  </a:schemeClr>
+                </a:solidFill>
+                <a:latin typeface="Andale Mono"/>
+                <a:cs typeface="Andale Mono"/>
+              </a:rPr>
+              <a:t>bsub</a:t>
+            </a:r>
+            <a:r>
+              <a:rPr lang="en-US" sz="1800" dirty="0">
+                <a:solidFill>
+                  <a:schemeClr val="accent1">
+                    <a:lumMod val="40000"/>
+                    <a:lumOff val="60000"/>
+                  </a:schemeClr>
+                </a:solidFill>
+                <a:latin typeface="Andale Mono"/>
+                <a:cs typeface="Andale Mono"/>
+              </a:rPr>
+              <a:t> </a:t>
+            </a:r>
+            <a:r>
+              <a:rPr lang="mr-IN" sz="1800" dirty="0">
+                <a:solidFill>
+                  <a:schemeClr val="accent1">
+                    <a:lumMod val="40000"/>
+                    <a:lumOff val="60000"/>
+                  </a:schemeClr>
+                </a:solidFill>
+                <a:latin typeface="Andale Mono"/>
+                <a:cs typeface="Andale Mono"/>
+              </a:rPr>
+              <a:t>–</a:t>
+            </a:r>
+            <a:r>
+              <a:rPr lang="en-US" sz="1800" dirty="0">
+                <a:solidFill>
+                  <a:schemeClr val="accent1">
+                    <a:lumMod val="40000"/>
+                    <a:lumOff val="60000"/>
+                  </a:schemeClr>
+                </a:solidFill>
+                <a:latin typeface="Andale Mono"/>
+                <a:cs typeface="Andale Mono"/>
+              </a:rPr>
+              <a:t>Is </a:t>
+            </a:r>
+            <a:r>
+              <a:rPr lang="mr-IN" sz="1800" dirty="0">
+                <a:solidFill>
+                  <a:schemeClr val="accent1">
+                    <a:lumMod val="40000"/>
+                    <a:lumOff val="60000"/>
+                  </a:schemeClr>
+                </a:solidFill>
+                <a:latin typeface="Andale Mono"/>
+                <a:cs typeface="Andale Mono"/>
+              </a:rPr>
+              <a:t>–</a:t>
+            </a:r>
+            <a:r>
+              <a:rPr lang="en-US" sz="1800" dirty="0">
+                <a:solidFill>
+                  <a:schemeClr val="accent1">
+                    <a:lumMod val="40000"/>
+                    <a:lumOff val="60000"/>
+                  </a:schemeClr>
+                </a:solidFill>
+                <a:latin typeface="Andale Mono"/>
+                <a:cs typeface="Andale Mono"/>
+              </a:rPr>
+              <a:t>q interactive bash</a:t>
+            </a:r>
+          </a:p>
+          <a:p>
+            <a:pPr marL="118872" indent="0">
+              <a:buNone/>
+            </a:pPr>
+            <a:endParaRPr lang="en-US" sz="1800" dirty="0">
+              <a:solidFill>
+                <a:schemeClr val="accent1">
+                  <a:lumMod val="40000"/>
+                  <a:lumOff val="60000"/>
+                </a:schemeClr>
+              </a:solidFill>
+              <a:latin typeface="Andale Mono"/>
+              <a:cs typeface="Andale Mono"/>
+            </a:endParaRPr>
+          </a:p>
+          <a:p>
+            <a:pPr marL="118872" indent="0">
+              <a:buNone/>
+            </a:pPr>
+            <a:r>
+              <a:rPr lang="en-US" sz="1800" dirty="0">
+                <a:latin typeface="Andale Mono"/>
+                <a:cs typeface="Andale Mono"/>
+              </a:rPr>
+              <a:t>#What just happened? Where are we?</a:t>
+            </a:r>
+            <a:endParaRPr lang="en-US" sz="1800" dirty="0">
+              <a:solidFill>
+                <a:schemeClr val="accent1">
+                  <a:lumMod val="40000"/>
+                  <a:lumOff val="60000"/>
+                </a:schemeClr>
+              </a:solidFill>
+              <a:latin typeface="Andale Mono"/>
+              <a:cs typeface="Andale Mono"/>
+            </a:endParaRPr>
+          </a:p>
+          <a:p>
+            <a:pPr marL="118872" indent="0">
+              <a:buNone/>
+            </a:pPr>
+            <a:endParaRPr lang="en-US" sz="1800" dirty="0">
+              <a:latin typeface="Andale Mono"/>
+              <a:cs typeface="Andale Mono"/>
+            </a:endParaRPr>
+          </a:p>
+          <a:p>
+            <a:pPr marL="118872" indent="0">
+              <a:buNone/>
+            </a:pPr>
+            <a:r>
+              <a:rPr lang="en-US" sz="1800" dirty="0">
+                <a:latin typeface="Andale Mono"/>
+                <a:cs typeface="Andale Mono"/>
+              </a:rPr>
+              <a:t>#Go into your $SCR/</a:t>
+            </a:r>
+            <a:r>
+              <a:rPr lang="en-US" sz="1800" dirty="0" err="1">
+                <a:latin typeface="Andale Mono"/>
+                <a:cs typeface="Andale Mono"/>
+              </a:rPr>
+              <a:t>rna_data</a:t>
+            </a:r>
+            <a:r>
+              <a:rPr lang="en-US" sz="1800" dirty="0">
+                <a:latin typeface="Andale Mono"/>
+                <a:cs typeface="Andale Mono"/>
+              </a:rPr>
+              <a:t>/</a:t>
+            </a:r>
+            <a:r>
+              <a:rPr lang="en-US" sz="1800" dirty="0" err="1">
+                <a:latin typeface="Andale Mono"/>
+                <a:cs typeface="Andale Mono"/>
+              </a:rPr>
+              <a:t>raw_reads</a:t>
+            </a:r>
+            <a:r>
+              <a:rPr lang="en-US" sz="1800" dirty="0">
+                <a:latin typeface="Andale Mono"/>
+                <a:cs typeface="Andale Mono"/>
+              </a:rPr>
+              <a:t> directory and run:</a:t>
+            </a:r>
+          </a:p>
+          <a:p>
+            <a:pPr marL="118872" indent="0">
+              <a:buNone/>
+            </a:pPr>
+            <a:endParaRPr lang="en-US" sz="1800" dirty="0">
+              <a:latin typeface="Andale Mono"/>
+              <a:cs typeface="Andale Mono"/>
+            </a:endParaRPr>
+          </a:p>
+          <a:p>
+            <a:pPr marL="118872" indent="0">
+              <a:buNone/>
+            </a:pPr>
+            <a:r>
+              <a:rPr lang="en-US" sz="1800" dirty="0">
+                <a:solidFill>
+                  <a:srgbClr val="FFE193"/>
+                </a:solidFill>
+                <a:latin typeface="Andale Mono"/>
+                <a:cs typeface="Andale Mono"/>
+              </a:rPr>
+              <a:t>$ time </a:t>
+            </a:r>
+            <a:r>
+              <a:rPr lang="en-US" sz="1800" dirty="0" err="1">
+                <a:solidFill>
+                  <a:srgbClr val="FFE193"/>
+                </a:solidFill>
+                <a:latin typeface="Andale Mono"/>
+                <a:cs typeface="Andale Mono"/>
+              </a:rPr>
+              <a:t>wc</a:t>
+            </a:r>
+            <a:r>
+              <a:rPr lang="en-US" sz="1800" dirty="0">
+                <a:solidFill>
+                  <a:srgbClr val="FFE193"/>
+                </a:solidFill>
+                <a:latin typeface="Andale Mono"/>
+                <a:cs typeface="Andale Mono"/>
+              </a:rPr>
+              <a:t> *.</a:t>
+            </a:r>
+            <a:r>
+              <a:rPr lang="en-US" sz="1800" dirty="0" err="1">
+                <a:solidFill>
+                  <a:srgbClr val="FFE193"/>
+                </a:solidFill>
+                <a:latin typeface="Andale Mono"/>
+                <a:cs typeface="Andale Mono"/>
+              </a:rPr>
+              <a:t>fastq.gz</a:t>
+            </a:r>
+            <a:endParaRPr lang="en-US" sz="1800" dirty="0">
+              <a:solidFill>
+                <a:srgbClr val="FFE193"/>
+              </a:solidFill>
+              <a:latin typeface="Andale Mono"/>
+              <a:cs typeface="Andale Mono"/>
+            </a:endParaRPr>
+          </a:p>
+          <a:p>
+            <a:pPr marL="118872" indent="0">
+              <a:buNone/>
+            </a:pPr>
+            <a:endParaRPr lang="en-US" sz="1800" dirty="0">
+              <a:latin typeface="Andale Mono"/>
+              <a:cs typeface="Andale Mono"/>
+            </a:endParaRPr>
+          </a:p>
+          <a:p>
+            <a:pPr marL="118872" indent="0">
+              <a:buNone/>
+            </a:pPr>
+            <a:r>
+              <a:rPr lang="en-US" sz="1800" dirty="0">
+                <a:latin typeface="Andale Mono"/>
+                <a:cs typeface="Andale Mono"/>
+              </a:rPr>
+              <a:t>#</a:t>
+            </a:r>
+            <a:r>
+              <a:rPr lang="en-US" sz="1800" i="1" dirty="0" err="1">
+                <a:latin typeface="Andale Mono"/>
+                <a:cs typeface="Andale Mono"/>
+              </a:rPr>
+              <a:t>wc</a:t>
+            </a:r>
+            <a:r>
+              <a:rPr lang="en-US" sz="1800" dirty="0">
+                <a:latin typeface="Andale Mono"/>
+                <a:cs typeface="Andale Mono"/>
+              </a:rPr>
+              <a:t> prints the number of lines, words and bytes in each of the two files. The </a:t>
+            </a:r>
+            <a:r>
+              <a:rPr lang="en-US" sz="1800" i="1" dirty="0">
+                <a:latin typeface="Andale Mono"/>
+                <a:cs typeface="Andale Mono"/>
+              </a:rPr>
+              <a:t>time</a:t>
+            </a:r>
+            <a:r>
+              <a:rPr lang="en-US" sz="1800" dirty="0">
+                <a:latin typeface="Andale Mono"/>
+                <a:cs typeface="Andale Mono"/>
+              </a:rPr>
+              <a:t> command times how long this process takes.</a:t>
+            </a:r>
+          </a:p>
+          <a:p>
+            <a:pPr marL="118872" indent="0">
+              <a:buNone/>
+            </a:pPr>
+            <a:endParaRPr lang="en-US" sz="1800" dirty="0">
+              <a:latin typeface="Andale Mono"/>
+              <a:cs typeface="Andale Mono"/>
+            </a:endParaRPr>
+          </a:p>
+        </p:txBody>
+      </p:sp>
+      <p:sp>
+        <p:nvSpPr>
+          <p:cNvPr id="4" name="Slide Number Placeholder 3"/>
+          <p:cNvSpPr>
+            <a:spLocks noGrp="1"/>
+          </p:cNvSpPr>
+          <p:nvPr>
+            <p:ph type="sldNum" sz="quarter" idx="12"/>
+          </p:nvPr>
+        </p:nvSpPr>
+        <p:spPr/>
+        <p:txBody>
+          <a:bodyPr/>
+          <a:lstStyle/>
+          <a:p>
+            <a:fld id="{9648F39E-9C37-485F-AC97-16BB4BDF9F49}" type="slidenum">
+              <a:rPr kumimoji="0" lang="en-US" smtClean="0"/>
+              <a:t>33</a:t>
+            </a:fld>
+            <a:endParaRPr kumimoji="0" lang="en-US"/>
+          </a:p>
+        </p:txBody>
+      </p:sp>
+    </p:spTree>
+    <p:extLst>
+      <p:ext uri="{BB962C8B-B14F-4D97-AF65-F5344CB8AC3E}">
+        <p14:creationId xmlns:p14="http://schemas.microsoft.com/office/powerpoint/2010/main" val="1023339370"/>
+      </p:ext>
+    </p:extLst>
+  </p:cSld>
+  <p:clrMapOvr>
+    <a:masterClrMapping/>
+  </p:clrMapOvr>
+  <mc:AlternateContent xmlns:mc="http://schemas.openxmlformats.org/markup-compatibility/2006" xmlns:p14="http://schemas.microsoft.com/office/powerpoint/2010/main">
+    <mc:Choice Requires="p14">
+      <p:transition spd="med" p14:dur="700">
+        <p:fade/>
+      </p:transition>
+    </mc:Choice>
+    <mc:Fallback xmlns="">
+      <p:transition spd="med">
+        <p:fade/>
+      </p:transition>
+    </mc:Fallback>
+  </mc:AlternateContent>
+</p:sld>
+</file>
+
+<file path=ppt/slides/slide34.xml><?xml version="1.0" encoding="utf-8"?>
+<p:sld xmlns:a="http://schemas.openxmlformats.org/drawingml/2006/main" xmlns:r="http://schemas.openxmlformats.org/officeDocument/2006/relationships" xmlns:p="http://schemas.openxmlformats.org/presentationml/2006/main">
+  <p:cSld>
+    <p:spTree>
+      <p:nvGrpSpPr>
+        <p:cNvPr id="1" name=""/>
+        <p:cNvGrpSpPr/>
+        <p:nvPr/>
+      </p:nvGrpSpPr>
+      <p:grpSpPr>
+        <a:xfrm>
+          <a:off x="0" y="0"/>
+          <a:ext cx="0" cy="0"/>
+          <a:chOff x="0" y="0"/>
+          <a:chExt cx="0" cy="0"/>
+        </a:xfrm>
+      </p:grpSpPr>
+      <p:sp>
+        <p:nvSpPr>
+          <p:cNvPr id="2" name="Title 1"/>
+          <p:cNvSpPr>
+            <a:spLocks noGrp="1"/>
+          </p:cNvSpPr>
+          <p:nvPr>
+            <p:ph type="title"/>
+          </p:nvPr>
+        </p:nvSpPr>
+        <p:spPr/>
+        <p:txBody>
+          <a:bodyPr/>
+          <a:lstStyle/>
+          <a:p>
+            <a:r>
               <a:rPr lang="en-GB"/>
               <a:t>Manual Parallelization</a:t>
             </a:r>
@@ -16450,7 +17174,7 @@
           <a:p>
             <a:fld id="{9648F39E-9C37-485F-AC97-16BB4BDF9F49}" type="slidenum">
               <a:rPr kumimoji="0" lang="en-US" smtClean="0"/>
-              <a:t>33</a:t>
+              <a:t>34</a:t>
             </a:fld>
             <a:endParaRPr kumimoji="0" lang="en-US"/>
           </a:p>
@@ -16689,363 +17413,6 @@
 </p:sld>
 </file>
 
-<file path=ppt/slides/slide34.xml><?xml version="1.0" encoding="utf-8"?>
-<p:sld xmlns:a="http://schemas.openxmlformats.org/drawingml/2006/main" xmlns:r="http://schemas.openxmlformats.org/officeDocument/2006/relationships" xmlns:p="http://schemas.openxmlformats.org/presentationml/2006/main">
-  <p:cSld>
-    <p:spTree>
-      <p:nvGrpSpPr>
-        <p:cNvPr id="1" name=""/>
-        <p:cNvGrpSpPr/>
-        <p:nvPr/>
-      </p:nvGrpSpPr>
-      <p:grpSpPr>
-        <a:xfrm>
-          <a:off x="0" y="0"/>
-          <a:ext cx="0" cy="0"/>
-          <a:chOff x="0" y="0"/>
-          <a:chExt cx="0" cy="0"/>
-        </a:xfrm>
-      </p:grpSpPr>
-      <p:sp>
-        <p:nvSpPr>
-          <p:cNvPr id="2" name="Title 1"/>
-          <p:cNvSpPr>
-            <a:spLocks noGrp="1"/>
-          </p:cNvSpPr>
-          <p:nvPr>
-            <p:ph type="title"/>
-          </p:nvPr>
-        </p:nvSpPr>
-        <p:spPr/>
-        <p:txBody>
-          <a:bodyPr/>
-          <a:lstStyle/>
-          <a:p>
-            <a:r>
-              <a:rPr lang="en-GB"/>
-              <a:t>Examine Job Output</a:t>
-            </a:r>
-            <a:endParaRPr lang="en-US"/>
-          </a:p>
-        </p:txBody>
-      </p:sp>
-      <p:sp>
-        <p:nvSpPr>
-          <p:cNvPr id="3" name="Content Placeholder 2"/>
-          <p:cNvSpPr>
-            <a:spLocks noGrp="1"/>
-          </p:cNvSpPr>
-          <p:nvPr>
-            <p:ph idx="1"/>
-          </p:nvPr>
-        </p:nvSpPr>
-        <p:spPr/>
-        <p:txBody>
-          <a:bodyPr>
-            <a:normAutofit lnSpcReduction="10000"/>
-          </a:bodyPr>
-          <a:lstStyle/>
-          <a:p>
-            <a:pPr marL="118872" indent="0">
-              <a:buNone/>
-            </a:pPr>
-            <a:r>
-              <a:rPr lang="en-US" sz="1800" dirty="0">
-                <a:latin typeface="Andale Mono"/>
-                <a:cs typeface="Andale Mono"/>
-              </a:rPr>
-              <a:t>#By now the </a:t>
-            </a:r>
-            <a:r>
-              <a:rPr lang="en-US" sz="1800" dirty="0" err="1">
-                <a:latin typeface="Andale Mono"/>
-                <a:cs typeface="Andale Mono"/>
-              </a:rPr>
-              <a:t>fastqc</a:t>
-            </a:r>
-            <a:r>
-              <a:rPr lang="en-US" sz="1800" dirty="0">
-                <a:latin typeface="Andale Mono"/>
-                <a:cs typeface="Andale Mono"/>
-              </a:rPr>
-              <a:t> process we submitted earlier should have finished running. Before examining the output, check the log file of the run using </a:t>
-            </a:r>
-            <a:r>
-              <a:rPr lang="en-US" sz="1800" i="1" dirty="0">
-                <a:latin typeface="Andale Mono"/>
-                <a:cs typeface="Andale Mono"/>
-              </a:rPr>
-              <a:t>less</a:t>
-            </a:r>
-            <a:r>
-              <a:rPr lang="en-US" sz="1800" dirty="0">
-                <a:latin typeface="Andale Mono"/>
-                <a:cs typeface="Andale Mono"/>
-              </a:rPr>
-              <a:t>.</a:t>
-            </a:r>
-          </a:p>
-          <a:p>
-            <a:pPr marL="118872" indent="0">
-              <a:buNone/>
-            </a:pPr>
-            <a:endParaRPr lang="en-US" sz="1800" dirty="0">
-              <a:latin typeface="Andale Mono"/>
-              <a:cs typeface="Andale Mono"/>
-            </a:endParaRPr>
-          </a:p>
-          <a:p>
-            <a:pPr marL="118872" indent="0">
-              <a:buNone/>
-            </a:pPr>
-            <a:r>
-              <a:rPr lang="en-US" sz="1800" dirty="0">
-                <a:solidFill>
-                  <a:schemeClr val="accent1">
-                    <a:lumMod val="40000"/>
-                    <a:lumOff val="60000"/>
-                  </a:schemeClr>
-                </a:solidFill>
-                <a:latin typeface="Andale Mono"/>
-                <a:cs typeface="Andale Mono"/>
-              </a:rPr>
-              <a:t>$ less ~/logs/rna_qc_2.log</a:t>
-            </a:r>
-          </a:p>
-          <a:p>
-            <a:pPr marL="118872" indent="0">
-              <a:buNone/>
-            </a:pPr>
-            <a:endParaRPr lang="en-US" sz="1800" dirty="0">
-              <a:solidFill>
-                <a:schemeClr val="accent1">
-                  <a:lumMod val="40000"/>
-                  <a:lumOff val="60000"/>
-                </a:schemeClr>
-              </a:solidFill>
-              <a:latin typeface="Andale Mono"/>
-              <a:cs typeface="Andale Mono"/>
-            </a:endParaRPr>
-          </a:p>
-          <a:p>
-            <a:pPr marL="118872" indent="0">
-              <a:buNone/>
-            </a:pPr>
-            <a:r>
-              <a:rPr lang="en-US" sz="1800" dirty="0">
-                <a:solidFill>
-                  <a:srgbClr val="FFFFFF"/>
-                </a:solidFill>
-                <a:latin typeface="Andale Mono"/>
-                <a:cs typeface="Andale Mono"/>
-              </a:rPr>
-              <a:t>#The log file gives you information about the duration of the job, the resources used as well as the standard output from your script.</a:t>
-            </a:r>
-          </a:p>
-          <a:p>
-            <a:pPr marL="118872" indent="0">
-              <a:buNone/>
-            </a:pPr>
-            <a:endParaRPr lang="en-US" sz="1800" dirty="0">
-              <a:solidFill>
-                <a:srgbClr val="FFFFFF"/>
-              </a:solidFill>
-              <a:latin typeface="Andale Mono"/>
-              <a:cs typeface="Andale Mono"/>
-            </a:endParaRPr>
-          </a:p>
-          <a:p>
-            <a:pPr marL="118872" indent="0">
-              <a:buNone/>
-            </a:pPr>
-            <a:r>
-              <a:rPr lang="en-US" sz="1800" dirty="0">
-                <a:solidFill>
-                  <a:srgbClr val="FFFFFF"/>
-                </a:solidFill>
-                <a:latin typeface="Andale Mono"/>
-                <a:cs typeface="Andale Mono"/>
-              </a:rPr>
-              <a:t>#Always check your log file for errors or warnings before trusting the output of a job!</a:t>
-            </a:r>
-          </a:p>
-          <a:p>
-            <a:pPr marL="118872" indent="0">
-              <a:buNone/>
-            </a:pPr>
-            <a:endParaRPr lang="en-US" sz="1800" dirty="0">
-              <a:solidFill>
-                <a:srgbClr val="FFFFFF"/>
-              </a:solidFill>
-              <a:latin typeface="Andale Mono"/>
-              <a:cs typeface="Andale Mono"/>
-            </a:endParaRPr>
-          </a:p>
-          <a:p>
-            <a:pPr marL="118872" indent="0">
-              <a:buNone/>
-            </a:pPr>
-            <a:r>
-              <a:rPr lang="en-US" sz="1800" dirty="0">
-                <a:solidFill>
-                  <a:srgbClr val="FFFFFF"/>
-                </a:solidFill>
-                <a:latin typeface="Andale Mono"/>
-                <a:cs typeface="Andale Mono"/>
-              </a:rPr>
-              <a:t>#Looks good? Check out the QC results in:</a:t>
-            </a:r>
-          </a:p>
-          <a:p>
-            <a:pPr marL="118872" indent="0">
-              <a:buNone/>
-            </a:pPr>
-            <a:endParaRPr lang="en-US" sz="1800" dirty="0">
-              <a:solidFill>
-                <a:srgbClr val="FFFFFF"/>
-              </a:solidFill>
-              <a:latin typeface="Andale Mono"/>
-              <a:cs typeface="Andale Mono"/>
-            </a:endParaRPr>
-          </a:p>
-          <a:p>
-            <a:pPr marL="118872" indent="0">
-              <a:buNone/>
-            </a:pPr>
-            <a:r>
-              <a:rPr lang="en-US" sz="1800" dirty="0">
-                <a:solidFill>
-                  <a:schemeClr val="accent1">
-                    <a:lumMod val="40000"/>
-                    <a:lumOff val="60000"/>
-                  </a:schemeClr>
-                </a:solidFill>
-                <a:latin typeface="Andale Mono"/>
-                <a:cs typeface="Andale Mono"/>
-              </a:rPr>
-              <a:t>$ cd $SCR/</a:t>
-            </a:r>
-            <a:r>
-              <a:rPr lang="en-US" sz="1800" dirty="0" err="1">
-                <a:solidFill>
-                  <a:schemeClr val="accent1">
-                    <a:lumMod val="40000"/>
-                    <a:lumOff val="60000"/>
-                  </a:schemeClr>
-                </a:solidFill>
-                <a:latin typeface="Andale Mono"/>
-                <a:cs typeface="Andale Mono"/>
-              </a:rPr>
-              <a:t>rna_data</a:t>
-            </a:r>
-            <a:r>
-              <a:rPr lang="en-US" sz="1800" dirty="0">
-                <a:solidFill>
-                  <a:schemeClr val="accent1">
-                    <a:lumMod val="40000"/>
-                    <a:lumOff val="60000"/>
-                  </a:schemeClr>
-                </a:solidFill>
-                <a:latin typeface="Andale Mono"/>
-                <a:cs typeface="Andale Mono"/>
-              </a:rPr>
-              <a:t>/QC</a:t>
-            </a:r>
-          </a:p>
-          <a:p>
-            <a:pPr marL="118872" indent="0">
-              <a:buNone/>
-            </a:pPr>
-            <a:r>
-              <a:rPr lang="en-US" sz="1800" dirty="0">
-                <a:solidFill>
-                  <a:schemeClr val="accent1">
-                    <a:lumMod val="40000"/>
-                    <a:lumOff val="60000"/>
-                  </a:schemeClr>
-                </a:solidFill>
-                <a:latin typeface="Andale Mono"/>
-                <a:cs typeface="Andale Mono"/>
-              </a:rPr>
-              <a:t>$ ls </a:t>
-            </a:r>
-            <a:r>
-              <a:rPr lang="mr-IN" sz="1800" dirty="0">
-                <a:solidFill>
-                  <a:schemeClr val="accent1">
-                    <a:lumMod val="40000"/>
-                    <a:lumOff val="60000"/>
-                  </a:schemeClr>
-                </a:solidFill>
-                <a:latin typeface="Andale Mono"/>
-                <a:cs typeface="Andale Mono"/>
-              </a:rPr>
-              <a:t>–</a:t>
-            </a:r>
-            <a:r>
-              <a:rPr lang="en-US" sz="1800" dirty="0">
-                <a:solidFill>
-                  <a:schemeClr val="accent1">
-                    <a:lumMod val="40000"/>
-                    <a:lumOff val="60000"/>
-                  </a:schemeClr>
-                </a:solidFill>
-                <a:latin typeface="Andale Mono"/>
-                <a:cs typeface="Andale Mono"/>
-              </a:rPr>
-              <a:t>l</a:t>
-            </a:r>
-          </a:p>
-        </p:txBody>
-      </p:sp>
-      <p:sp>
-        <p:nvSpPr>
-          <p:cNvPr id="4" name="Slide Number Placeholder 3"/>
-          <p:cNvSpPr>
-            <a:spLocks noGrp="1"/>
-          </p:cNvSpPr>
-          <p:nvPr>
-            <p:ph type="sldNum" sz="quarter" idx="12"/>
-          </p:nvPr>
-        </p:nvSpPr>
-        <p:spPr/>
-        <p:txBody>
-          <a:bodyPr/>
-          <a:lstStyle/>
-          <a:p>
-            <a:fld id="{9648F39E-9C37-485F-AC97-16BB4BDF9F49}" type="slidenum">
-              <a:rPr kumimoji="0" lang="en-US" smtClean="0"/>
-              <a:t>34</a:t>
-            </a:fld>
-            <a:endParaRPr kumimoji="0" lang="en-US"/>
-          </a:p>
-        </p:txBody>
-      </p:sp>
-    </p:spTree>
-    <p:extLst>
-      <p:ext uri="{BB962C8B-B14F-4D97-AF65-F5344CB8AC3E}">
-        <p14:creationId xmlns:p14="http://schemas.microsoft.com/office/powerpoint/2010/main" val="591517476"/>
-      </p:ext>
-    </p:extLst>
-  </p:cSld>
-  <p:clrMapOvr>
-    <a:masterClrMapping/>
-  </p:clrMapOvr>
-  <mc:AlternateContent xmlns:mc="http://schemas.openxmlformats.org/markup-compatibility/2006" xmlns:p14="http://schemas.microsoft.com/office/powerpoint/2010/main">
-    <mc:Choice Requires="p14">
-      <p:transition spd="med" p14:dur="700">
-        <p:fade/>
-      </p:transition>
-    </mc:Choice>
-    <mc:Fallback xmlns="">
-      <p:transition xmlns:p14="http://schemas.microsoft.com/office/powerpoint/2010/main" spd="med">
-        <p:fade/>
-      </p:transition>
-    </mc:Fallback>
-  </mc:AlternateContent>
-</p:sld>
-</file>
-
 <file path=ppt/slides/slide35.xml><?xml version="1.0" encoding="utf-8"?>
 <p:sld xmlns:a="http://schemas.openxmlformats.org/drawingml/2006/main" xmlns:r="http://schemas.openxmlformats.org/officeDocument/2006/relationships" xmlns:p="http://schemas.openxmlformats.org/presentationml/2006/main">
   <p:cSld>
@@ -17079,9 +17446,10 @@
           <a:lstStyle/>
           <a:p>
             <a:r>
-              <a:rPr lang="en-US"/>
-              <a:t>Some more tips &amp; tricks</a:t>
-            </a:r>
+              <a:rPr lang="en-GB"/>
+              <a:t>Examine Job Output</a:t>
+            </a:r>
+            <a:endParaRPr lang="en-US"/>
           </a:p>
         </p:txBody>
       </p:sp>
@@ -17098,49 +17466,54 @@
         <p:spPr/>
         <p:txBody>
           <a:bodyPr>
-            <a:normAutofit fontScale="70000" lnSpcReduction="20000"/>
+            <a:normAutofit lnSpcReduction="10000"/>
           </a:bodyPr>
           <a:lstStyle/>
           <a:p>
-            <a:r>
-              <a:rPr lang="en-US" sz="2600" dirty="0"/>
-              <a:t>A command line process is taking longer than expected and you could do something else in the meantime? Background it!</a:t>
-            </a:r>
-          </a:p>
-          <a:p>
-            <a:endParaRPr lang="en-US" dirty="0"/>
-          </a:p>
-          <a:p>
-            <a:pPr marL="118872" indent="0">
-              <a:buNone/>
-            </a:pPr>
-            <a:r>
-              <a:rPr lang="en-US" dirty="0">
-                <a:latin typeface="Andale Mono"/>
-                <a:cs typeface="Andale Mono"/>
-              </a:rPr>
-              <a:t>#Run the </a:t>
-            </a:r>
-            <a:r>
-              <a:rPr lang="en-US" i="1" dirty="0" err="1">
-                <a:latin typeface="Andale Mono"/>
-                <a:cs typeface="Andale Mono"/>
-              </a:rPr>
-              <a:t>wc</a:t>
-            </a:r>
-            <a:r>
-              <a:rPr lang="en-US" dirty="0">
-                <a:latin typeface="Andale Mono"/>
-                <a:cs typeface="Andale Mono"/>
-              </a:rPr>
-              <a:t> command on the data files again.</a:t>
-            </a:r>
-          </a:p>
-          <a:p>
-            <a:pPr marL="118872" indent="0">
-              <a:buNone/>
-            </a:pPr>
-            <a:endParaRPr lang="en-US" dirty="0">
+            <a:pPr marL="118872" indent="0">
+              <a:buNone/>
+            </a:pPr>
+            <a:r>
+              <a:rPr lang="en-US" sz="1800" dirty="0">
+                <a:latin typeface="Andale Mono"/>
+                <a:cs typeface="Andale Mono"/>
+              </a:rPr>
+              <a:t>#By now the </a:t>
+            </a:r>
+            <a:r>
+              <a:rPr lang="en-US" sz="1800" dirty="0" err="1">
+                <a:latin typeface="Andale Mono"/>
+                <a:cs typeface="Andale Mono"/>
+              </a:rPr>
+              <a:t>fastqc</a:t>
+            </a:r>
+            <a:r>
+              <a:rPr lang="en-US" sz="1800" dirty="0">
+                <a:latin typeface="Andale Mono"/>
+                <a:cs typeface="Andale Mono"/>
+              </a:rPr>
+              <a:t> process we submitted earlier should have finished running. Before examining the output, check the log file of the run using </a:t>
+            </a:r>
+            <a:r>
+              <a:rPr lang="en-US" sz="1800" i="1" dirty="0">
+                <a:latin typeface="Andale Mono"/>
+                <a:cs typeface="Andale Mono"/>
+              </a:rPr>
+              <a:t>less</a:t>
+            </a:r>
+            <a:r>
+              <a:rPr lang="en-US" sz="1800" dirty="0">
+                <a:latin typeface="Andale Mono"/>
+                <a:cs typeface="Andale Mono"/>
+              </a:rPr>
+              <a:t>.</a:t>
+            </a:r>
+          </a:p>
+          <a:p>
+            <a:pPr marL="118872" indent="0">
+              <a:buNone/>
+            </a:pPr>
+            <a:endParaRPr lang="en-US" sz="1800" dirty="0">
               <a:latin typeface="Andale Mono"/>
               <a:cs typeface="Andale Mono"/>
             </a:endParaRPr>
@@ -17150,108 +17523,29 @@
               <a:buNone/>
             </a:pPr>
             <a:r>
-              <a:rPr lang="en-US" dirty="0">
-                <a:solidFill>
-                  <a:srgbClr val="FFE193"/>
-                </a:solidFill>
-                <a:latin typeface="Andale Mono"/>
-                <a:cs typeface="Andale Mono"/>
-              </a:rPr>
-              <a:t>$ </a:t>
-            </a:r>
-            <a:r>
-              <a:rPr lang="en-US" dirty="0" err="1">
-                <a:solidFill>
-                  <a:srgbClr val="FFE193"/>
-                </a:solidFill>
-                <a:latin typeface="Andale Mono"/>
-                <a:cs typeface="Andale Mono"/>
-              </a:rPr>
-              <a:t>wc</a:t>
-            </a:r>
-            <a:r>
-              <a:rPr lang="en-US" dirty="0">
-                <a:solidFill>
-                  <a:srgbClr val="FFE193"/>
-                </a:solidFill>
-                <a:latin typeface="Andale Mono"/>
-                <a:cs typeface="Andale Mono"/>
-              </a:rPr>
-              <a:t> ~/</a:t>
-            </a:r>
-            <a:r>
-              <a:rPr lang="en-US" i="1" dirty="0">
-                <a:solidFill>
-                  <a:srgbClr val="FFE193"/>
-                </a:solidFill>
-                <a:latin typeface="Andale Mono"/>
-                <a:cs typeface="Andale Mono"/>
-              </a:rPr>
-              <a:t>username</a:t>
-            </a:r>
-            <a:r>
-              <a:rPr lang="en-US" dirty="0">
-                <a:solidFill>
-                  <a:srgbClr val="FFE193"/>
-                </a:solidFill>
-                <a:latin typeface="Andale Mono"/>
-                <a:cs typeface="Andale Mono"/>
-              </a:rPr>
-              <a:t>/</a:t>
-            </a:r>
-            <a:r>
-              <a:rPr lang="en-US" dirty="0" err="1">
-                <a:solidFill>
-                  <a:srgbClr val="FFE193"/>
-                </a:solidFill>
-                <a:latin typeface="Andale Mono"/>
-                <a:cs typeface="Andale Mono"/>
-              </a:rPr>
-              <a:t>rna_data</a:t>
-            </a:r>
-            <a:r>
-              <a:rPr lang="en-US" dirty="0">
-                <a:solidFill>
-                  <a:srgbClr val="FFE193"/>
-                </a:solidFill>
-                <a:latin typeface="Andale Mono"/>
-                <a:cs typeface="Andale Mono"/>
-              </a:rPr>
-              <a:t>/</a:t>
-            </a:r>
-            <a:r>
-              <a:rPr lang="en-US" dirty="0" err="1">
-                <a:solidFill>
-                  <a:srgbClr val="FFE193"/>
-                </a:solidFill>
-                <a:latin typeface="Andale Mono"/>
-                <a:cs typeface="Andale Mono"/>
-              </a:rPr>
-              <a:t>raw_reads</a:t>
-            </a:r>
-            <a:r>
-              <a:rPr lang="en-US" dirty="0">
-                <a:solidFill>
-                  <a:srgbClr val="FFE193"/>
-                </a:solidFill>
-                <a:latin typeface="Andale Mono"/>
-                <a:cs typeface="Andale Mono"/>
-              </a:rPr>
-              <a:t>/*</a:t>
-            </a:r>
-            <a:r>
-              <a:rPr lang="en-US" dirty="0" err="1">
-                <a:solidFill>
-                  <a:srgbClr val="FFE193"/>
-                </a:solidFill>
-                <a:latin typeface="Andale Mono"/>
-                <a:cs typeface="Andale Mono"/>
-              </a:rPr>
-              <a:t>fastq.gz</a:t>
-            </a:r>
-            <a:endParaRPr lang="en-US" dirty="0">
+              <a:rPr lang="en-US" sz="1800" dirty="0">
+                <a:solidFill>
+                  <a:schemeClr val="accent1">
+                    <a:lumMod val="40000"/>
+                    <a:lumOff val="60000"/>
+                  </a:schemeClr>
+                </a:solidFill>
+                <a:latin typeface="Andale Mono"/>
+                <a:cs typeface="Andale Mono"/>
+              </a:rPr>
+              <a:t>$ less ~/logs/rna_qc_2.log</a:t>
+            </a:r>
+          </a:p>
+          <a:p>
+            <a:pPr marL="118872" indent="0">
+              <a:buNone/>
+            </a:pPr>
+            <a:endParaRPr lang="en-US" sz="1800" dirty="0">
               <a:solidFill>
-                <a:srgbClr val="FFE193"/>
+                <a:schemeClr val="accent1">
+                  <a:lumMod val="40000"/>
+                  <a:lumOff val="60000"/>
+                </a:schemeClr>
               </a:solidFill>
               <a:latin typeface="Andale Mono"/>
               <a:cs typeface="Andale Mono"/>
@@ -17261,7 +17555,25 @@
             <a:pPr marL="118872" indent="0">
               <a:buNone/>
             </a:pPr>
-            <a:endParaRPr lang="en-US" dirty="0">
+            <a:r>
+              <a:rPr lang="en-US" sz="1800" dirty="0">
+                <a:solidFill>
+                  <a:srgbClr val="FFFFFF"/>
+                </a:solidFill>
+                <a:latin typeface="Andale Mono"/>
+                <a:cs typeface="Andale Mono"/>
+              </a:rPr>
+              <a:t>#The log file gives you information about the duration of the job, the resources used as well as the standard output from your script.</a:t>
+            </a:r>
+          </a:p>
+          <a:p>
+            <a:pPr marL="118872" indent="0">
+              <a:buNone/>
+            </a:pPr>
+            <a:endParaRPr lang="en-US" sz="1800" dirty="0">
+              <a:solidFill>
+                <a:srgbClr val="FFFFFF"/>
+              </a:solidFill>
               <a:latin typeface="Andale Mono"/>
               <a:cs typeface="Andale Mono"/>
             </a:endParaRPr>
@@ -17271,14 +17583,61 @@
               <a:buNone/>
             </a:pPr>
             <a:r>
-              <a:rPr lang="en-US" dirty="0">
-                <a:latin typeface="Andale Mono"/>
-                <a:cs typeface="Andale Mono"/>
-              </a:rPr>
-              <a:t>#Press </a:t>
-            </a:r>
-            <a:r>
-              <a:rPr lang="en-US" dirty="0" err="1">
+              <a:rPr lang="en-US" sz="1800" dirty="0">
+                <a:solidFill>
+                  <a:srgbClr val="FFFFFF"/>
+                </a:solidFill>
+                <a:latin typeface="Andale Mono"/>
+                <a:cs typeface="Andale Mono"/>
+              </a:rPr>
+              <a:t>#Always check your log file for errors or warnings before trusting the output of a job!</a:t>
+            </a:r>
+          </a:p>
+          <a:p>
+            <a:pPr marL="118872" indent="0">
+              <a:buNone/>
+            </a:pPr>
+            <a:endParaRPr lang="en-US" sz="1800" dirty="0">
+              <a:solidFill>
+                <a:srgbClr val="FFFFFF"/>
+              </a:solidFill>
+              <a:latin typeface="Andale Mono"/>
+              <a:cs typeface="Andale Mono"/>
+            </a:endParaRPr>
+          </a:p>
+          <a:p>
+            <a:pPr marL="118872" indent="0">
+              <a:buNone/>
+            </a:pPr>
+            <a:r>
+              <a:rPr lang="en-US" sz="1800" dirty="0">
+                <a:solidFill>
+                  <a:srgbClr val="FFFFFF"/>
+                </a:solidFill>
+                <a:latin typeface="Andale Mono"/>
+                <a:cs typeface="Andale Mono"/>
+              </a:rPr>
+              <a:t>#Looks good? Check out the QC results in:</a:t>
+            </a:r>
+          </a:p>
+          <a:p>
+            <a:pPr marL="118872" indent="0">
+              <a:buNone/>
+            </a:pPr>
+            <a:endParaRPr lang="en-US" sz="1800" dirty="0">
+              <a:solidFill>
+                <a:srgbClr val="FFFFFF"/>
+              </a:solidFill>
+              <a:latin typeface="Andale Mono"/>
+              <a:cs typeface="Andale Mono"/>
+            </a:endParaRPr>
+          </a:p>
+          <a:p>
+            <a:pPr marL="118872" indent="0">
+              <a:buNone/>
+            </a:pPr>
+            <a:r>
+              <a:rPr lang="en-US" sz="1800" dirty="0">
                 <a:solidFill>
                   <a:schemeClr val="accent1">
                     <a:lumMod val="40000"/>
@@ -17288,200 +17647,78 @@
                 <a:latin typeface="Andale Mono"/>
                 <a:cs typeface="Andale Mono"/>
               </a:rPr>
-              <a:t>ctrl+Z</a:t>
-            </a:r>
-            <a:r>
-              <a:rPr lang="en-US" dirty="0">
-                <a:latin typeface="Andale Mono"/>
-                <a:cs typeface="Andale Mono"/>
-              </a:rPr>
-              <a:t> to pause the process midway</a:t>
-            </a:r>
-          </a:p>
-          <a:p>
-            <a:pPr marL="118872" indent="0">
-              <a:buNone/>
-            </a:pPr>
-            <a:endParaRPr lang="en-US" dirty="0">
-              <a:latin typeface="Andale Mono"/>
-              <a:cs typeface="Andale Mono"/>
-            </a:endParaRPr>
-          </a:p>
-          <a:p>
-            <a:pPr marL="118872" indent="0">
-              <a:buNone/>
-            </a:pPr>
-            <a:r>
-              <a:rPr lang="en-US" dirty="0">
-                <a:latin typeface="Andale Mono"/>
-                <a:cs typeface="Andale Mono"/>
-              </a:rPr>
-              <a:t>#Now background it.</a:t>
-            </a:r>
-          </a:p>
-          <a:p>
-            <a:pPr marL="118872" indent="0">
-              <a:buNone/>
-            </a:pPr>
-            <a:endParaRPr lang="en-US" dirty="0">
-              <a:latin typeface="Andale Mono"/>
-              <a:cs typeface="Andale Mono"/>
-            </a:endParaRPr>
-          </a:p>
-          <a:p>
-            <a:pPr marL="118872" indent="0">
-              <a:buNone/>
-            </a:pPr>
-            <a:r>
-              <a:rPr lang="en-US" dirty="0">
-                <a:solidFill>
-                  <a:srgbClr val="FFE193"/>
-                </a:solidFill>
-                <a:latin typeface="Andale Mono"/>
-                <a:cs typeface="Andale Mono"/>
-              </a:rPr>
-              <a:t>$ </a:t>
-            </a:r>
-            <a:r>
-              <a:rPr lang="en-US" dirty="0" err="1">
-                <a:solidFill>
-                  <a:srgbClr val="FFE193"/>
-                </a:solidFill>
-                <a:latin typeface="Andale Mono"/>
-                <a:cs typeface="Andale Mono"/>
-              </a:rPr>
-              <a:t>bg</a:t>
-            </a:r>
-            <a:r>
-              <a:rPr lang="en-US" dirty="0">
-                <a:solidFill>
-                  <a:srgbClr val="FFE193"/>
-                </a:solidFill>
-                <a:latin typeface="Andale Mono"/>
-                <a:cs typeface="Andale Mono"/>
-              </a:rPr>
-              <a:t> %1</a:t>
-            </a:r>
-          </a:p>
-          <a:p>
-            <a:pPr marL="118872" indent="0">
-              <a:buNone/>
-            </a:pPr>
-            <a:endParaRPr lang="en-US" dirty="0">
-              <a:latin typeface="Andale Mono"/>
-              <a:cs typeface="Andale Mono"/>
-            </a:endParaRPr>
-          </a:p>
-          <a:p>
-            <a:pPr marL="118872" indent="0">
-              <a:buNone/>
-            </a:pPr>
-            <a:r>
-              <a:rPr lang="en-US" dirty="0">
-                <a:latin typeface="Andale Mono"/>
-                <a:cs typeface="Andale Mono"/>
-              </a:rPr>
-              <a:t>#You’re free to do something else! Check on the status of your process by typing</a:t>
-            </a:r>
-          </a:p>
-          <a:p>
-            <a:pPr marL="118872" indent="0">
-              <a:buNone/>
-            </a:pPr>
-            <a:endParaRPr lang="en-US" dirty="0">
-              <a:latin typeface="Andale Mono"/>
-              <a:cs typeface="Andale Mono"/>
-            </a:endParaRPr>
-          </a:p>
-          <a:p>
-            <a:pPr marL="118872" indent="0">
-              <a:buNone/>
-            </a:pPr>
-            <a:r>
-              <a:rPr lang="en-US" dirty="0">
-                <a:solidFill>
-                  <a:srgbClr val="FFE193"/>
-                </a:solidFill>
-                <a:latin typeface="Andale Mono"/>
-                <a:cs typeface="Andale Mono"/>
-              </a:rPr>
-              <a:t>$ jobs</a:t>
-            </a:r>
-          </a:p>
-          <a:p>
-            <a:pPr marL="118872" indent="0">
-              <a:buNone/>
-            </a:pPr>
-            <a:endParaRPr lang="en-US" dirty="0">
-              <a:solidFill>
-                <a:srgbClr val="FFE193"/>
-              </a:solidFill>
-              <a:latin typeface="Andale Mono"/>
-              <a:cs typeface="Andale Mono"/>
-            </a:endParaRPr>
-          </a:p>
-          <a:p>
-            <a:pPr marL="118872" indent="0">
-              <a:buNone/>
-            </a:pPr>
-            <a:r>
-              <a:rPr lang="en-US" dirty="0">
-                <a:latin typeface="Andale Mono"/>
-                <a:cs typeface="Andale Mono"/>
-              </a:rPr>
-              <a:t>#Kill the process before it finishes by</a:t>
-            </a:r>
-            <a:endParaRPr lang="en-US" dirty="0">
-              <a:solidFill>
-                <a:srgbClr val="FFE193"/>
-              </a:solidFill>
-              <a:latin typeface="Andale Mono"/>
-              <a:cs typeface="Andale Mono"/>
-            </a:endParaRPr>
-          </a:p>
-          <a:p>
-            <a:pPr marL="118872" indent="0">
-              <a:buNone/>
-            </a:pPr>
-            <a:endParaRPr lang="en-US" dirty="0">
-              <a:solidFill>
-                <a:srgbClr val="FFE193"/>
-              </a:solidFill>
-              <a:latin typeface="Andale Mono"/>
-              <a:cs typeface="Andale Mono"/>
-            </a:endParaRPr>
-          </a:p>
-          <a:p>
-            <a:pPr marL="118872" indent="0">
-              <a:buNone/>
-            </a:pPr>
-            <a:r>
-              <a:rPr lang="en-US" dirty="0">
-                <a:solidFill>
-                  <a:srgbClr val="FFE193"/>
-                </a:solidFill>
-                <a:latin typeface="Andale Mono"/>
-                <a:cs typeface="Andale Mono"/>
-              </a:rPr>
-              <a:t>$ kill %</a:t>
-            </a:r>
-            <a:r>
-              <a:rPr lang="en-US" i="1" dirty="0" err="1">
-                <a:solidFill>
-                  <a:srgbClr val="FFE193"/>
-                </a:solidFill>
-                <a:latin typeface="Andale Mono"/>
-                <a:cs typeface="Andale Mono"/>
-              </a:rPr>
-              <a:t>jobID</a:t>
-            </a:r>
-            <a:endParaRPr lang="en-US" dirty="0">
-              <a:solidFill>
-                <a:srgbClr val="FFE193"/>
-              </a:solidFill>
-              <a:latin typeface="Andale Mono"/>
-              <a:cs typeface="Andale Mono"/>
-            </a:endParaRPr>
+              <a:t>$ cd $SCR/</a:t>
+            </a:r>
+            <a:r>
+              <a:rPr lang="en-US" sz="1800" dirty="0" err="1">
+                <a:solidFill>
+                  <a:schemeClr val="accent1">
+                    <a:lumMod val="40000"/>
+                    <a:lumOff val="60000"/>
+                  </a:schemeClr>
+                </a:solidFill>
+                <a:latin typeface="Andale Mono"/>
+                <a:cs typeface="Andale Mono"/>
+              </a:rPr>
+              <a:t>rna_data</a:t>
+            </a:r>
+            <a:r>
+              <a:rPr lang="en-US" sz="1800" dirty="0">
+                <a:solidFill>
+                  <a:schemeClr val="accent1">
+                    <a:lumMod val="40000"/>
+                    <a:lumOff val="60000"/>
+                  </a:schemeClr>
+                </a:solidFill>
+                <a:latin typeface="Andale Mono"/>
+                <a:cs typeface="Andale Mono"/>
+              </a:rPr>
+              <a:t>/QC</a:t>
+            </a:r>
+          </a:p>
+          <a:p>
+            <a:pPr marL="118872" indent="0">
+              <a:buNone/>
+            </a:pPr>
+            <a:r>
+              <a:rPr lang="en-US" sz="1800" dirty="0">
+                <a:solidFill>
+                  <a:schemeClr val="accent1">
+                    <a:lumMod val="40000"/>
+                    <a:lumOff val="60000"/>
+                  </a:schemeClr>
+                </a:solidFill>
+                <a:latin typeface="Andale Mono"/>
+                <a:cs typeface="Andale Mono"/>
+              </a:rPr>
+              <a:t>$ ls </a:t>
+            </a:r>
+            <a:r>
+              <a:rPr lang="mr-IN" sz="1800" dirty="0">
+                <a:solidFill>
+                  <a:schemeClr val="accent1">
+                    <a:lumMod val="40000"/>
+                    <a:lumOff val="60000"/>
+                  </a:schemeClr>
+                </a:solidFill>
+                <a:latin typeface="Andale Mono"/>
+                <a:cs typeface="Andale Mono"/>
+              </a:rPr>
+              <a:t>–</a:t>
+            </a:r>
+            <a:r>
+              <a:rPr lang="en-US" sz="1800" dirty="0">
+                <a:solidFill>
+                  <a:schemeClr val="accent1">
+                    <a:lumMod val="40000"/>
+                    <a:lumOff val="60000"/>
+                  </a:schemeClr>
+                </a:solidFill>
+                <a:latin typeface="Andale Mono"/>
+                <a:cs typeface="Andale Mono"/>
+              </a:rPr>
+              <a:t>l</a:t>
+            </a:r>
           </a:p>
         </p:txBody>
       </p:sp>
@@ -17511,7 +17748,7 @@
     </p:spTree>
     <p:extLst>
       <p:ext uri="{BB962C8B-B14F-4D97-AF65-F5344CB8AC3E}">
-        <p14:creationId xmlns:p14="http://schemas.microsoft.com/office/powerpoint/2010/main" val="3573870739"/>
+        <p14:creationId xmlns:p14="http://schemas.microsoft.com/office/powerpoint/2010/main" val="591517476"/>
       </p:ext>
     </p:extLst>
   </p:cSld>
@@ -17585,65 +17822,390 @@
         <p:spPr/>
         <p:txBody>
           <a:bodyPr>
-            <a:normAutofit/>
+            <a:normAutofit fontScale="70000" lnSpcReduction="20000"/>
           </a:bodyPr>
           <a:lstStyle/>
           <a:p>
             <a:r>
-              <a:rPr lang="en-US" dirty="0"/>
-              <a:t>Most of your scripts will be saved in your </a:t>
-            </a:r>
-            <a:r>
-              <a:rPr lang="en-US" i="1" dirty="0"/>
-              <a:t>/home</a:t>
-            </a:r>
-            <a:r>
-              <a:rPr lang="en-US" dirty="0"/>
-              <a:t> on Triton. Editing these scripts through </a:t>
-            </a:r>
-            <a:r>
-              <a:rPr lang="en-US" i="1" dirty="0" err="1"/>
-              <a:t>nano</a:t>
-            </a:r>
-            <a:r>
-              <a:rPr lang="en-US" dirty="0"/>
-              <a:t> works but is inconvenient.</a:t>
+              <a:rPr lang="en-US" sz="2600" dirty="0"/>
+              <a:t>A command line process is taking longer than expected and you could do something else in the meantime? Background it!</a:t>
             </a:r>
           </a:p>
           <a:p>
             <a:endParaRPr lang="en-US" dirty="0"/>
           </a:p>
           <a:p>
-            <a:r>
-              <a:rPr lang="en-US" dirty="0"/>
-              <a:t>Use an external file handling app such as FUSE for OS X.</a:t>
-            </a:r>
-          </a:p>
-          <a:p>
-            <a:endParaRPr lang="en-US" dirty="0"/>
-          </a:p>
-          <a:p>
-            <a:r>
-              <a:rPr lang="en-US" dirty="0"/>
-              <a:t>Lets you mirror the Triton file system to your local machine, as if it were an external hard drive!</a:t>
-            </a:r>
-          </a:p>
-          <a:p>
-            <a:endParaRPr lang="en-US" dirty="0"/>
-          </a:p>
-          <a:p>
-            <a:r>
-              <a:rPr lang="en-US" dirty="0"/>
-              <a:t>Can now open scripts “locally” using your favorite code editor such as </a:t>
-            </a:r>
-            <a:r>
-              <a:rPr lang="en-US" i="1" dirty="0" err="1"/>
-              <a:t>TextWrangler</a:t>
-            </a:r>
-            <a:r>
-              <a:rPr lang="en-US" dirty="0"/>
-              <a:t>.</a:t>
-            </a:r>
+            <a:pPr marL="118872" indent="0">
+              <a:buNone/>
+            </a:pPr>
+            <a:r>
+              <a:rPr lang="en-US" dirty="0">
+                <a:latin typeface="Andale Mono"/>
+                <a:cs typeface="Andale Mono"/>
+              </a:rPr>
+              <a:t>#Run the </a:t>
+            </a:r>
+            <a:r>
+              <a:rPr lang="en-US" i="1" dirty="0" err="1">
+                <a:latin typeface="Andale Mono"/>
+                <a:cs typeface="Andale Mono"/>
+              </a:rPr>
+              <a:t>wc</a:t>
+            </a:r>
+            <a:r>
+              <a:rPr lang="en-US" dirty="0">
+                <a:latin typeface="Andale Mono"/>
+                <a:cs typeface="Andale Mono"/>
+              </a:rPr>
+              <a:t> command on the data files again.</a:t>
+            </a:r>
+          </a:p>
+          <a:p>
+            <a:pPr marL="118872" indent="0">
+              <a:buNone/>
+            </a:pPr>
+            <a:endParaRPr lang="en-US" dirty="0">
+              <a:latin typeface="Andale Mono"/>
+              <a:cs typeface="Andale Mono"/>
+            </a:endParaRPr>
+          </a:p>
+          <a:p>
+            <a:pPr marL="118872" indent="0">
+              <a:buNone/>
+            </a:pPr>
+            <a:r>
+              <a:rPr lang="en-US" dirty="0">
+                <a:solidFill>
+                  <a:srgbClr val="FFE193"/>
+                </a:solidFill>
+                <a:latin typeface="Andale Mono"/>
+                <a:cs typeface="Andale Mono"/>
+              </a:rPr>
+              <a:t>$ </a:t>
+            </a:r>
+            <a:r>
+              <a:rPr lang="en-US" dirty="0" err="1">
+                <a:solidFill>
+                  <a:srgbClr val="FFE193"/>
+                </a:solidFill>
+                <a:latin typeface="Andale Mono"/>
+                <a:cs typeface="Andale Mono"/>
+              </a:rPr>
+              <a:t>wc</a:t>
+            </a:r>
+            <a:r>
+              <a:rPr lang="en-US" dirty="0">
+                <a:solidFill>
+                  <a:srgbClr val="FFE193"/>
+                </a:solidFill>
+                <a:latin typeface="Andale Mono"/>
+                <a:cs typeface="Andale Mono"/>
+              </a:rPr>
+              <a:t> ~/</a:t>
+            </a:r>
+            <a:r>
+              <a:rPr lang="en-US" i="1" dirty="0">
+                <a:solidFill>
+                  <a:srgbClr val="FFE193"/>
+                </a:solidFill>
+                <a:latin typeface="Andale Mono"/>
+                <a:cs typeface="Andale Mono"/>
+              </a:rPr>
+              <a:t>username</a:t>
+            </a:r>
+            <a:r>
+              <a:rPr lang="en-US" dirty="0">
+                <a:solidFill>
+                  <a:srgbClr val="FFE193"/>
+                </a:solidFill>
+                <a:latin typeface="Andale Mono"/>
+                <a:cs typeface="Andale Mono"/>
+              </a:rPr>
+              <a:t>/</a:t>
+            </a:r>
+            <a:r>
+              <a:rPr lang="en-US" dirty="0" err="1">
+                <a:solidFill>
+                  <a:srgbClr val="FFE193"/>
+                </a:solidFill>
+                <a:latin typeface="Andale Mono"/>
+                <a:cs typeface="Andale Mono"/>
+              </a:rPr>
+              <a:t>rna_data</a:t>
+            </a:r>
+            <a:r>
+              <a:rPr lang="en-US" dirty="0">
+                <a:solidFill>
+                  <a:srgbClr val="FFE193"/>
+                </a:solidFill>
+                <a:latin typeface="Andale Mono"/>
+                <a:cs typeface="Andale Mono"/>
+              </a:rPr>
+              <a:t>/</a:t>
+            </a:r>
+            <a:r>
+              <a:rPr lang="en-US" dirty="0" err="1">
+                <a:solidFill>
+                  <a:srgbClr val="FFE193"/>
+                </a:solidFill>
+                <a:latin typeface="Andale Mono"/>
+                <a:cs typeface="Andale Mono"/>
+              </a:rPr>
+              <a:t>raw_reads</a:t>
+            </a:r>
+            <a:r>
+              <a:rPr lang="en-US" dirty="0">
+                <a:solidFill>
+                  <a:srgbClr val="FFE193"/>
+                </a:solidFill>
+                <a:latin typeface="Andale Mono"/>
+                <a:cs typeface="Andale Mono"/>
+              </a:rPr>
+              <a:t>/*</a:t>
+            </a:r>
+            <a:r>
+              <a:rPr lang="en-US" dirty="0" err="1">
+                <a:solidFill>
+                  <a:srgbClr val="FFE193"/>
+                </a:solidFill>
+                <a:latin typeface="Andale Mono"/>
+                <a:cs typeface="Andale Mono"/>
+              </a:rPr>
+              <a:t>fastq.gz</a:t>
+            </a:r>
+            <a:endParaRPr lang="en-US" dirty="0">
+              <a:solidFill>
+                <a:srgbClr val="FFE193"/>
+              </a:solidFill>
+              <a:latin typeface="Andale Mono"/>
+              <a:cs typeface="Andale Mono"/>
+            </a:endParaRPr>
+          </a:p>
+          <a:p>
+            <a:pPr marL="118872" indent="0">
+              <a:buNone/>
+            </a:pPr>
+            <a:endParaRPr lang="en-US" dirty="0">
+              <a:latin typeface="Andale Mono"/>
+              <a:cs typeface="Andale Mono"/>
+            </a:endParaRPr>
+          </a:p>
+          <a:p>
+            <a:pPr marL="118872" indent="0">
+              <a:buNone/>
+            </a:pPr>
+            <a:r>
+              <a:rPr lang="en-US" dirty="0">
+                <a:latin typeface="Andale Mono"/>
+                <a:cs typeface="Andale Mono"/>
+              </a:rPr>
+              <a:t>#Press </a:t>
+            </a:r>
+            <a:r>
+              <a:rPr lang="en-US" dirty="0" err="1">
+                <a:solidFill>
+                  <a:schemeClr val="accent1">
+                    <a:lumMod val="40000"/>
+                    <a:lumOff val="60000"/>
+                  </a:schemeClr>
+                </a:solidFill>
+                <a:latin typeface="Andale Mono"/>
+                <a:cs typeface="Andale Mono"/>
+              </a:rPr>
+              <a:t>ctrl+Z</a:t>
+            </a:r>
+            <a:r>
+              <a:rPr lang="en-US" dirty="0">
+                <a:latin typeface="Andale Mono"/>
+                <a:cs typeface="Andale Mono"/>
+              </a:rPr>
+              <a:t> to pause the process midway</a:t>
+            </a:r>
+          </a:p>
+          <a:p>
+            <a:pPr marL="118872" indent="0">
+              <a:buNone/>
+            </a:pPr>
+            <a:endParaRPr lang="en-US" dirty="0">
+              <a:latin typeface="Andale Mono"/>
+              <a:cs typeface="Andale Mono"/>
+            </a:endParaRPr>
+          </a:p>
+          <a:p>
+            <a:pPr marL="118872" indent="0">
+              <a:buNone/>
+            </a:pPr>
+            <a:r>
+              <a:rPr lang="en-US" dirty="0">
+                <a:latin typeface="Andale Mono"/>
+                <a:cs typeface="Andale Mono"/>
+              </a:rPr>
+              <a:t>#Now background it.</a:t>
+            </a:r>
+          </a:p>
+          <a:p>
+            <a:pPr marL="118872" indent="0">
+              <a:buNone/>
+            </a:pPr>
+            <a:endParaRPr lang="en-US" dirty="0">
+              <a:latin typeface="Andale Mono"/>
+              <a:cs typeface="Andale Mono"/>
+            </a:endParaRPr>
+          </a:p>
+          <a:p>
+            <a:pPr marL="118872" indent="0">
+              <a:buNone/>
+            </a:pPr>
+            <a:r>
+              <a:rPr lang="en-US" dirty="0">
+                <a:solidFill>
+                  <a:srgbClr val="FFE193"/>
+                </a:solidFill>
+                <a:latin typeface="Andale Mono"/>
+                <a:cs typeface="Andale Mono"/>
+              </a:rPr>
+              <a:t>$ </a:t>
+            </a:r>
+            <a:r>
+              <a:rPr lang="en-US" dirty="0" err="1">
+                <a:solidFill>
+                  <a:srgbClr val="FFE193"/>
+                </a:solidFill>
+                <a:latin typeface="Andale Mono"/>
+                <a:cs typeface="Andale Mono"/>
+              </a:rPr>
+              <a:t>bg</a:t>
+            </a:r>
+            <a:r>
+              <a:rPr lang="en-US" dirty="0">
+                <a:solidFill>
+                  <a:srgbClr val="FFE193"/>
+                </a:solidFill>
+                <a:latin typeface="Andale Mono"/>
+                <a:cs typeface="Andale Mono"/>
+              </a:rPr>
+              <a:t> %1</a:t>
+            </a:r>
+          </a:p>
+          <a:p>
+            <a:pPr marL="118872" indent="0">
+              <a:buNone/>
+            </a:pPr>
+            <a:endParaRPr lang="en-US" dirty="0">
+              <a:latin typeface="Andale Mono"/>
+              <a:cs typeface="Andale Mono"/>
+            </a:endParaRPr>
+          </a:p>
+          <a:p>
+            <a:pPr marL="118872" indent="0">
+              <a:buNone/>
+            </a:pPr>
+            <a:r>
+              <a:rPr lang="en-US" dirty="0">
+                <a:latin typeface="Andale Mono"/>
+                <a:cs typeface="Andale Mono"/>
+              </a:rPr>
+              <a:t>#You’re free to do something else! Check on the status of your process by typing</a:t>
+            </a:r>
+          </a:p>
+          <a:p>
+            <a:pPr marL="118872" indent="0">
+              <a:buNone/>
+            </a:pPr>
+            <a:endParaRPr lang="en-US" dirty="0">
+              <a:latin typeface="Andale Mono"/>
+              <a:cs typeface="Andale Mono"/>
+            </a:endParaRPr>
+          </a:p>
+          <a:p>
+            <a:pPr marL="118872" indent="0">
+              <a:buNone/>
+            </a:pPr>
+            <a:r>
+              <a:rPr lang="en-US" dirty="0">
+                <a:solidFill>
+                  <a:srgbClr val="FFE193"/>
+                </a:solidFill>
+                <a:latin typeface="Andale Mono"/>
+                <a:cs typeface="Andale Mono"/>
+              </a:rPr>
+              <a:t>$ jobs</a:t>
+            </a:r>
+          </a:p>
+          <a:p>
+            <a:pPr marL="118872" indent="0">
+              <a:buNone/>
+            </a:pPr>
+            <a:endParaRPr lang="en-US" dirty="0">
+              <a:solidFill>
+                <a:srgbClr val="FFE193"/>
+              </a:solidFill>
+              <a:latin typeface="Andale Mono"/>
+              <a:cs typeface="Andale Mono"/>
+            </a:endParaRPr>
+          </a:p>
+          <a:p>
+            <a:pPr marL="118872" indent="0">
+              <a:buNone/>
+            </a:pPr>
+            <a:r>
+              <a:rPr lang="en-US" dirty="0">
+                <a:latin typeface="Andale Mono"/>
+                <a:cs typeface="Andale Mono"/>
+              </a:rPr>
+              <a:t>#Kill the process before it finishes by</a:t>
+            </a:r>
+            <a:endParaRPr lang="en-US" dirty="0">
+              <a:solidFill>
+                <a:srgbClr val="FFE193"/>
+              </a:solidFill>
+              <a:latin typeface="Andale Mono"/>
+              <a:cs typeface="Andale Mono"/>
+            </a:endParaRPr>
+          </a:p>
+          <a:p>
+            <a:pPr marL="118872" indent="0">
+              <a:buNone/>
+            </a:pPr>
+            <a:endParaRPr lang="en-US" dirty="0">
+              <a:solidFill>
+                <a:srgbClr val="FFE193"/>
+              </a:solidFill>
+              <a:latin typeface="Andale Mono"/>
+              <a:cs typeface="Andale Mono"/>
+            </a:endParaRPr>
+          </a:p>
+          <a:p>
+            <a:pPr marL="118872" indent="0">
+              <a:buNone/>
+            </a:pPr>
+            <a:r>
+              <a:rPr lang="en-US" dirty="0">
+                <a:solidFill>
+                  <a:srgbClr val="FFE193"/>
+                </a:solidFill>
+                <a:latin typeface="Andale Mono"/>
+                <a:cs typeface="Andale Mono"/>
+              </a:rPr>
+              <a:t>$ kill %</a:t>
+            </a:r>
+            <a:r>
+              <a:rPr lang="en-US" i="1" dirty="0" err="1">
+                <a:solidFill>
+                  <a:srgbClr val="FFE193"/>
+                </a:solidFill>
+                <a:latin typeface="Andale Mono"/>
+                <a:cs typeface="Andale Mono"/>
+              </a:rPr>
+              <a:t>jobID</a:t>
+            </a:r>
+            <a:endParaRPr lang="en-US" dirty="0">
+              <a:solidFill>
+                <a:srgbClr val="FFE193"/>
+              </a:solidFill>
+              <a:latin typeface="Andale Mono"/>
+              <a:cs typeface="Andale Mono"/>
+            </a:endParaRPr>
           </a:p>
         </p:txBody>
       </p:sp>
@@ -17665,6 +18227,168 @@
             <a:fld id="{9648F39E-9C37-485F-AC97-16BB4BDF9F49}" type="slidenum">
               <a:rPr kumimoji="0" lang="en-US" smtClean="0"/>
               <a:t>36</a:t>
+            </a:fld>
+            <a:endParaRPr kumimoji="0" lang="en-US"/>
+          </a:p>
+        </p:txBody>
+      </p:sp>
+    </p:spTree>
+    <p:extLst>
+      <p:ext uri="{BB962C8B-B14F-4D97-AF65-F5344CB8AC3E}">
+        <p14:creationId xmlns:p14="http://schemas.microsoft.com/office/powerpoint/2010/main" val="3573870739"/>
+      </p:ext>
+    </p:extLst>
+  </p:cSld>
+  <p:clrMapOvr>
+    <a:masterClrMapping/>
+  </p:clrMapOvr>
+  <mc:AlternateContent xmlns:mc="http://schemas.openxmlformats.org/markup-compatibility/2006" xmlns:p14="http://schemas.microsoft.com/office/powerpoint/2010/main">
+    <mc:Choice Requires="p14">
+      <p:transition spd="med" p14:dur="700">
+        <p:fade/>
+      </p:transition>
+    </mc:Choice>
+    <mc:Fallback xmlns="">
+      <p:transition xmlns:p14="http://schemas.microsoft.com/office/powerpoint/2010/main" spd="med">
+        <p:fade/>
+      </p:transition>
+    </mc:Fallback>
+  </mc:AlternateContent>
+</p:sld>
+</file>
+
+<file path=ppt/slides/slide37.xml><?xml version="1.0" encoding="utf-8"?>
+<p:sld xmlns:a="http://schemas.openxmlformats.org/drawingml/2006/main" xmlns:r="http://schemas.openxmlformats.org/officeDocument/2006/relationships" xmlns:p="http://schemas.openxmlformats.org/presentationml/2006/main">
+  <p:cSld>
+    <p:spTree>
+      <p:nvGrpSpPr>
+        <p:cNvPr id="1" name=""/>
+        <p:cNvGrpSpPr/>
+        <p:nvPr/>
+      </p:nvGrpSpPr>
+      <p:grpSpPr>
+        <a:xfrm>
+          <a:off x="0" y="0"/>
+          <a:ext cx="0" cy="0"/>
+          <a:chOff x="0" y="0"/>
+          <a:chExt cx="0" cy="0"/>
+        </a:xfrm>
+      </p:grpSpPr>
+      <p:sp>
+        <p:nvSpPr>
+          <p:cNvPr id="2" name="Title 1"/>
+          <p:cNvSpPr>
+            <a:spLocks noGrp="1"/>
+          </p:cNvSpPr>
+          <p:nvPr>
+            <p:ph type="title"/>
+          </p:nvPr>
+        </p:nvSpPr>
+        <p:spPr/>
+        <p:txBody>
+          <a:bodyPr/>
+          <a:lstStyle/>
+          <a:p>
+            <a:r>
+              <a:rPr lang="en-US" dirty="0"/>
+              <a:t>Some more tips &amp; tricks</a:t>
+            </a:r>
+          </a:p>
+        </p:txBody>
+      </p:sp>
+      <p:sp>
+        <p:nvSpPr>
+          <p:cNvPr id="3" name="Content Placeholder 2"/>
+          <p:cNvSpPr>
+            <a:spLocks noGrp="1"/>
+          </p:cNvSpPr>
+          <p:nvPr>
+            <p:ph idx="1"/>
+          </p:nvPr>
+        </p:nvSpPr>
+        <p:spPr/>
+        <p:txBody>
+          <a:bodyPr>
+            <a:normAutofit/>
+          </a:bodyPr>
+          <a:lstStyle/>
+          <a:p>
+            <a:r>
+              <a:rPr lang="en-US" dirty="0"/>
+              <a:t>Most of your scripts will be saved in your </a:t>
+            </a:r>
+            <a:r>
+              <a:rPr lang="en-US" i="1" dirty="0"/>
+              <a:t>/home</a:t>
+            </a:r>
+            <a:r>
+              <a:rPr lang="en-US" dirty="0"/>
+              <a:t> on Triton. Editing these scripts through </a:t>
+            </a:r>
+            <a:r>
+              <a:rPr lang="en-US" i="1" dirty="0" err="1"/>
+              <a:t>nano</a:t>
+            </a:r>
+            <a:r>
+              <a:rPr lang="en-US" dirty="0"/>
+              <a:t> works but is inconvenient.</a:t>
+            </a:r>
+          </a:p>
+          <a:p>
+            <a:endParaRPr lang="en-US" dirty="0"/>
+          </a:p>
+          <a:p>
+            <a:r>
+              <a:rPr lang="en-US" dirty="0"/>
+              <a:t>Use an external file handling app such as FUSE for OS X.</a:t>
+            </a:r>
+          </a:p>
+          <a:p>
+            <a:endParaRPr lang="en-US" dirty="0"/>
+          </a:p>
+          <a:p>
+            <a:r>
+              <a:rPr lang="en-US" dirty="0"/>
+              <a:t>Lets you mirror the Triton file system to your local machine, as if it were an external hard drive!</a:t>
+            </a:r>
+          </a:p>
+          <a:p>
+            <a:endParaRPr lang="en-US" dirty="0"/>
+          </a:p>
+          <a:p>
+            <a:r>
+              <a:rPr lang="en-US" dirty="0"/>
+              <a:t>Can now open scripts “locally” using your favorite code editor such as </a:t>
+            </a:r>
+            <a:r>
+              <a:rPr lang="en-US" i="1" dirty="0" err="1"/>
+              <a:t>TextWrangler</a:t>
+            </a:r>
+            <a:r>
+              <a:rPr lang="en-US" dirty="0"/>
+              <a:t>.</a:t>
+            </a:r>
+          </a:p>
+        </p:txBody>
+      </p:sp>
+      <p:sp>
+        <p:nvSpPr>
+          <p:cNvPr id="4" name="Slide Number Placeholder 3"/>
+          <p:cNvSpPr>
+            <a:spLocks noGrp="1"/>
+          </p:cNvSpPr>
+          <p:nvPr>
+            <p:ph type="sldNum" sz="quarter" idx="12"/>
+          </p:nvPr>
+        </p:nvSpPr>
+        <p:spPr/>
+        <p:txBody>
+          <a:bodyPr/>
+          <a:lstStyle/>
+          <a:p>
+            <a:fld id="{9648F39E-9C37-485F-AC97-16BB4BDF9F49}" type="slidenum">
+              <a:rPr kumimoji="0" lang="en-US" smtClean="0"/>
+              <a:t>37</a:t>
             </a:fld>
             <a:endParaRPr kumimoji="0" lang="en-US"/>
           </a:p>
@@ -17725,7 +18449,7 @@
 </p:sld>
 </file>
 
-<file path=ppt/slides/slide37.xml><?xml version="1.0" encoding="utf-8"?>
+<file path=ppt/slides/slide38.xml><?xml version="1.0" encoding="utf-8"?>
 <p:sld xmlns:a="http://schemas.openxmlformats.org/drawingml/2006/main" xmlns:r="http://schemas.openxmlformats.org/officeDocument/2006/relationships" xmlns:p="http://schemas.openxmlformats.org/presentationml/2006/main">
   <p:cSld>
     <p:spTree>
@@ -17817,7 +18541,7 @@
           <a:p>
             <a:fld id="{9648F39E-9C37-485F-AC97-16BB4BDF9F49}" type="slidenum">
               <a:rPr kumimoji="0" lang="en-US" smtClean="0"/>
-              <a:t>37</a:t>
+              <a:t>38</a:t>
             </a:fld>
             <a:endParaRPr kumimoji="0" lang="en-US"/>
           </a:p>
@@ -20003,7 +20727,7 @@
                 <a:latin typeface="Andale Mono"/>
                 <a:cs typeface="Andale Mono"/>
               </a:rPr>
-              <a:t> command to copy the directory to pegasus</a:t>
+              <a:t> command to copy the directory to Triton</a:t>
             </a:r>
           </a:p>
           <a:p>
@@ -20438,7 +21162,7 @@
                 <a:latin typeface="Andale Mono"/>
                 <a:cs typeface="Andale Mono"/>
               </a:rPr>
-              <a:t>@pegasus.ccs.miami.edu</a:t>
+              <a:t>@triton.ccs.miami.edu</a:t>
             </a:r>
             <a:endParaRPr lang="pt-BR" sz="2000" dirty="0">
               <a:solidFill>
